--- a/Embedded Devices Malware Detection, Prevention & Centralization.pptx
+++ b/Embedded Devices Malware Detection, Prevention & Centralization.pptx
@@ -5,24 +5,21 @@
     <p:sldMasterId id="2147483648" r:id="rId4"/>
   </p:sldMasterIdLst>
   <p:notesMasterIdLst>
-    <p:notesMasterId r:id="rId17"/>
+    <p:notesMasterId r:id="rId14"/>
   </p:notesMasterIdLst>
   <p:handoutMasterIdLst>
-    <p:handoutMasterId r:id="rId18"/>
+    <p:handoutMasterId r:id="rId15"/>
   </p:handoutMasterIdLst>
   <p:sldIdLst>
     <p:sldId id="256" r:id="rId5"/>
     <p:sldId id="257" r:id="rId6"/>
     <p:sldId id="258" r:id="rId7"/>
-    <p:sldId id="259" r:id="rId8"/>
-    <p:sldId id="260" r:id="rId9"/>
-    <p:sldId id="266" r:id="rId10"/>
-    <p:sldId id="268" r:id="rId11"/>
-    <p:sldId id="261" r:id="rId12"/>
-    <p:sldId id="262" r:id="rId13"/>
-    <p:sldId id="263" r:id="rId14"/>
-    <p:sldId id="264" r:id="rId15"/>
-    <p:sldId id="265" r:id="rId16"/>
+    <p:sldId id="269" r:id="rId8"/>
+    <p:sldId id="270" r:id="rId9"/>
+    <p:sldId id="271" r:id="rId10"/>
+    <p:sldId id="272" r:id="rId11"/>
+    <p:sldId id="273" r:id="rId12"/>
+    <p:sldId id="268" r:id="rId13"/>
   </p:sldIdLst>
   <p:sldSz cx="12192000" cy="6858000"/>
   <p:notesSz cx="6858000" cy="9144000"/>
@@ -143,4382 +140,6 @@
 </p:presentation>
 </file>
 
-<file path=ppt/diagrams/colors1.xml><?xml version="1.0" encoding="utf-8"?>
-<dgm:colorsDef xmlns:dgm="http://schemas.openxmlformats.org/drawingml/2006/diagram" xmlns:a="http://schemas.openxmlformats.org/drawingml/2006/main" uniqueId="urn:microsoft.com/office/officeart/2005/8/colors/accent1_2">
-  <dgm:title val=""/>
-  <dgm:desc val=""/>
-  <dgm:catLst>
-    <dgm:cat type="accent1" pri="11200"/>
-  </dgm:catLst>
-  <dgm:styleLbl name="node0">
-    <dgm:fillClrLst meth="repeat">
-      <a:schemeClr val="accent1"/>
-    </dgm:fillClrLst>
-    <dgm:linClrLst meth="repeat">
-      <a:schemeClr val="lt1"/>
-    </dgm:linClrLst>
-    <dgm:effectClrLst/>
-    <dgm:txLinClrLst/>
-    <dgm:txFillClrLst/>
-    <dgm:txEffectClrLst/>
-  </dgm:styleLbl>
-  <dgm:styleLbl name="alignNode1">
-    <dgm:fillClrLst meth="repeat">
-      <a:schemeClr val="accent1"/>
-    </dgm:fillClrLst>
-    <dgm:linClrLst meth="repeat">
-      <a:schemeClr val="accent1"/>
-    </dgm:linClrLst>
-    <dgm:effectClrLst/>
-    <dgm:txLinClrLst/>
-    <dgm:txFillClrLst/>
-    <dgm:txEffectClrLst/>
-  </dgm:styleLbl>
-  <dgm:styleLbl name="node1">
-    <dgm:fillClrLst meth="repeat">
-      <a:schemeClr val="accent1"/>
-    </dgm:fillClrLst>
-    <dgm:linClrLst meth="repeat">
-      <a:schemeClr val="lt1"/>
-    </dgm:linClrLst>
-    <dgm:effectClrLst/>
-    <dgm:txLinClrLst/>
-    <dgm:txFillClrLst/>
-    <dgm:txEffectClrLst/>
-  </dgm:styleLbl>
-  <dgm:styleLbl name="lnNode1">
-    <dgm:fillClrLst meth="repeat">
-      <a:schemeClr val="accent1"/>
-    </dgm:fillClrLst>
-    <dgm:linClrLst meth="repeat">
-      <a:schemeClr val="lt1"/>
-    </dgm:linClrLst>
-    <dgm:effectClrLst/>
-    <dgm:txLinClrLst/>
-    <dgm:txFillClrLst/>
-    <dgm:txEffectClrLst/>
-  </dgm:styleLbl>
-  <dgm:styleLbl name="vennNode1">
-    <dgm:fillClrLst meth="repeat">
-      <a:schemeClr val="accent1">
-        <a:alpha val="50000"/>
-      </a:schemeClr>
-    </dgm:fillClrLst>
-    <dgm:linClrLst meth="repeat">
-      <a:schemeClr val="lt1"/>
-    </dgm:linClrLst>
-    <dgm:effectClrLst/>
-    <dgm:txLinClrLst/>
-    <dgm:txFillClrLst/>
-    <dgm:txEffectClrLst/>
-  </dgm:styleLbl>
-  <dgm:styleLbl name="node2">
-    <dgm:fillClrLst meth="repeat">
-      <a:schemeClr val="accent1"/>
-    </dgm:fillClrLst>
-    <dgm:linClrLst meth="repeat">
-      <a:schemeClr val="lt1"/>
-    </dgm:linClrLst>
-    <dgm:effectClrLst/>
-    <dgm:txLinClrLst/>
-    <dgm:txFillClrLst/>
-    <dgm:txEffectClrLst/>
-  </dgm:styleLbl>
-  <dgm:styleLbl name="node3">
-    <dgm:fillClrLst meth="repeat">
-      <a:schemeClr val="accent1"/>
-    </dgm:fillClrLst>
-    <dgm:linClrLst meth="repeat">
-      <a:schemeClr val="lt1"/>
-    </dgm:linClrLst>
-    <dgm:effectClrLst/>
-    <dgm:txLinClrLst/>
-    <dgm:txFillClrLst/>
-    <dgm:txEffectClrLst/>
-  </dgm:styleLbl>
-  <dgm:styleLbl name="node4">
-    <dgm:fillClrLst meth="repeat">
-      <a:schemeClr val="accent1"/>
-    </dgm:fillClrLst>
-    <dgm:linClrLst meth="repeat">
-      <a:schemeClr val="lt1"/>
-    </dgm:linClrLst>
-    <dgm:effectClrLst/>
-    <dgm:txLinClrLst/>
-    <dgm:txFillClrLst/>
-    <dgm:txEffectClrLst/>
-  </dgm:styleLbl>
-  <dgm:styleLbl name="fgImgPlace1">
-    <dgm:fillClrLst meth="repeat">
-      <a:schemeClr val="accent1">
-        <a:tint val="50000"/>
-      </a:schemeClr>
-    </dgm:fillClrLst>
-    <dgm:linClrLst meth="repeat">
-      <a:schemeClr val="lt1"/>
-    </dgm:linClrLst>
-    <dgm:effectClrLst/>
-    <dgm:txLinClrLst/>
-    <dgm:txFillClrLst meth="repeat">
-      <a:schemeClr val="lt1"/>
-    </dgm:txFillClrLst>
-    <dgm:txEffectClrLst/>
-  </dgm:styleLbl>
-  <dgm:styleLbl name="alignImgPlace1">
-    <dgm:fillClrLst meth="repeat">
-      <a:schemeClr val="accent1">
-        <a:tint val="50000"/>
-      </a:schemeClr>
-    </dgm:fillClrLst>
-    <dgm:linClrLst meth="repeat">
-      <a:schemeClr val="lt1"/>
-    </dgm:linClrLst>
-    <dgm:effectClrLst/>
-    <dgm:txLinClrLst/>
-    <dgm:txFillClrLst meth="repeat">
-      <a:schemeClr val="lt1"/>
-    </dgm:txFillClrLst>
-    <dgm:txEffectClrLst/>
-  </dgm:styleLbl>
-  <dgm:styleLbl name="bgImgPlace1">
-    <dgm:fillClrLst meth="repeat">
-      <a:schemeClr val="accent1">
-        <a:tint val="50000"/>
-      </a:schemeClr>
-    </dgm:fillClrLst>
-    <dgm:linClrLst meth="repeat">
-      <a:schemeClr val="lt1"/>
-    </dgm:linClrLst>
-    <dgm:effectClrLst/>
-    <dgm:txLinClrLst/>
-    <dgm:txFillClrLst meth="repeat">
-      <a:schemeClr val="lt1"/>
-    </dgm:txFillClrLst>
-    <dgm:txEffectClrLst/>
-  </dgm:styleLbl>
-  <dgm:styleLbl name="sibTrans2D1">
-    <dgm:fillClrLst meth="repeat">
-      <a:schemeClr val="accent1">
-        <a:tint val="60000"/>
-      </a:schemeClr>
-    </dgm:fillClrLst>
-    <dgm:linClrLst meth="repeat">
-      <a:schemeClr val="accent1">
-        <a:tint val="60000"/>
-      </a:schemeClr>
-    </dgm:linClrLst>
-    <dgm:effectClrLst/>
-    <dgm:txLinClrLst/>
-    <dgm:txFillClrLst/>
-    <dgm:txEffectClrLst/>
-  </dgm:styleLbl>
-  <dgm:styleLbl name="fgSibTrans2D1">
-    <dgm:fillClrLst meth="repeat">
-      <a:schemeClr val="accent1">
-        <a:tint val="60000"/>
-      </a:schemeClr>
-    </dgm:fillClrLst>
-    <dgm:linClrLst meth="repeat">
-      <a:schemeClr val="accent1">
-        <a:tint val="60000"/>
-      </a:schemeClr>
-    </dgm:linClrLst>
-    <dgm:effectClrLst/>
-    <dgm:txLinClrLst/>
-    <dgm:txFillClrLst/>
-    <dgm:txEffectClrLst/>
-  </dgm:styleLbl>
-  <dgm:styleLbl name="bgSibTrans2D1">
-    <dgm:fillClrLst meth="repeat">
-      <a:schemeClr val="accent1">
-        <a:tint val="60000"/>
-      </a:schemeClr>
-    </dgm:fillClrLst>
-    <dgm:linClrLst meth="repeat">
-      <a:schemeClr val="accent1">
-        <a:tint val="60000"/>
-      </a:schemeClr>
-    </dgm:linClrLst>
-    <dgm:effectClrLst/>
-    <dgm:txLinClrLst/>
-    <dgm:txFillClrLst/>
-    <dgm:txEffectClrLst/>
-  </dgm:styleLbl>
-  <dgm:styleLbl name="sibTrans1D1">
-    <dgm:fillClrLst meth="repeat">
-      <a:schemeClr val="accent1"/>
-    </dgm:fillClrLst>
-    <dgm:linClrLst meth="repeat">
-      <a:schemeClr val="accent1"/>
-    </dgm:linClrLst>
-    <dgm:effectClrLst/>
-    <dgm:txLinClrLst/>
-    <dgm:txFillClrLst meth="repeat">
-      <a:schemeClr val="tx1"/>
-    </dgm:txFillClrLst>
-    <dgm:txEffectClrLst/>
-  </dgm:styleLbl>
-  <dgm:styleLbl name="callout">
-    <dgm:fillClrLst meth="repeat">
-      <a:schemeClr val="accent1"/>
-    </dgm:fillClrLst>
-    <dgm:linClrLst meth="repeat">
-      <a:schemeClr val="accent1">
-        <a:tint val="50000"/>
-      </a:schemeClr>
-    </dgm:linClrLst>
-    <dgm:effectClrLst/>
-    <dgm:txLinClrLst/>
-    <dgm:txFillClrLst meth="repeat">
-      <a:schemeClr val="tx1"/>
-    </dgm:txFillClrLst>
-    <dgm:txEffectClrLst/>
-  </dgm:styleLbl>
-  <dgm:styleLbl name="asst0">
-    <dgm:fillClrLst meth="repeat">
-      <a:schemeClr val="accent1"/>
-    </dgm:fillClrLst>
-    <dgm:linClrLst meth="repeat">
-      <a:schemeClr val="lt1"/>
-    </dgm:linClrLst>
-    <dgm:effectClrLst/>
-    <dgm:txLinClrLst/>
-    <dgm:txFillClrLst/>
-    <dgm:txEffectClrLst/>
-  </dgm:styleLbl>
-  <dgm:styleLbl name="asst1">
-    <dgm:fillClrLst meth="repeat">
-      <a:schemeClr val="accent1"/>
-    </dgm:fillClrLst>
-    <dgm:linClrLst meth="repeat">
-      <a:schemeClr val="lt1"/>
-    </dgm:linClrLst>
-    <dgm:effectClrLst/>
-    <dgm:txLinClrLst/>
-    <dgm:txFillClrLst/>
-    <dgm:txEffectClrLst/>
-  </dgm:styleLbl>
-  <dgm:styleLbl name="asst2">
-    <dgm:fillClrLst meth="repeat">
-      <a:schemeClr val="accent1"/>
-    </dgm:fillClrLst>
-    <dgm:linClrLst meth="repeat">
-      <a:schemeClr val="lt1"/>
-    </dgm:linClrLst>
-    <dgm:effectClrLst/>
-    <dgm:txLinClrLst/>
-    <dgm:txFillClrLst/>
-    <dgm:txEffectClrLst/>
-  </dgm:styleLbl>
-  <dgm:styleLbl name="asst3">
-    <dgm:fillClrLst meth="repeat">
-      <a:schemeClr val="accent1"/>
-    </dgm:fillClrLst>
-    <dgm:linClrLst meth="repeat">
-      <a:schemeClr val="lt1"/>
-    </dgm:linClrLst>
-    <dgm:effectClrLst/>
-    <dgm:txLinClrLst/>
-    <dgm:txFillClrLst/>
-    <dgm:txEffectClrLst/>
-  </dgm:styleLbl>
-  <dgm:styleLbl name="asst4">
-    <dgm:fillClrLst meth="repeat">
-      <a:schemeClr val="accent1"/>
-    </dgm:fillClrLst>
-    <dgm:linClrLst meth="repeat">
-      <a:schemeClr val="lt1"/>
-    </dgm:linClrLst>
-    <dgm:effectClrLst/>
-    <dgm:txLinClrLst/>
-    <dgm:txFillClrLst/>
-    <dgm:txEffectClrLst/>
-  </dgm:styleLbl>
-  <dgm:styleLbl name="parChTrans2D1">
-    <dgm:fillClrLst meth="repeat">
-      <a:schemeClr val="accent1">
-        <a:tint val="60000"/>
-      </a:schemeClr>
-    </dgm:fillClrLst>
-    <dgm:linClrLst meth="repeat">
-      <a:schemeClr val="accent1">
-        <a:tint val="60000"/>
-      </a:schemeClr>
-    </dgm:linClrLst>
-    <dgm:effectClrLst/>
-    <dgm:txLinClrLst/>
-    <dgm:txFillClrLst meth="repeat">
-      <a:schemeClr val="lt1"/>
-    </dgm:txFillClrLst>
-    <dgm:txEffectClrLst/>
-  </dgm:styleLbl>
-  <dgm:styleLbl name="parChTrans2D2">
-    <dgm:fillClrLst meth="repeat">
-      <a:schemeClr val="accent1"/>
-    </dgm:fillClrLst>
-    <dgm:linClrLst meth="repeat">
-      <a:schemeClr val="accent1"/>
-    </dgm:linClrLst>
-    <dgm:effectClrLst/>
-    <dgm:txLinClrLst/>
-    <dgm:txFillClrLst meth="repeat">
-      <a:schemeClr val="lt1"/>
-    </dgm:txFillClrLst>
-    <dgm:txEffectClrLst/>
-  </dgm:styleLbl>
-  <dgm:styleLbl name="parChTrans2D3">
-    <dgm:fillClrLst meth="repeat">
-      <a:schemeClr val="accent1"/>
-    </dgm:fillClrLst>
-    <dgm:linClrLst meth="repeat">
-      <a:schemeClr val="accent1"/>
-    </dgm:linClrLst>
-    <dgm:effectClrLst/>
-    <dgm:txLinClrLst/>
-    <dgm:txFillClrLst meth="repeat">
-      <a:schemeClr val="lt1"/>
-    </dgm:txFillClrLst>
-    <dgm:txEffectClrLst/>
-  </dgm:styleLbl>
-  <dgm:styleLbl name="parChTrans2D4">
-    <dgm:fillClrLst meth="repeat">
-      <a:schemeClr val="accent1"/>
-    </dgm:fillClrLst>
-    <dgm:linClrLst meth="repeat">
-      <a:schemeClr val="accent1"/>
-    </dgm:linClrLst>
-    <dgm:effectClrLst/>
-    <dgm:txLinClrLst/>
-    <dgm:txFillClrLst meth="repeat">
-      <a:schemeClr val="lt1"/>
-    </dgm:txFillClrLst>
-    <dgm:txEffectClrLst/>
-  </dgm:styleLbl>
-  <dgm:styleLbl name="parChTrans1D1">
-    <dgm:fillClrLst meth="repeat">
-      <a:schemeClr val="accent1"/>
-    </dgm:fillClrLst>
-    <dgm:linClrLst meth="repeat">
-      <a:schemeClr val="accent1">
-        <a:shade val="60000"/>
-      </a:schemeClr>
-    </dgm:linClrLst>
-    <dgm:effectClrLst/>
-    <dgm:txLinClrLst/>
-    <dgm:txFillClrLst meth="repeat">
-      <a:schemeClr val="tx1"/>
-    </dgm:txFillClrLst>
-    <dgm:txEffectClrLst/>
-  </dgm:styleLbl>
-  <dgm:styleLbl name="parChTrans1D2">
-    <dgm:fillClrLst meth="repeat">
-      <a:schemeClr val="accent1"/>
-    </dgm:fillClrLst>
-    <dgm:linClrLst meth="repeat">
-      <a:schemeClr val="accent1">
-        <a:shade val="60000"/>
-      </a:schemeClr>
-    </dgm:linClrLst>
-    <dgm:effectClrLst/>
-    <dgm:txLinClrLst/>
-    <dgm:txFillClrLst meth="repeat">
-      <a:schemeClr val="tx1"/>
-    </dgm:txFillClrLst>
-    <dgm:txEffectClrLst/>
-  </dgm:styleLbl>
-  <dgm:styleLbl name="parChTrans1D3">
-    <dgm:fillClrLst meth="repeat">
-      <a:schemeClr val="accent1"/>
-    </dgm:fillClrLst>
-    <dgm:linClrLst meth="repeat">
-      <a:schemeClr val="accent1">
-        <a:shade val="80000"/>
-      </a:schemeClr>
-    </dgm:linClrLst>
-    <dgm:effectClrLst/>
-    <dgm:txLinClrLst/>
-    <dgm:txFillClrLst meth="repeat">
-      <a:schemeClr val="tx1"/>
-    </dgm:txFillClrLst>
-    <dgm:txEffectClrLst/>
-  </dgm:styleLbl>
-  <dgm:styleLbl name="parChTrans1D4">
-    <dgm:fillClrLst meth="repeat">
-      <a:schemeClr val="accent1"/>
-    </dgm:fillClrLst>
-    <dgm:linClrLst meth="repeat">
-      <a:schemeClr val="accent1">
-        <a:shade val="80000"/>
-      </a:schemeClr>
-    </dgm:linClrLst>
-    <dgm:effectClrLst/>
-    <dgm:txLinClrLst/>
-    <dgm:txFillClrLst meth="repeat">
-      <a:schemeClr val="tx1"/>
-    </dgm:txFillClrLst>
-    <dgm:txEffectClrLst/>
-  </dgm:styleLbl>
-  <dgm:styleLbl name="fgAcc1">
-    <dgm:fillClrLst meth="repeat">
-      <a:schemeClr val="lt1">
-        <a:alpha val="90000"/>
-      </a:schemeClr>
-    </dgm:fillClrLst>
-    <dgm:linClrLst meth="repeat">
-      <a:schemeClr val="accent1"/>
-    </dgm:linClrLst>
-    <dgm:effectClrLst/>
-    <dgm:txLinClrLst/>
-    <dgm:txFillClrLst meth="repeat">
-      <a:schemeClr val="dk1"/>
-    </dgm:txFillClrLst>
-    <dgm:txEffectClrLst/>
-  </dgm:styleLbl>
-  <dgm:styleLbl name="conFgAcc1">
-    <dgm:fillClrLst meth="repeat">
-      <a:schemeClr val="lt1">
-        <a:alpha val="90000"/>
-      </a:schemeClr>
-    </dgm:fillClrLst>
-    <dgm:linClrLst meth="repeat">
-      <a:schemeClr val="accent1"/>
-    </dgm:linClrLst>
-    <dgm:effectClrLst/>
-    <dgm:txLinClrLst/>
-    <dgm:txFillClrLst meth="repeat">
-      <a:schemeClr val="dk1"/>
-    </dgm:txFillClrLst>
-    <dgm:txEffectClrLst/>
-  </dgm:styleLbl>
-  <dgm:styleLbl name="alignAcc1">
-    <dgm:fillClrLst meth="repeat">
-      <a:schemeClr val="lt1">
-        <a:alpha val="90000"/>
-      </a:schemeClr>
-    </dgm:fillClrLst>
-    <dgm:linClrLst meth="repeat">
-      <a:schemeClr val="accent1"/>
-    </dgm:linClrLst>
-    <dgm:effectClrLst/>
-    <dgm:txLinClrLst/>
-    <dgm:txFillClrLst meth="repeat">
-      <a:schemeClr val="dk1"/>
-    </dgm:txFillClrLst>
-    <dgm:txEffectClrLst/>
-  </dgm:styleLbl>
-  <dgm:styleLbl name="trAlignAcc1">
-    <dgm:fillClrLst meth="repeat">
-      <a:schemeClr val="lt1">
-        <a:alpha val="40000"/>
-      </a:schemeClr>
-    </dgm:fillClrLst>
-    <dgm:linClrLst meth="repeat">
-      <a:schemeClr val="accent1"/>
-    </dgm:linClrLst>
-    <dgm:effectClrLst/>
-    <dgm:txLinClrLst/>
-    <dgm:txFillClrLst meth="repeat">
-      <a:schemeClr val="dk1"/>
-    </dgm:txFillClrLst>
-    <dgm:txEffectClrLst/>
-  </dgm:styleLbl>
-  <dgm:styleLbl name="bgAcc1">
-    <dgm:fillClrLst meth="repeat">
-      <a:schemeClr val="lt1">
-        <a:alpha val="90000"/>
-      </a:schemeClr>
-    </dgm:fillClrLst>
-    <dgm:linClrLst meth="repeat">
-      <a:schemeClr val="accent1"/>
-    </dgm:linClrLst>
-    <dgm:effectClrLst/>
-    <dgm:txLinClrLst/>
-    <dgm:txFillClrLst meth="repeat">
-      <a:schemeClr val="dk1"/>
-    </dgm:txFillClrLst>
-    <dgm:txEffectClrLst/>
-  </dgm:styleLbl>
-  <dgm:styleLbl name="solidFgAcc1">
-    <dgm:fillClrLst meth="repeat">
-      <a:schemeClr val="lt1"/>
-    </dgm:fillClrLst>
-    <dgm:linClrLst meth="repeat">
-      <a:schemeClr val="accent1"/>
-    </dgm:linClrLst>
-    <dgm:effectClrLst/>
-    <dgm:txLinClrLst/>
-    <dgm:txFillClrLst meth="repeat">
-      <a:schemeClr val="dk1"/>
-    </dgm:txFillClrLst>
-    <dgm:txEffectClrLst/>
-  </dgm:styleLbl>
-  <dgm:styleLbl name="solidAlignAcc1">
-    <dgm:fillClrLst meth="repeat">
-      <a:schemeClr val="lt1"/>
-    </dgm:fillClrLst>
-    <dgm:linClrLst meth="repeat">
-      <a:schemeClr val="accent1"/>
-    </dgm:linClrLst>
-    <dgm:effectClrLst/>
-    <dgm:txLinClrLst/>
-    <dgm:txFillClrLst meth="repeat">
-      <a:schemeClr val="dk1"/>
-    </dgm:txFillClrLst>
-    <dgm:txEffectClrLst/>
-  </dgm:styleLbl>
-  <dgm:styleLbl name="solidBgAcc1">
-    <dgm:fillClrLst meth="repeat">
-      <a:schemeClr val="lt1"/>
-    </dgm:fillClrLst>
-    <dgm:linClrLst meth="repeat">
-      <a:schemeClr val="accent1"/>
-    </dgm:linClrLst>
-    <dgm:effectClrLst/>
-    <dgm:txLinClrLst/>
-    <dgm:txFillClrLst meth="repeat">
-      <a:schemeClr val="dk1"/>
-    </dgm:txFillClrLst>
-    <dgm:txEffectClrLst/>
-  </dgm:styleLbl>
-  <dgm:styleLbl name="fgAccFollowNode1">
-    <dgm:fillClrLst meth="repeat">
-      <a:schemeClr val="accent1">
-        <a:alpha val="90000"/>
-        <a:tint val="40000"/>
-      </a:schemeClr>
-    </dgm:fillClrLst>
-    <dgm:linClrLst meth="repeat">
-      <a:schemeClr val="accent1">
-        <a:alpha val="90000"/>
-        <a:tint val="40000"/>
-      </a:schemeClr>
-    </dgm:linClrLst>
-    <dgm:effectClrLst/>
-    <dgm:txLinClrLst/>
-    <dgm:txFillClrLst meth="repeat">
-      <a:schemeClr val="dk1"/>
-    </dgm:txFillClrLst>
-    <dgm:txEffectClrLst/>
-  </dgm:styleLbl>
-  <dgm:styleLbl name="alignAccFollowNode1">
-    <dgm:fillClrLst meth="repeat">
-      <a:schemeClr val="accent1">
-        <a:alpha val="90000"/>
-        <a:tint val="40000"/>
-      </a:schemeClr>
-    </dgm:fillClrLst>
-    <dgm:linClrLst meth="repeat">
-      <a:schemeClr val="accent1">
-        <a:alpha val="90000"/>
-        <a:tint val="40000"/>
-      </a:schemeClr>
-    </dgm:linClrLst>
-    <dgm:effectClrLst/>
-    <dgm:txLinClrLst/>
-    <dgm:txFillClrLst meth="repeat">
-      <a:schemeClr val="dk1"/>
-    </dgm:txFillClrLst>
-    <dgm:txEffectClrLst/>
-  </dgm:styleLbl>
-  <dgm:styleLbl name="bgAccFollowNode1">
-    <dgm:fillClrLst meth="repeat">
-      <a:schemeClr val="accent1">
-        <a:alpha val="90000"/>
-        <a:tint val="40000"/>
-      </a:schemeClr>
-    </dgm:fillClrLst>
-    <dgm:linClrLst meth="repeat">
-      <a:schemeClr val="accent1">
-        <a:alpha val="90000"/>
-        <a:tint val="40000"/>
-      </a:schemeClr>
-    </dgm:linClrLst>
-    <dgm:effectClrLst/>
-    <dgm:txLinClrLst/>
-    <dgm:txFillClrLst meth="repeat">
-      <a:schemeClr val="dk1"/>
-    </dgm:txFillClrLst>
-    <dgm:txEffectClrLst/>
-  </dgm:styleLbl>
-  <dgm:styleLbl name="fgAcc0">
-    <dgm:fillClrLst meth="repeat">
-      <a:schemeClr val="lt1">
-        <a:alpha val="90000"/>
-      </a:schemeClr>
-    </dgm:fillClrLst>
-    <dgm:linClrLst meth="repeat">
-      <a:schemeClr val="accent1"/>
-    </dgm:linClrLst>
-    <dgm:effectClrLst/>
-    <dgm:txLinClrLst/>
-    <dgm:txFillClrLst meth="repeat">
-      <a:schemeClr val="dk1"/>
-    </dgm:txFillClrLst>
-    <dgm:txEffectClrLst/>
-  </dgm:styleLbl>
-  <dgm:styleLbl name="fgAcc2">
-    <dgm:fillClrLst meth="repeat">
-      <a:schemeClr val="lt1">
-        <a:alpha val="90000"/>
-      </a:schemeClr>
-    </dgm:fillClrLst>
-    <dgm:linClrLst meth="repeat">
-      <a:schemeClr val="accent1"/>
-    </dgm:linClrLst>
-    <dgm:effectClrLst/>
-    <dgm:txLinClrLst/>
-    <dgm:txFillClrLst meth="repeat">
-      <a:schemeClr val="dk1"/>
-    </dgm:txFillClrLst>
-    <dgm:txEffectClrLst/>
-  </dgm:styleLbl>
-  <dgm:styleLbl name="fgAcc3">
-    <dgm:fillClrLst meth="repeat">
-      <a:schemeClr val="lt1">
-        <a:alpha val="90000"/>
-      </a:schemeClr>
-    </dgm:fillClrLst>
-    <dgm:linClrLst meth="repeat">
-      <a:schemeClr val="accent1"/>
-    </dgm:linClrLst>
-    <dgm:effectClrLst/>
-    <dgm:txLinClrLst/>
-    <dgm:txFillClrLst meth="repeat">
-      <a:schemeClr val="dk1"/>
-    </dgm:txFillClrLst>
-    <dgm:txEffectClrLst/>
-  </dgm:styleLbl>
-  <dgm:styleLbl name="fgAcc4">
-    <dgm:fillClrLst meth="repeat">
-      <a:schemeClr val="lt1">
-        <a:alpha val="90000"/>
-      </a:schemeClr>
-    </dgm:fillClrLst>
-    <dgm:linClrLst meth="repeat">
-      <a:schemeClr val="accent1"/>
-    </dgm:linClrLst>
-    <dgm:effectClrLst/>
-    <dgm:txLinClrLst/>
-    <dgm:txFillClrLst meth="repeat">
-      <a:schemeClr val="dk1"/>
-    </dgm:txFillClrLst>
-    <dgm:txEffectClrLst/>
-  </dgm:styleLbl>
-  <dgm:styleLbl name="bgShp">
-    <dgm:fillClrLst meth="repeat">
-      <a:schemeClr val="accent1">
-        <a:tint val="40000"/>
-      </a:schemeClr>
-    </dgm:fillClrLst>
-    <dgm:linClrLst meth="repeat">
-      <a:schemeClr val="accent1"/>
-    </dgm:linClrLst>
-    <dgm:effectClrLst/>
-    <dgm:txLinClrLst/>
-    <dgm:txFillClrLst meth="repeat">
-      <a:schemeClr val="dk1"/>
-    </dgm:txFillClrLst>
-    <dgm:txEffectClrLst/>
-  </dgm:styleLbl>
-  <dgm:styleLbl name="dkBgShp">
-    <dgm:fillClrLst meth="repeat">
-      <a:schemeClr val="accent1">
-        <a:shade val="80000"/>
-      </a:schemeClr>
-    </dgm:fillClrLst>
-    <dgm:linClrLst meth="repeat">
-      <a:schemeClr val="accent1"/>
-    </dgm:linClrLst>
-    <dgm:effectClrLst/>
-    <dgm:txLinClrLst/>
-    <dgm:txFillClrLst meth="repeat">
-      <a:schemeClr val="lt1"/>
-    </dgm:txFillClrLst>
-    <dgm:txEffectClrLst/>
-  </dgm:styleLbl>
-  <dgm:styleLbl name="trBgShp">
-    <dgm:fillClrLst meth="repeat">
-      <a:schemeClr val="accent1">
-        <a:tint val="50000"/>
-        <a:alpha val="40000"/>
-      </a:schemeClr>
-    </dgm:fillClrLst>
-    <dgm:linClrLst meth="repeat">
-      <a:schemeClr val="accent1"/>
-    </dgm:linClrLst>
-    <dgm:effectClrLst/>
-    <dgm:txLinClrLst/>
-    <dgm:txFillClrLst meth="repeat">
-      <a:schemeClr val="lt1"/>
-    </dgm:txFillClrLst>
-    <dgm:txEffectClrLst/>
-  </dgm:styleLbl>
-  <dgm:styleLbl name="fgShp">
-    <dgm:fillClrLst meth="repeat">
-      <a:schemeClr val="accent1">
-        <a:tint val="60000"/>
-      </a:schemeClr>
-    </dgm:fillClrLst>
-    <dgm:linClrLst meth="repeat">
-      <a:schemeClr val="lt1"/>
-    </dgm:linClrLst>
-    <dgm:effectClrLst/>
-    <dgm:txLinClrLst/>
-    <dgm:txFillClrLst meth="repeat">
-      <a:schemeClr val="dk1"/>
-    </dgm:txFillClrLst>
-    <dgm:txEffectClrLst/>
-  </dgm:styleLbl>
-  <dgm:styleLbl name="revTx">
-    <dgm:fillClrLst meth="repeat">
-      <a:schemeClr val="lt1">
-        <a:alpha val="0"/>
-      </a:schemeClr>
-    </dgm:fillClrLst>
-    <dgm:linClrLst meth="repeat">
-      <a:schemeClr val="dk1">
-        <a:alpha val="0"/>
-      </a:schemeClr>
-    </dgm:linClrLst>
-    <dgm:effectClrLst/>
-    <dgm:txLinClrLst/>
-    <dgm:txFillClrLst meth="repeat">
-      <a:schemeClr val="tx1"/>
-    </dgm:txFillClrLst>
-    <dgm:txEffectClrLst/>
-  </dgm:styleLbl>
-</dgm:colorsDef>
-</file>
-
-<file path=ppt/diagrams/data1.xml><?xml version="1.0" encoding="utf-8"?>
-<dgm:dataModel xmlns:dgm="http://schemas.openxmlformats.org/drawingml/2006/diagram" xmlns:a="http://schemas.openxmlformats.org/drawingml/2006/main">
-  <dgm:ptLst>
-    <dgm:pt modelId="{00C18FBF-3FF5-4C16-97CF-AF03740D7AB6}" type="doc">
-      <dgm:prSet loTypeId="urn:microsoft.com/office/officeart/2005/8/layout/hList9" loCatId="list" qsTypeId="urn:microsoft.com/office/officeart/2005/8/quickstyle/simple4" qsCatId="simple" csTypeId="urn:microsoft.com/office/officeart/2005/8/colors/accent1_2" csCatId="accent1" phldr="1"/>
-      <dgm:spPr/>
-      <dgm:t>
-        <a:bodyPr/>
-        <a:lstStyle/>
-        <a:p>
-          <a:endParaRPr lang="en-US"/>
-        </a:p>
-      </dgm:t>
-    </dgm:pt>
-    <dgm:pt modelId="{B4F1B46E-22B2-4721-950C-8704487586DC}">
-      <dgm:prSet phldrT="[Text]"/>
-      <dgm:spPr/>
-      <dgm:t>
-        <a:bodyPr/>
-        <a:lstStyle/>
-        <a:p>
-          <a:r>
-            <a:rPr lang="en-US"/>
-            <a:t>Step 1 Title</a:t>
-          </a:r>
-          <a:endParaRPr lang="en-US" dirty="0"/>
-        </a:p>
-      </dgm:t>
-    </dgm:pt>
-    <dgm:pt modelId="{E8A66543-CC4D-4785-A93E-5B125E09F826}" type="parTrans" cxnId="{2C8317B2-2EBB-4589-86EA-C77B3B6E81AA}">
-      <dgm:prSet/>
-      <dgm:spPr/>
-      <dgm:t>
-        <a:bodyPr/>
-        <a:lstStyle/>
-        <a:p>
-          <a:endParaRPr lang="en-US"/>
-        </a:p>
-      </dgm:t>
-    </dgm:pt>
-    <dgm:pt modelId="{A7E2530A-34E2-4E9F-BC78-8920BA140C41}" type="sibTrans" cxnId="{2C8317B2-2EBB-4589-86EA-C77B3B6E81AA}">
-      <dgm:prSet/>
-      <dgm:spPr/>
-      <dgm:t>
-        <a:bodyPr/>
-        <a:lstStyle/>
-        <a:p>
-          <a:endParaRPr lang="en-US"/>
-        </a:p>
-      </dgm:t>
-    </dgm:pt>
-    <dgm:pt modelId="{9D72CDD3-5859-43DB-BD75-0C3C30E3DE62}">
-      <dgm:prSet phldrT="[Text]"/>
-      <dgm:spPr/>
-      <dgm:t>
-        <a:bodyPr/>
-        <a:lstStyle/>
-        <a:p>
-          <a:r>
-            <a:rPr lang="en-US" dirty="0"/>
-            <a:t>Task description</a:t>
-          </a:r>
-        </a:p>
-      </dgm:t>
-    </dgm:pt>
-    <dgm:pt modelId="{1D5B1F83-33A7-4298-BC11-2B1252AFAEA5}" type="parTrans" cxnId="{DDB5AD9A-40B0-48EF-AF2C-8CCDA330F7FE}">
-      <dgm:prSet/>
-      <dgm:spPr/>
-      <dgm:t>
-        <a:bodyPr/>
-        <a:lstStyle/>
-        <a:p>
-          <a:endParaRPr lang="en-US"/>
-        </a:p>
-      </dgm:t>
-    </dgm:pt>
-    <dgm:pt modelId="{15E25BD4-1EBF-43C2-8885-DBF66B8429E1}" type="sibTrans" cxnId="{DDB5AD9A-40B0-48EF-AF2C-8CCDA330F7FE}">
-      <dgm:prSet/>
-      <dgm:spPr/>
-      <dgm:t>
-        <a:bodyPr/>
-        <a:lstStyle/>
-        <a:p>
-          <a:endParaRPr lang="en-US"/>
-        </a:p>
-      </dgm:t>
-    </dgm:pt>
-    <dgm:pt modelId="{F9D46839-CD06-4669-AAE4-4D1E9AFEDA78}">
-      <dgm:prSet phldrT="[Text]"/>
-      <dgm:spPr/>
-      <dgm:t>
-        <a:bodyPr/>
-        <a:lstStyle/>
-        <a:p>
-          <a:r>
-            <a:rPr lang="en-US" dirty="0"/>
-            <a:t>Task description</a:t>
-          </a:r>
-        </a:p>
-      </dgm:t>
-    </dgm:pt>
-    <dgm:pt modelId="{B6B535D8-00AB-4FA1-AAEC-92498ABC6F4C}" type="parTrans" cxnId="{AD25A8A0-4628-40E2-8C9E-64E6AD4D4D91}">
-      <dgm:prSet/>
-      <dgm:spPr/>
-      <dgm:t>
-        <a:bodyPr/>
-        <a:lstStyle/>
-        <a:p>
-          <a:endParaRPr lang="en-US"/>
-        </a:p>
-      </dgm:t>
-    </dgm:pt>
-    <dgm:pt modelId="{6497F199-DC2A-41F9-A449-D395E6BC4900}" type="sibTrans" cxnId="{AD25A8A0-4628-40E2-8C9E-64E6AD4D4D91}">
-      <dgm:prSet/>
-      <dgm:spPr/>
-      <dgm:t>
-        <a:bodyPr/>
-        <a:lstStyle/>
-        <a:p>
-          <a:endParaRPr lang="en-US"/>
-        </a:p>
-      </dgm:t>
-    </dgm:pt>
-    <dgm:pt modelId="{7CB6360B-4022-4E96-922B-A12DE0E2A39F}">
-      <dgm:prSet phldrT="[Text]"/>
-      <dgm:spPr/>
-      <dgm:t>
-        <a:bodyPr/>
-        <a:lstStyle/>
-        <a:p>
-          <a:r>
-            <a:rPr lang="en-US" dirty="0"/>
-            <a:t>Task description</a:t>
-          </a:r>
-        </a:p>
-      </dgm:t>
-    </dgm:pt>
-    <dgm:pt modelId="{44B2858F-607B-47DF-B44B-EA7D73FDC9F2}" type="parTrans" cxnId="{CD5EFFB3-C9FD-4DAC-8D97-0C2FB02B380B}">
-      <dgm:prSet/>
-      <dgm:spPr/>
-      <dgm:t>
-        <a:bodyPr/>
-        <a:lstStyle/>
-        <a:p>
-          <a:endParaRPr lang="en-US"/>
-        </a:p>
-      </dgm:t>
-    </dgm:pt>
-    <dgm:pt modelId="{B35ED9D1-2A17-4034-8D08-4945CA54F6C9}" type="sibTrans" cxnId="{CD5EFFB3-C9FD-4DAC-8D97-0C2FB02B380B}">
-      <dgm:prSet/>
-      <dgm:spPr/>
-      <dgm:t>
-        <a:bodyPr/>
-        <a:lstStyle/>
-        <a:p>
-          <a:endParaRPr lang="en-US"/>
-        </a:p>
-      </dgm:t>
-    </dgm:pt>
-    <dgm:pt modelId="{70879558-61CA-4CCD-B2D6-5349B01EF337}">
-      <dgm:prSet phldrT="[Text]"/>
-      <dgm:spPr/>
-      <dgm:t>
-        <a:bodyPr/>
-        <a:lstStyle/>
-        <a:p>
-          <a:r>
-            <a:rPr lang="en-US" dirty="0"/>
-            <a:t>Task description</a:t>
-          </a:r>
-        </a:p>
-      </dgm:t>
-    </dgm:pt>
-    <dgm:pt modelId="{95F5E6EE-4E8D-49F8-8C9E-8BBFD01B6A0E}" type="parTrans" cxnId="{8FAB4659-6291-457D-941A-93BCD304031A}">
-      <dgm:prSet/>
-      <dgm:spPr/>
-      <dgm:t>
-        <a:bodyPr/>
-        <a:lstStyle/>
-        <a:p>
-          <a:endParaRPr lang="en-US"/>
-        </a:p>
-      </dgm:t>
-    </dgm:pt>
-    <dgm:pt modelId="{053E317B-DD3F-4AFF-90D1-A55D37D325DC}" type="sibTrans" cxnId="{8FAB4659-6291-457D-941A-93BCD304031A}">
-      <dgm:prSet/>
-      <dgm:spPr/>
-      <dgm:t>
-        <a:bodyPr/>
-        <a:lstStyle/>
-        <a:p>
-          <a:endParaRPr lang="en-US"/>
-        </a:p>
-      </dgm:t>
-    </dgm:pt>
-    <dgm:pt modelId="{F2881FB1-6580-4F21-A283-BFAA6F91D5D2}">
-      <dgm:prSet phldrT="[Text]"/>
-      <dgm:spPr/>
-      <dgm:t>
-        <a:bodyPr/>
-        <a:lstStyle/>
-        <a:p>
-          <a:r>
-            <a:rPr lang="en-US" dirty="0"/>
-            <a:t>Step 2 Title</a:t>
-          </a:r>
-        </a:p>
-      </dgm:t>
-    </dgm:pt>
-    <dgm:pt modelId="{2D960FDD-BADA-480D-9043-497C56588AD3}" type="parTrans" cxnId="{4A31D641-1B5D-46D3-B685-0C4DC6EFE71B}">
-      <dgm:prSet/>
-      <dgm:spPr/>
-      <dgm:t>
-        <a:bodyPr/>
-        <a:lstStyle/>
-        <a:p>
-          <a:endParaRPr lang="en-US"/>
-        </a:p>
-      </dgm:t>
-    </dgm:pt>
-    <dgm:pt modelId="{A5ABDC17-7AB5-4F0E-992A-F9343F5D74EB}" type="sibTrans" cxnId="{4A31D641-1B5D-46D3-B685-0C4DC6EFE71B}">
-      <dgm:prSet/>
-      <dgm:spPr/>
-      <dgm:t>
-        <a:bodyPr/>
-        <a:lstStyle/>
-        <a:p>
-          <a:endParaRPr lang="en-US"/>
-        </a:p>
-      </dgm:t>
-    </dgm:pt>
-    <dgm:pt modelId="{D5197DDB-D5D2-499F-B255-CF7BB5AE2B43}">
-      <dgm:prSet phldrT="[Text]"/>
-      <dgm:spPr/>
-      <dgm:t>
-        <a:bodyPr/>
-        <a:lstStyle/>
-        <a:p>
-          <a:r>
-            <a:rPr lang="en-US" dirty="0"/>
-            <a:t>Task description</a:t>
-          </a:r>
-        </a:p>
-      </dgm:t>
-    </dgm:pt>
-    <dgm:pt modelId="{B14A4DC9-F40A-4867-ADB8-4BA8A1F83766}" type="parTrans" cxnId="{3204ED53-15A0-4643-A582-021A785F1BA2}">
-      <dgm:prSet/>
-      <dgm:spPr/>
-      <dgm:t>
-        <a:bodyPr/>
-        <a:lstStyle/>
-        <a:p>
-          <a:endParaRPr lang="en-US"/>
-        </a:p>
-      </dgm:t>
-    </dgm:pt>
-    <dgm:pt modelId="{29F2454A-2FA8-4B3A-AC63-4A0B9FD04A75}" type="sibTrans" cxnId="{3204ED53-15A0-4643-A582-021A785F1BA2}">
-      <dgm:prSet/>
-      <dgm:spPr/>
-      <dgm:t>
-        <a:bodyPr/>
-        <a:lstStyle/>
-        <a:p>
-          <a:endParaRPr lang="en-US"/>
-        </a:p>
-      </dgm:t>
-    </dgm:pt>
-    <dgm:pt modelId="{29E78340-8EBE-415C-B973-78A91A054B9C}">
-      <dgm:prSet phldrT="[Text]"/>
-      <dgm:spPr/>
-      <dgm:t>
-        <a:bodyPr/>
-        <a:lstStyle/>
-        <a:p>
-          <a:r>
-            <a:rPr lang="en-US" dirty="0"/>
-            <a:t>Task description</a:t>
-          </a:r>
-        </a:p>
-      </dgm:t>
-    </dgm:pt>
-    <dgm:pt modelId="{FF4E5F97-6974-4E39-A85D-DCB2E100798E}" type="parTrans" cxnId="{311348D8-FDE3-4C22-99F5-3B98C5F51F0D}">
-      <dgm:prSet/>
-      <dgm:spPr/>
-      <dgm:t>
-        <a:bodyPr/>
-        <a:lstStyle/>
-        <a:p>
-          <a:endParaRPr lang="en-US"/>
-        </a:p>
-      </dgm:t>
-    </dgm:pt>
-    <dgm:pt modelId="{B4B9A51E-FA34-465E-B5B4-81CD76EB3FC2}" type="sibTrans" cxnId="{311348D8-FDE3-4C22-99F5-3B98C5F51F0D}">
-      <dgm:prSet/>
-      <dgm:spPr/>
-      <dgm:t>
-        <a:bodyPr/>
-        <a:lstStyle/>
-        <a:p>
-          <a:endParaRPr lang="en-US"/>
-        </a:p>
-      </dgm:t>
-    </dgm:pt>
-    <dgm:pt modelId="{8321AB85-EA8C-4958-B404-B4C118CB3C18}">
-      <dgm:prSet phldrT="[Text]"/>
-      <dgm:spPr/>
-      <dgm:t>
-        <a:bodyPr/>
-        <a:lstStyle/>
-        <a:p>
-          <a:r>
-            <a:rPr lang="en-US" dirty="0"/>
-            <a:t>Task description</a:t>
-          </a:r>
-        </a:p>
-      </dgm:t>
-    </dgm:pt>
-    <dgm:pt modelId="{24ABE8B3-7220-436D-9636-F7B4C0B99576}" type="parTrans" cxnId="{129AEA77-5D2A-49D4-956D-99009974B6C5}">
-      <dgm:prSet/>
-      <dgm:spPr/>
-      <dgm:t>
-        <a:bodyPr/>
-        <a:lstStyle/>
-        <a:p>
-          <a:endParaRPr lang="en-US"/>
-        </a:p>
-      </dgm:t>
-    </dgm:pt>
-    <dgm:pt modelId="{AA5F76CE-8FD4-4692-8BB1-EF84CF9D365E}" type="sibTrans" cxnId="{129AEA77-5D2A-49D4-956D-99009974B6C5}">
-      <dgm:prSet/>
-      <dgm:spPr/>
-      <dgm:t>
-        <a:bodyPr/>
-        <a:lstStyle/>
-        <a:p>
-          <a:endParaRPr lang="en-US"/>
-        </a:p>
-      </dgm:t>
-    </dgm:pt>
-    <dgm:pt modelId="{6352CA33-6755-44BE-808F-400DA4CF80A7}">
-      <dgm:prSet phldrT="[Text]"/>
-      <dgm:spPr/>
-      <dgm:t>
-        <a:bodyPr/>
-        <a:lstStyle/>
-        <a:p>
-          <a:r>
-            <a:rPr lang="en-US" dirty="0"/>
-            <a:t>Step 3 Title</a:t>
-          </a:r>
-        </a:p>
-      </dgm:t>
-    </dgm:pt>
-    <dgm:pt modelId="{AEB59203-63BA-4A96-BADC-40BAEBD9AA40}" type="parTrans" cxnId="{82BAE5DD-3A79-4870-9019-1254385E0650}">
-      <dgm:prSet/>
-      <dgm:spPr/>
-      <dgm:t>
-        <a:bodyPr/>
-        <a:lstStyle/>
-        <a:p>
-          <a:endParaRPr lang="en-US"/>
-        </a:p>
-      </dgm:t>
-    </dgm:pt>
-    <dgm:pt modelId="{AAB4CF73-4B9B-4AA0-9074-16C2D2AE00A1}" type="sibTrans" cxnId="{82BAE5DD-3A79-4870-9019-1254385E0650}">
-      <dgm:prSet/>
-      <dgm:spPr/>
-      <dgm:t>
-        <a:bodyPr/>
-        <a:lstStyle/>
-        <a:p>
-          <a:endParaRPr lang="en-US"/>
-        </a:p>
-      </dgm:t>
-    </dgm:pt>
-    <dgm:pt modelId="{9614A323-64B1-4077-A841-022051EC749A}">
-      <dgm:prSet phldrT="[Text]"/>
-      <dgm:spPr/>
-      <dgm:t>
-        <a:bodyPr/>
-        <a:lstStyle/>
-        <a:p>
-          <a:r>
-            <a:rPr lang="en-US" dirty="0"/>
-            <a:t>Task description</a:t>
-          </a:r>
-        </a:p>
-      </dgm:t>
-    </dgm:pt>
-    <dgm:pt modelId="{E5F6BCBD-B84E-4018-BE9E-BF57FF3B4B36}" type="parTrans" cxnId="{FC7BD086-74EA-4D6C-9657-E916D355F209}">
-      <dgm:prSet/>
-      <dgm:spPr/>
-      <dgm:t>
-        <a:bodyPr/>
-        <a:lstStyle/>
-        <a:p>
-          <a:endParaRPr lang="en-US"/>
-        </a:p>
-      </dgm:t>
-    </dgm:pt>
-    <dgm:pt modelId="{FEC2A79F-8857-403A-A738-E8CE75C965E2}" type="sibTrans" cxnId="{FC7BD086-74EA-4D6C-9657-E916D355F209}">
-      <dgm:prSet/>
-      <dgm:spPr/>
-      <dgm:t>
-        <a:bodyPr/>
-        <a:lstStyle/>
-        <a:p>
-          <a:endParaRPr lang="en-US"/>
-        </a:p>
-      </dgm:t>
-    </dgm:pt>
-    <dgm:pt modelId="{3D5CDB25-F8FA-444B-8D4A-1D29D0CBA282}">
-      <dgm:prSet phldrT="[Text]"/>
-      <dgm:spPr/>
-      <dgm:t>
-        <a:bodyPr/>
-        <a:lstStyle/>
-        <a:p>
-          <a:r>
-            <a:rPr lang="en-US" dirty="0"/>
-            <a:t>Task description</a:t>
-          </a:r>
-        </a:p>
-      </dgm:t>
-    </dgm:pt>
-    <dgm:pt modelId="{4C229933-AC16-44B7-98EC-4C0F07FABCB0}" type="parTrans" cxnId="{2E3C97E6-67D4-4948-B47A-1115C2B2979F}">
-      <dgm:prSet/>
-      <dgm:spPr/>
-      <dgm:t>
-        <a:bodyPr/>
-        <a:lstStyle/>
-        <a:p>
-          <a:endParaRPr lang="en-US"/>
-        </a:p>
-      </dgm:t>
-    </dgm:pt>
-    <dgm:pt modelId="{189DA4C5-2A22-4C71-A806-7B4AB57767CC}" type="sibTrans" cxnId="{2E3C97E6-67D4-4948-B47A-1115C2B2979F}">
-      <dgm:prSet/>
-      <dgm:spPr/>
-      <dgm:t>
-        <a:bodyPr/>
-        <a:lstStyle/>
-        <a:p>
-          <a:endParaRPr lang="en-US"/>
-        </a:p>
-      </dgm:t>
-    </dgm:pt>
-    <dgm:pt modelId="{7FCE83D9-631B-4420-BBFC-CA0AFA59F747}">
-      <dgm:prSet phldrT="[Text]"/>
-      <dgm:spPr/>
-      <dgm:t>
-        <a:bodyPr/>
-        <a:lstStyle/>
-        <a:p>
-          <a:r>
-            <a:rPr lang="en-US" dirty="0"/>
-            <a:t>Step 4 Title</a:t>
-          </a:r>
-        </a:p>
-      </dgm:t>
-    </dgm:pt>
-    <dgm:pt modelId="{C61EC981-13FA-4710-B079-D35692EEB764}" type="parTrans" cxnId="{E572418E-4340-4448-940D-253A2FA3B9B3}">
-      <dgm:prSet/>
-      <dgm:spPr/>
-      <dgm:t>
-        <a:bodyPr/>
-        <a:lstStyle/>
-        <a:p>
-          <a:endParaRPr lang="en-US"/>
-        </a:p>
-      </dgm:t>
-    </dgm:pt>
-    <dgm:pt modelId="{1B48A0DE-4031-4D45-86A1-94CDAF68824A}" type="sibTrans" cxnId="{E572418E-4340-4448-940D-253A2FA3B9B3}">
-      <dgm:prSet/>
-      <dgm:spPr/>
-      <dgm:t>
-        <a:bodyPr/>
-        <a:lstStyle/>
-        <a:p>
-          <a:endParaRPr lang="en-US"/>
-        </a:p>
-      </dgm:t>
-    </dgm:pt>
-    <dgm:pt modelId="{DB9FB862-4759-4D6A-84F3-01524B92723B}">
-      <dgm:prSet phldrT="[Text]"/>
-      <dgm:spPr/>
-      <dgm:t>
-        <a:bodyPr/>
-        <a:lstStyle/>
-        <a:p>
-          <a:r>
-            <a:rPr lang="en-US" dirty="0"/>
-            <a:t>Task description</a:t>
-          </a:r>
-        </a:p>
-      </dgm:t>
-    </dgm:pt>
-    <dgm:pt modelId="{CD1EE44C-3116-420B-89E3-1D797CB25D34}" type="parTrans" cxnId="{70CAB4FC-3D17-49C2-8A7B-F387031FCDCA}">
-      <dgm:prSet/>
-      <dgm:spPr/>
-      <dgm:t>
-        <a:bodyPr/>
-        <a:lstStyle/>
-        <a:p>
-          <a:endParaRPr lang="en-US"/>
-        </a:p>
-      </dgm:t>
-    </dgm:pt>
-    <dgm:pt modelId="{4BD4D4A5-043E-4ED5-A5CA-8D46DADC3150}" type="sibTrans" cxnId="{70CAB4FC-3D17-49C2-8A7B-F387031FCDCA}">
-      <dgm:prSet/>
-      <dgm:spPr/>
-      <dgm:t>
-        <a:bodyPr/>
-        <a:lstStyle/>
-        <a:p>
-          <a:endParaRPr lang="en-US"/>
-        </a:p>
-      </dgm:t>
-    </dgm:pt>
-    <dgm:pt modelId="{50451020-5E1A-4778-9E8D-169182A36191}">
-      <dgm:prSet phldrT="[Text]"/>
-      <dgm:spPr/>
-      <dgm:t>
-        <a:bodyPr/>
-        <a:lstStyle/>
-        <a:p>
-          <a:r>
-            <a:rPr lang="en-US" dirty="0"/>
-            <a:t>Task description</a:t>
-          </a:r>
-        </a:p>
-      </dgm:t>
-    </dgm:pt>
-    <dgm:pt modelId="{7DFC3849-4A12-49FB-B614-8AFD597CCB9E}" type="parTrans" cxnId="{0F86DBDB-3C4F-4C84-981B-7F4CA2A8EAF3}">
-      <dgm:prSet/>
-      <dgm:spPr/>
-      <dgm:t>
-        <a:bodyPr/>
-        <a:lstStyle/>
-        <a:p>
-          <a:endParaRPr lang="en-US"/>
-        </a:p>
-      </dgm:t>
-    </dgm:pt>
-    <dgm:pt modelId="{EEDE2474-4F18-4F59-8E58-6382D253E514}" type="sibTrans" cxnId="{0F86DBDB-3C4F-4C84-981B-7F4CA2A8EAF3}">
-      <dgm:prSet/>
-      <dgm:spPr/>
-      <dgm:t>
-        <a:bodyPr/>
-        <a:lstStyle/>
-        <a:p>
-          <a:endParaRPr lang="en-US"/>
-        </a:p>
-      </dgm:t>
-    </dgm:pt>
-    <dgm:pt modelId="{0DC7A063-583D-4B0F-88B2-BD54F95D95AF}" type="pres">
-      <dgm:prSet presAssocID="{00C18FBF-3FF5-4C16-97CF-AF03740D7AB6}" presName="list" presStyleCnt="0">
-        <dgm:presLayoutVars>
-          <dgm:dir/>
-          <dgm:animLvl val="lvl"/>
-        </dgm:presLayoutVars>
-      </dgm:prSet>
-      <dgm:spPr/>
-    </dgm:pt>
-    <dgm:pt modelId="{3B23570A-ECC9-4DF8-BCB4-0465C69CBB88}" type="pres">
-      <dgm:prSet presAssocID="{B4F1B46E-22B2-4721-950C-8704487586DC}" presName="posSpace" presStyleCnt="0"/>
-      <dgm:spPr/>
-    </dgm:pt>
-    <dgm:pt modelId="{FC66A233-6BBA-46AF-B2F6-28E379B158E2}" type="pres">
-      <dgm:prSet presAssocID="{B4F1B46E-22B2-4721-950C-8704487586DC}" presName="vertFlow" presStyleCnt="0"/>
-      <dgm:spPr/>
-    </dgm:pt>
-    <dgm:pt modelId="{46739A04-1AA3-49C6-8EA7-EB1DE975B900}" type="pres">
-      <dgm:prSet presAssocID="{B4F1B46E-22B2-4721-950C-8704487586DC}" presName="topSpace" presStyleCnt="0"/>
-      <dgm:spPr/>
-    </dgm:pt>
-    <dgm:pt modelId="{535C6EC9-8098-42C5-8527-E62FF045E4EB}" type="pres">
-      <dgm:prSet presAssocID="{B4F1B46E-22B2-4721-950C-8704487586DC}" presName="firstComp" presStyleCnt="0"/>
-      <dgm:spPr/>
-    </dgm:pt>
-    <dgm:pt modelId="{6B08AC4B-4CEC-41E5-AE19-47A4E2720563}" type="pres">
-      <dgm:prSet presAssocID="{B4F1B46E-22B2-4721-950C-8704487586DC}" presName="firstChild" presStyleLbl="bgAccFollowNode1" presStyleIdx="0" presStyleCnt="11"/>
-      <dgm:spPr/>
-    </dgm:pt>
-    <dgm:pt modelId="{187D4E8C-5C91-4D00-870C-2C45D4EA263C}" type="pres">
-      <dgm:prSet presAssocID="{B4F1B46E-22B2-4721-950C-8704487586DC}" presName="firstChildTx" presStyleLbl="bgAccFollowNode1" presStyleIdx="0" presStyleCnt="11">
-        <dgm:presLayoutVars>
-          <dgm:bulletEnabled val="1"/>
-        </dgm:presLayoutVars>
-      </dgm:prSet>
-      <dgm:spPr/>
-    </dgm:pt>
-    <dgm:pt modelId="{ADF61BBD-28F4-4815-BC7F-82CF00464E8B}" type="pres">
-      <dgm:prSet presAssocID="{F9D46839-CD06-4669-AAE4-4D1E9AFEDA78}" presName="comp" presStyleCnt="0"/>
-      <dgm:spPr/>
-    </dgm:pt>
-    <dgm:pt modelId="{59179C9B-8BA4-4AC7-ACB1-A12DE00142E2}" type="pres">
-      <dgm:prSet presAssocID="{F9D46839-CD06-4669-AAE4-4D1E9AFEDA78}" presName="child" presStyleLbl="bgAccFollowNode1" presStyleIdx="1" presStyleCnt="11"/>
-      <dgm:spPr/>
-    </dgm:pt>
-    <dgm:pt modelId="{4AE7D907-B6F4-4647-AB3F-ABE94C438AE8}" type="pres">
-      <dgm:prSet presAssocID="{F9D46839-CD06-4669-AAE4-4D1E9AFEDA78}" presName="childTx" presStyleLbl="bgAccFollowNode1" presStyleIdx="1" presStyleCnt="11">
-        <dgm:presLayoutVars>
-          <dgm:bulletEnabled val="1"/>
-        </dgm:presLayoutVars>
-      </dgm:prSet>
-      <dgm:spPr/>
-    </dgm:pt>
-    <dgm:pt modelId="{E50A9A83-9985-4184-A476-E3402BD8E76E}" type="pres">
-      <dgm:prSet presAssocID="{7CB6360B-4022-4E96-922B-A12DE0E2A39F}" presName="comp" presStyleCnt="0"/>
-      <dgm:spPr/>
-    </dgm:pt>
-    <dgm:pt modelId="{1877502C-A892-4DC0-ADA6-FA065097BB90}" type="pres">
-      <dgm:prSet presAssocID="{7CB6360B-4022-4E96-922B-A12DE0E2A39F}" presName="child" presStyleLbl="bgAccFollowNode1" presStyleIdx="2" presStyleCnt="11"/>
-      <dgm:spPr/>
-    </dgm:pt>
-    <dgm:pt modelId="{D685DD23-B321-4B5E-842F-394CB33239FA}" type="pres">
-      <dgm:prSet presAssocID="{7CB6360B-4022-4E96-922B-A12DE0E2A39F}" presName="childTx" presStyleLbl="bgAccFollowNode1" presStyleIdx="2" presStyleCnt="11">
-        <dgm:presLayoutVars>
-          <dgm:bulletEnabled val="1"/>
-        </dgm:presLayoutVars>
-      </dgm:prSet>
-      <dgm:spPr/>
-    </dgm:pt>
-    <dgm:pt modelId="{E5677DE7-299C-4C9C-A4BC-6335CC601D12}" type="pres">
-      <dgm:prSet presAssocID="{70879558-61CA-4CCD-B2D6-5349B01EF337}" presName="comp" presStyleCnt="0"/>
-      <dgm:spPr/>
-    </dgm:pt>
-    <dgm:pt modelId="{51F68A05-A560-4C6F-BC90-521AEF3B0907}" type="pres">
-      <dgm:prSet presAssocID="{70879558-61CA-4CCD-B2D6-5349B01EF337}" presName="child" presStyleLbl="bgAccFollowNode1" presStyleIdx="3" presStyleCnt="11"/>
-      <dgm:spPr/>
-    </dgm:pt>
-    <dgm:pt modelId="{3EBE42F0-6491-49CC-95DC-985BA00CD458}" type="pres">
-      <dgm:prSet presAssocID="{70879558-61CA-4CCD-B2D6-5349B01EF337}" presName="childTx" presStyleLbl="bgAccFollowNode1" presStyleIdx="3" presStyleCnt="11">
-        <dgm:presLayoutVars>
-          <dgm:bulletEnabled val="1"/>
-        </dgm:presLayoutVars>
-      </dgm:prSet>
-      <dgm:spPr/>
-    </dgm:pt>
-    <dgm:pt modelId="{3845DB9A-BEF3-4D5D-B9C7-5FC0456401AC}" type="pres">
-      <dgm:prSet presAssocID="{B4F1B46E-22B2-4721-950C-8704487586DC}" presName="negSpace" presStyleCnt="0"/>
-      <dgm:spPr/>
-    </dgm:pt>
-    <dgm:pt modelId="{FC7ED273-8CFD-43C2-9C05-44FADF3E0637}" type="pres">
-      <dgm:prSet presAssocID="{B4F1B46E-22B2-4721-950C-8704487586DC}" presName="circle" presStyleLbl="node1" presStyleIdx="0" presStyleCnt="4"/>
-      <dgm:spPr/>
-    </dgm:pt>
-    <dgm:pt modelId="{13C564B0-C27E-4ABA-AFDA-59E145B256BA}" type="pres">
-      <dgm:prSet presAssocID="{A7E2530A-34E2-4E9F-BC78-8920BA140C41}" presName="transSpace" presStyleCnt="0"/>
-      <dgm:spPr/>
-    </dgm:pt>
-    <dgm:pt modelId="{6300E233-87DF-4270-9808-160BFEB8A5BE}" type="pres">
-      <dgm:prSet presAssocID="{F2881FB1-6580-4F21-A283-BFAA6F91D5D2}" presName="posSpace" presStyleCnt="0"/>
-      <dgm:spPr/>
-    </dgm:pt>
-    <dgm:pt modelId="{6E53DEF7-499E-42EE-802D-59B2F8915392}" type="pres">
-      <dgm:prSet presAssocID="{F2881FB1-6580-4F21-A283-BFAA6F91D5D2}" presName="vertFlow" presStyleCnt="0"/>
-      <dgm:spPr/>
-    </dgm:pt>
-    <dgm:pt modelId="{E08C30D1-35EA-4D05-9731-5D01E3FCBD09}" type="pres">
-      <dgm:prSet presAssocID="{F2881FB1-6580-4F21-A283-BFAA6F91D5D2}" presName="topSpace" presStyleCnt="0"/>
-      <dgm:spPr/>
-    </dgm:pt>
-    <dgm:pt modelId="{2F3BD88A-9166-4A26-B941-B9BAEE1A11D5}" type="pres">
-      <dgm:prSet presAssocID="{F2881FB1-6580-4F21-A283-BFAA6F91D5D2}" presName="firstComp" presStyleCnt="0"/>
-      <dgm:spPr/>
-    </dgm:pt>
-    <dgm:pt modelId="{F660F4B9-35DB-4256-A868-A35C6DCCF6B2}" type="pres">
-      <dgm:prSet presAssocID="{F2881FB1-6580-4F21-A283-BFAA6F91D5D2}" presName="firstChild" presStyleLbl="bgAccFollowNode1" presStyleIdx="4" presStyleCnt="11"/>
-      <dgm:spPr/>
-    </dgm:pt>
-    <dgm:pt modelId="{10C9E3CF-3A8F-4100-8ACD-91E2373197A2}" type="pres">
-      <dgm:prSet presAssocID="{F2881FB1-6580-4F21-A283-BFAA6F91D5D2}" presName="firstChildTx" presStyleLbl="bgAccFollowNode1" presStyleIdx="4" presStyleCnt="11">
-        <dgm:presLayoutVars>
-          <dgm:bulletEnabled val="1"/>
-        </dgm:presLayoutVars>
-      </dgm:prSet>
-      <dgm:spPr/>
-    </dgm:pt>
-    <dgm:pt modelId="{60887C36-4733-46AC-A452-5444F6BC3B23}" type="pres">
-      <dgm:prSet presAssocID="{29E78340-8EBE-415C-B973-78A91A054B9C}" presName="comp" presStyleCnt="0"/>
-      <dgm:spPr/>
-    </dgm:pt>
-    <dgm:pt modelId="{614EBA0E-D12B-447E-B378-B0FA2DEBEA2F}" type="pres">
-      <dgm:prSet presAssocID="{29E78340-8EBE-415C-B973-78A91A054B9C}" presName="child" presStyleLbl="bgAccFollowNode1" presStyleIdx="5" presStyleCnt="11"/>
-      <dgm:spPr/>
-    </dgm:pt>
-    <dgm:pt modelId="{B12AEB83-0A64-4B36-BF01-B2F834861BAA}" type="pres">
-      <dgm:prSet presAssocID="{29E78340-8EBE-415C-B973-78A91A054B9C}" presName="childTx" presStyleLbl="bgAccFollowNode1" presStyleIdx="5" presStyleCnt="11">
-        <dgm:presLayoutVars>
-          <dgm:bulletEnabled val="1"/>
-        </dgm:presLayoutVars>
-      </dgm:prSet>
-      <dgm:spPr/>
-    </dgm:pt>
-    <dgm:pt modelId="{3055F178-D8CA-413A-99F2-20C8231C0651}" type="pres">
-      <dgm:prSet presAssocID="{8321AB85-EA8C-4958-B404-B4C118CB3C18}" presName="comp" presStyleCnt="0"/>
-      <dgm:spPr/>
-    </dgm:pt>
-    <dgm:pt modelId="{68509703-D239-4E1B-8CF0-EF08079E1226}" type="pres">
-      <dgm:prSet presAssocID="{8321AB85-EA8C-4958-B404-B4C118CB3C18}" presName="child" presStyleLbl="bgAccFollowNode1" presStyleIdx="6" presStyleCnt="11"/>
-      <dgm:spPr/>
-    </dgm:pt>
-    <dgm:pt modelId="{E1767793-EDD5-4203-A612-8120A71CA906}" type="pres">
-      <dgm:prSet presAssocID="{8321AB85-EA8C-4958-B404-B4C118CB3C18}" presName="childTx" presStyleLbl="bgAccFollowNode1" presStyleIdx="6" presStyleCnt="11">
-        <dgm:presLayoutVars>
-          <dgm:bulletEnabled val="1"/>
-        </dgm:presLayoutVars>
-      </dgm:prSet>
-      <dgm:spPr/>
-    </dgm:pt>
-    <dgm:pt modelId="{69136330-53DB-4978-A56B-160862279381}" type="pres">
-      <dgm:prSet presAssocID="{F2881FB1-6580-4F21-A283-BFAA6F91D5D2}" presName="negSpace" presStyleCnt="0"/>
-      <dgm:spPr/>
-    </dgm:pt>
-    <dgm:pt modelId="{FD776C1E-557E-4553-9447-49B69EEC7907}" type="pres">
-      <dgm:prSet presAssocID="{F2881FB1-6580-4F21-A283-BFAA6F91D5D2}" presName="circle" presStyleLbl="node1" presStyleIdx="1" presStyleCnt="4"/>
-      <dgm:spPr/>
-    </dgm:pt>
-    <dgm:pt modelId="{FC2522F1-14BB-4B37-B60E-2E8A7E8A6C30}" type="pres">
-      <dgm:prSet presAssocID="{A5ABDC17-7AB5-4F0E-992A-F9343F5D74EB}" presName="transSpace" presStyleCnt="0"/>
-      <dgm:spPr/>
-    </dgm:pt>
-    <dgm:pt modelId="{2C2F6211-85A7-47FE-9239-DE94DF41A263}" type="pres">
-      <dgm:prSet presAssocID="{6352CA33-6755-44BE-808F-400DA4CF80A7}" presName="posSpace" presStyleCnt="0"/>
-      <dgm:spPr/>
-    </dgm:pt>
-    <dgm:pt modelId="{7B0C2EAE-70CB-4160-863D-210C3C66D5FD}" type="pres">
-      <dgm:prSet presAssocID="{6352CA33-6755-44BE-808F-400DA4CF80A7}" presName="vertFlow" presStyleCnt="0"/>
-      <dgm:spPr/>
-    </dgm:pt>
-    <dgm:pt modelId="{5AF3752E-55A6-443C-AD35-C49DF50A4566}" type="pres">
-      <dgm:prSet presAssocID="{6352CA33-6755-44BE-808F-400DA4CF80A7}" presName="topSpace" presStyleCnt="0"/>
-      <dgm:spPr/>
-    </dgm:pt>
-    <dgm:pt modelId="{53567A66-F0E9-4EF8-ADA9-764BA36AA6A9}" type="pres">
-      <dgm:prSet presAssocID="{6352CA33-6755-44BE-808F-400DA4CF80A7}" presName="firstComp" presStyleCnt="0"/>
-      <dgm:spPr/>
-    </dgm:pt>
-    <dgm:pt modelId="{AD2806AC-6A03-4F05-9F4D-F72EA0E56FBF}" type="pres">
-      <dgm:prSet presAssocID="{6352CA33-6755-44BE-808F-400DA4CF80A7}" presName="firstChild" presStyleLbl="bgAccFollowNode1" presStyleIdx="7" presStyleCnt="11"/>
-      <dgm:spPr/>
-    </dgm:pt>
-    <dgm:pt modelId="{F8977219-728E-448F-AE8B-46B14F4F17DE}" type="pres">
-      <dgm:prSet presAssocID="{6352CA33-6755-44BE-808F-400DA4CF80A7}" presName="firstChildTx" presStyleLbl="bgAccFollowNode1" presStyleIdx="7" presStyleCnt="11">
-        <dgm:presLayoutVars>
-          <dgm:bulletEnabled val="1"/>
-        </dgm:presLayoutVars>
-      </dgm:prSet>
-      <dgm:spPr/>
-    </dgm:pt>
-    <dgm:pt modelId="{46A8623B-DC64-4ED6-B73D-98FEAB030508}" type="pres">
-      <dgm:prSet presAssocID="{3D5CDB25-F8FA-444B-8D4A-1D29D0CBA282}" presName="comp" presStyleCnt="0"/>
-      <dgm:spPr/>
-    </dgm:pt>
-    <dgm:pt modelId="{5314AADB-0AD3-4BAE-9F15-B0FE4F44C802}" type="pres">
-      <dgm:prSet presAssocID="{3D5CDB25-F8FA-444B-8D4A-1D29D0CBA282}" presName="child" presStyleLbl="bgAccFollowNode1" presStyleIdx="8" presStyleCnt="11"/>
-      <dgm:spPr/>
-    </dgm:pt>
-    <dgm:pt modelId="{96624143-7928-48E9-817F-BC4A07250C32}" type="pres">
-      <dgm:prSet presAssocID="{3D5CDB25-F8FA-444B-8D4A-1D29D0CBA282}" presName="childTx" presStyleLbl="bgAccFollowNode1" presStyleIdx="8" presStyleCnt="11">
-        <dgm:presLayoutVars>
-          <dgm:bulletEnabled val="1"/>
-        </dgm:presLayoutVars>
-      </dgm:prSet>
-      <dgm:spPr/>
-    </dgm:pt>
-    <dgm:pt modelId="{FBCC4E74-37C0-494F-ABC0-7D18132E1437}" type="pres">
-      <dgm:prSet presAssocID="{6352CA33-6755-44BE-808F-400DA4CF80A7}" presName="negSpace" presStyleCnt="0"/>
-      <dgm:spPr/>
-    </dgm:pt>
-    <dgm:pt modelId="{89E6DA6E-7A23-44BD-8A99-378091FF741D}" type="pres">
-      <dgm:prSet presAssocID="{6352CA33-6755-44BE-808F-400DA4CF80A7}" presName="circle" presStyleLbl="node1" presStyleIdx="2" presStyleCnt="4"/>
-      <dgm:spPr/>
-    </dgm:pt>
-    <dgm:pt modelId="{E966790E-26B5-4EB8-981F-1094BF4B7611}" type="pres">
-      <dgm:prSet presAssocID="{AAB4CF73-4B9B-4AA0-9074-16C2D2AE00A1}" presName="transSpace" presStyleCnt="0"/>
-      <dgm:spPr/>
-    </dgm:pt>
-    <dgm:pt modelId="{229B7655-E1F4-4CF5-84B8-30F0491D32B5}" type="pres">
-      <dgm:prSet presAssocID="{7FCE83D9-631B-4420-BBFC-CA0AFA59F747}" presName="posSpace" presStyleCnt="0"/>
-      <dgm:spPr/>
-    </dgm:pt>
-    <dgm:pt modelId="{F85FFCDF-8E5F-492B-B22D-55A08EACE783}" type="pres">
-      <dgm:prSet presAssocID="{7FCE83D9-631B-4420-BBFC-CA0AFA59F747}" presName="vertFlow" presStyleCnt="0"/>
-      <dgm:spPr/>
-    </dgm:pt>
-    <dgm:pt modelId="{600B3FB2-1315-4A84-8613-B445666BC7D2}" type="pres">
-      <dgm:prSet presAssocID="{7FCE83D9-631B-4420-BBFC-CA0AFA59F747}" presName="topSpace" presStyleCnt="0"/>
-      <dgm:spPr/>
-    </dgm:pt>
-    <dgm:pt modelId="{E47C73E9-FBEE-4370-9B3F-E04EB7C4023A}" type="pres">
-      <dgm:prSet presAssocID="{7FCE83D9-631B-4420-BBFC-CA0AFA59F747}" presName="firstComp" presStyleCnt="0"/>
-      <dgm:spPr/>
-    </dgm:pt>
-    <dgm:pt modelId="{402C2C77-A32C-4D99-9940-12535E1181F2}" type="pres">
-      <dgm:prSet presAssocID="{7FCE83D9-631B-4420-BBFC-CA0AFA59F747}" presName="firstChild" presStyleLbl="bgAccFollowNode1" presStyleIdx="9" presStyleCnt="11"/>
-      <dgm:spPr/>
-    </dgm:pt>
-    <dgm:pt modelId="{5B88A17E-EFF5-4A04-9CC9-D2131DA9ECCC}" type="pres">
-      <dgm:prSet presAssocID="{7FCE83D9-631B-4420-BBFC-CA0AFA59F747}" presName="firstChildTx" presStyleLbl="bgAccFollowNode1" presStyleIdx="9" presStyleCnt="11">
-        <dgm:presLayoutVars>
-          <dgm:bulletEnabled val="1"/>
-        </dgm:presLayoutVars>
-      </dgm:prSet>
-      <dgm:spPr/>
-    </dgm:pt>
-    <dgm:pt modelId="{F3C2D87B-A5E7-46E2-B3D3-58E6D9562663}" type="pres">
-      <dgm:prSet presAssocID="{50451020-5E1A-4778-9E8D-169182A36191}" presName="comp" presStyleCnt="0"/>
-      <dgm:spPr/>
-    </dgm:pt>
-    <dgm:pt modelId="{3086D0BF-AAD1-4310-88ED-4D81A687BD50}" type="pres">
-      <dgm:prSet presAssocID="{50451020-5E1A-4778-9E8D-169182A36191}" presName="child" presStyleLbl="bgAccFollowNode1" presStyleIdx="10" presStyleCnt="11"/>
-      <dgm:spPr/>
-    </dgm:pt>
-    <dgm:pt modelId="{2B18CCD9-D6B1-4225-8D26-4BA691BB1837}" type="pres">
-      <dgm:prSet presAssocID="{50451020-5E1A-4778-9E8D-169182A36191}" presName="childTx" presStyleLbl="bgAccFollowNode1" presStyleIdx="10" presStyleCnt="11">
-        <dgm:presLayoutVars>
-          <dgm:bulletEnabled val="1"/>
-        </dgm:presLayoutVars>
-      </dgm:prSet>
-      <dgm:spPr/>
-    </dgm:pt>
-    <dgm:pt modelId="{9051EF7D-7D6C-4B43-A6C4-239F9933C94D}" type="pres">
-      <dgm:prSet presAssocID="{7FCE83D9-631B-4420-BBFC-CA0AFA59F747}" presName="negSpace" presStyleCnt="0"/>
-      <dgm:spPr/>
-    </dgm:pt>
-    <dgm:pt modelId="{7453D9C8-CD6E-4AA4-8A19-7F6F667528F0}" type="pres">
-      <dgm:prSet presAssocID="{7FCE83D9-631B-4420-BBFC-CA0AFA59F747}" presName="circle" presStyleLbl="node1" presStyleIdx="3" presStyleCnt="4"/>
-      <dgm:spPr/>
-    </dgm:pt>
-  </dgm:ptLst>
-  <dgm:cxnLst>
-    <dgm:cxn modelId="{0E640A01-5254-426D-9300-3ED2F4E3FC75}" type="presOf" srcId="{29E78340-8EBE-415C-B973-78A91A054B9C}" destId="{614EBA0E-D12B-447E-B378-B0FA2DEBEA2F}" srcOrd="0" destOrd="0" presId="urn:microsoft.com/office/officeart/2005/8/layout/hList9"/>
-    <dgm:cxn modelId="{91E5380B-556D-40F8-ABFD-10D81CAF19AA}" type="presOf" srcId="{7CB6360B-4022-4E96-922B-A12DE0E2A39F}" destId="{D685DD23-B321-4B5E-842F-394CB33239FA}" srcOrd="1" destOrd="0" presId="urn:microsoft.com/office/officeart/2005/8/layout/hList9"/>
-    <dgm:cxn modelId="{20AF3F0D-FCCC-4AE8-8B10-DDA56D69A389}" type="presOf" srcId="{6352CA33-6755-44BE-808F-400DA4CF80A7}" destId="{89E6DA6E-7A23-44BD-8A99-378091FF741D}" srcOrd="0" destOrd="0" presId="urn:microsoft.com/office/officeart/2005/8/layout/hList9"/>
-    <dgm:cxn modelId="{7F3B5912-CE3A-4F69-B6A0-82162798FA63}" type="presOf" srcId="{00C18FBF-3FF5-4C16-97CF-AF03740D7AB6}" destId="{0DC7A063-583D-4B0F-88B2-BD54F95D95AF}" srcOrd="0" destOrd="0" presId="urn:microsoft.com/office/officeart/2005/8/layout/hList9"/>
-    <dgm:cxn modelId="{9740321C-35B3-4F5F-BD46-905CB7B8FAEB}" type="presOf" srcId="{9614A323-64B1-4077-A841-022051EC749A}" destId="{AD2806AC-6A03-4F05-9F4D-F72EA0E56FBF}" srcOrd="0" destOrd="0" presId="urn:microsoft.com/office/officeart/2005/8/layout/hList9"/>
-    <dgm:cxn modelId="{C0DEB330-C4FA-4F66-86CA-0C9C52F1F01F}" type="presOf" srcId="{29E78340-8EBE-415C-B973-78A91A054B9C}" destId="{B12AEB83-0A64-4B36-BF01-B2F834861BAA}" srcOrd="1" destOrd="0" presId="urn:microsoft.com/office/officeart/2005/8/layout/hList9"/>
-    <dgm:cxn modelId="{70AA2139-FA57-4EAA-83C0-CFBB31F3B2CD}" type="presOf" srcId="{9D72CDD3-5859-43DB-BD75-0C3C30E3DE62}" destId="{187D4E8C-5C91-4D00-870C-2C45D4EA263C}" srcOrd="1" destOrd="0" presId="urn:microsoft.com/office/officeart/2005/8/layout/hList9"/>
-    <dgm:cxn modelId="{EDF0B63A-DCA1-49A5-910A-B447CA5609B2}" type="presOf" srcId="{3D5CDB25-F8FA-444B-8D4A-1D29D0CBA282}" destId="{96624143-7928-48E9-817F-BC4A07250C32}" srcOrd="1" destOrd="0" presId="urn:microsoft.com/office/officeart/2005/8/layout/hList9"/>
-    <dgm:cxn modelId="{FFE7CF3F-C427-4831-953F-615124811AB4}" type="presOf" srcId="{8321AB85-EA8C-4958-B404-B4C118CB3C18}" destId="{E1767793-EDD5-4203-A612-8120A71CA906}" srcOrd="1" destOrd="0" presId="urn:microsoft.com/office/officeart/2005/8/layout/hList9"/>
-    <dgm:cxn modelId="{4A31D641-1B5D-46D3-B685-0C4DC6EFE71B}" srcId="{00C18FBF-3FF5-4C16-97CF-AF03740D7AB6}" destId="{F2881FB1-6580-4F21-A283-BFAA6F91D5D2}" srcOrd="1" destOrd="0" parTransId="{2D960FDD-BADA-480D-9043-497C56588AD3}" sibTransId="{A5ABDC17-7AB5-4F0E-992A-F9343F5D74EB}"/>
-    <dgm:cxn modelId="{16E03549-76FD-4D73-932D-9C88E7D9FF05}" type="presOf" srcId="{DB9FB862-4759-4D6A-84F3-01524B92723B}" destId="{402C2C77-A32C-4D99-9940-12535E1181F2}" srcOrd="0" destOrd="0" presId="urn:microsoft.com/office/officeart/2005/8/layout/hList9"/>
-    <dgm:cxn modelId="{B635AE6E-37F7-4F2E-8725-C1D81C11EBE6}" type="presOf" srcId="{8321AB85-EA8C-4958-B404-B4C118CB3C18}" destId="{68509703-D239-4E1B-8CF0-EF08079E1226}" srcOrd="0" destOrd="0" presId="urn:microsoft.com/office/officeart/2005/8/layout/hList9"/>
-    <dgm:cxn modelId="{3F290A52-8A4A-4469-9AB4-D811A6E23C3C}" type="presOf" srcId="{F9D46839-CD06-4669-AAE4-4D1E9AFEDA78}" destId="{59179C9B-8BA4-4AC7-ACB1-A12DE00142E2}" srcOrd="0" destOrd="0" presId="urn:microsoft.com/office/officeart/2005/8/layout/hList9"/>
-    <dgm:cxn modelId="{3204ED53-15A0-4643-A582-021A785F1BA2}" srcId="{F2881FB1-6580-4F21-A283-BFAA6F91D5D2}" destId="{D5197DDB-D5D2-499F-B255-CF7BB5AE2B43}" srcOrd="0" destOrd="0" parTransId="{B14A4DC9-F40A-4867-ADB8-4BA8A1F83766}" sibTransId="{29F2454A-2FA8-4B3A-AC63-4A0B9FD04A75}"/>
-    <dgm:cxn modelId="{B2647B56-8947-4632-AB4A-42CBB9B48494}" type="presOf" srcId="{7FCE83D9-631B-4420-BBFC-CA0AFA59F747}" destId="{7453D9C8-CD6E-4AA4-8A19-7F6F667528F0}" srcOrd="0" destOrd="0" presId="urn:microsoft.com/office/officeart/2005/8/layout/hList9"/>
-    <dgm:cxn modelId="{129AEA77-5D2A-49D4-956D-99009974B6C5}" srcId="{F2881FB1-6580-4F21-A283-BFAA6F91D5D2}" destId="{8321AB85-EA8C-4958-B404-B4C118CB3C18}" srcOrd="2" destOrd="0" parTransId="{24ABE8B3-7220-436D-9636-F7B4C0B99576}" sibTransId="{AA5F76CE-8FD4-4692-8BB1-EF84CF9D365E}"/>
-    <dgm:cxn modelId="{8FAB4659-6291-457D-941A-93BCD304031A}" srcId="{B4F1B46E-22B2-4721-950C-8704487586DC}" destId="{70879558-61CA-4CCD-B2D6-5349B01EF337}" srcOrd="3" destOrd="0" parTransId="{95F5E6EE-4E8D-49F8-8C9E-8BBFD01B6A0E}" sibTransId="{053E317B-DD3F-4AFF-90D1-A55D37D325DC}"/>
-    <dgm:cxn modelId="{FC7BD086-74EA-4D6C-9657-E916D355F209}" srcId="{6352CA33-6755-44BE-808F-400DA4CF80A7}" destId="{9614A323-64B1-4077-A841-022051EC749A}" srcOrd="0" destOrd="0" parTransId="{E5F6BCBD-B84E-4018-BE9E-BF57FF3B4B36}" sibTransId="{FEC2A79F-8857-403A-A738-E8CE75C965E2}"/>
-    <dgm:cxn modelId="{E572418E-4340-4448-940D-253A2FA3B9B3}" srcId="{00C18FBF-3FF5-4C16-97CF-AF03740D7AB6}" destId="{7FCE83D9-631B-4420-BBFC-CA0AFA59F747}" srcOrd="3" destOrd="0" parTransId="{C61EC981-13FA-4710-B079-D35692EEB764}" sibTransId="{1B48A0DE-4031-4D45-86A1-94CDAF68824A}"/>
-    <dgm:cxn modelId="{B736D792-8630-4423-BF25-ED6293A18ADD}" type="presOf" srcId="{9614A323-64B1-4077-A841-022051EC749A}" destId="{F8977219-728E-448F-AE8B-46B14F4F17DE}" srcOrd="1" destOrd="0" presId="urn:microsoft.com/office/officeart/2005/8/layout/hList9"/>
-    <dgm:cxn modelId="{6C9D5899-99E2-4916-98F9-1660647928E3}" type="presOf" srcId="{DB9FB862-4759-4D6A-84F3-01524B92723B}" destId="{5B88A17E-EFF5-4A04-9CC9-D2131DA9ECCC}" srcOrd="1" destOrd="0" presId="urn:microsoft.com/office/officeart/2005/8/layout/hList9"/>
-    <dgm:cxn modelId="{DDB5AD9A-40B0-48EF-AF2C-8CCDA330F7FE}" srcId="{B4F1B46E-22B2-4721-950C-8704487586DC}" destId="{9D72CDD3-5859-43DB-BD75-0C3C30E3DE62}" srcOrd="0" destOrd="0" parTransId="{1D5B1F83-33A7-4298-BC11-2B1252AFAEA5}" sibTransId="{15E25BD4-1EBF-43C2-8885-DBF66B8429E1}"/>
-    <dgm:cxn modelId="{AD25A8A0-4628-40E2-8C9E-64E6AD4D4D91}" srcId="{B4F1B46E-22B2-4721-950C-8704487586DC}" destId="{F9D46839-CD06-4669-AAE4-4D1E9AFEDA78}" srcOrd="1" destOrd="0" parTransId="{B6B535D8-00AB-4FA1-AAEC-92498ABC6F4C}" sibTransId="{6497F199-DC2A-41F9-A449-D395E6BC4900}"/>
-    <dgm:cxn modelId="{3EF668B1-7B6A-40A1-9E64-0829B2EF0539}" type="presOf" srcId="{F9D46839-CD06-4669-AAE4-4D1E9AFEDA78}" destId="{4AE7D907-B6F4-4647-AB3F-ABE94C438AE8}" srcOrd="1" destOrd="0" presId="urn:microsoft.com/office/officeart/2005/8/layout/hList9"/>
-    <dgm:cxn modelId="{2C8317B2-2EBB-4589-86EA-C77B3B6E81AA}" srcId="{00C18FBF-3FF5-4C16-97CF-AF03740D7AB6}" destId="{B4F1B46E-22B2-4721-950C-8704487586DC}" srcOrd="0" destOrd="0" parTransId="{E8A66543-CC4D-4785-A93E-5B125E09F826}" sibTransId="{A7E2530A-34E2-4E9F-BC78-8920BA140C41}"/>
-    <dgm:cxn modelId="{CD5EFFB3-C9FD-4DAC-8D97-0C2FB02B380B}" srcId="{B4F1B46E-22B2-4721-950C-8704487586DC}" destId="{7CB6360B-4022-4E96-922B-A12DE0E2A39F}" srcOrd="2" destOrd="0" parTransId="{44B2858F-607B-47DF-B44B-EA7D73FDC9F2}" sibTransId="{B35ED9D1-2A17-4034-8D08-4945CA54F6C9}"/>
-    <dgm:cxn modelId="{70E22FBE-4510-487A-BD3F-D791559A8263}" type="presOf" srcId="{3D5CDB25-F8FA-444B-8D4A-1D29D0CBA282}" destId="{5314AADB-0AD3-4BAE-9F15-B0FE4F44C802}" srcOrd="0" destOrd="0" presId="urn:microsoft.com/office/officeart/2005/8/layout/hList9"/>
-    <dgm:cxn modelId="{2DF4FDC6-9998-45E2-B49B-7BDDAE43878E}" type="presOf" srcId="{B4F1B46E-22B2-4721-950C-8704487586DC}" destId="{FC7ED273-8CFD-43C2-9C05-44FADF3E0637}" srcOrd="0" destOrd="0" presId="urn:microsoft.com/office/officeart/2005/8/layout/hList9"/>
-    <dgm:cxn modelId="{A587C2CB-6562-4021-B4BF-D479DBE9444F}" type="presOf" srcId="{D5197DDB-D5D2-499F-B255-CF7BB5AE2B43}" destId="{F660F4B9-35DB-4256-A868-A35C6DCCF6B2}" srcOrd="0" destOrd="0" presId="urn:microsoft.com/office/officeart/2005/8/layout/hList9"/>
-    <dgm:cxn modelId="{77F620CE-FC2D-42CF-890C-6A28A43BA06E}" type="presOf" srcId="{F2881FB1-6580-4F21-A283-BFAA6F91D5D2}" destId="{FD776C1E-557E-4553-9447-49B69EEC7907}" srcOrd="0" destOrd="0" presId="urn:microsoft.com/office/officeart/2005/8/layout/hList9"/>
-    <dgm:cxn modelId="{AACC54D1-0243-46E9-9624-A663799E8A06}" type="presOf" srcId="{9D72CDD3-5859-43DB-BD75-0C3C30E3DE62}" destId="{6B08AC4B-4CEC-41E5-AE19-47A4E2720563}" srcOrd="0" destOrd="0" presId="urn:microsoft.com/office/officeart/2005/8/layout/hList9"/>
-    <dgm:cxn modelId="{F3210AD4-6CEB-4017-A75B-E24F2FA3B062}" type="presOf" srcId="{70879558-61CA-4CCD-B2D6-5349B01EF337}" destId="{51F68A05-A560-4C6F-BC90-521AEF3B0907}" srcOrd="0" destOrd="0" presId="urn:microsoft.com/office/officeart/2005/8/layout/hList9"/>
-    <dgm:cxn modelId="{311348D8-FDE3-4C22-99F5-3B98C5F51F0D}" srcId="{F2881FB1-6580-4F21-A283-BFAA6F91D5D2}" destId="{29E78340-8EBE-415C-B973-78A91A054B9C}" srcOrd="1" destOrd="0" parTransId="{FF4E5F97-6974-4E39-A85D-DCB2E100798E}" sibTransId="{B4B9A51E-FA34-465E-B5B4-81CD76EB3FC2}"/>
-    <dgm:cxn modelId="{0F86DBDB-3C4F-4C84-981B-7F4CA2A8EAF3}" srcId="{7FCE83D9-631B-4420-BBFC-CA0AFA59F747}" destId="{50451020-5E1A-4778-9E8D-169182A36191}" srcOrd="1" destOrd="0" parTransId="{7DFC3849-4A12-49FB-B614-8AFD597CCB9E}" sibTransId="{EEDE2474-4F18-4F59-8E58-6382D253E514}"/>
-    <dgm:cxn modelId="{82BAE5DD-3A79-4870-9019-1254385E0650}" srcId="{00C18FBF-3FF5-4C16-97CF-AF03740D7AB6}" destId="{6352CA33-6755-44BE-808F-400DA4CF80A7}" srcOrd="2" destOrd="0" parTransId="{AEB59203-63BA-4A96-BADC-40BAEBD9AA40}" sibTransId="{AAB4CF73-4B9B-4AA0-9074-16C2D2AE00A1}"/>
-    <dgm:cxn modelId="{2E3C97E6-67D4-4948-B47A-1115C2B2979F}" srcId="{6352CA33-6755-44BE-808F-400DA4CF80A7}" destId="{3D5CDB25-F8FA-444B-8D4A-1D29D0CBA282}" srcOrd="1" destOrd="0" parTransId="{4C229933-AC16-44B7-98EC-4C0F07FABCB0}" sibTransId="{189DA4C5-2A22-4C71-A806-7B4AB57767CC}"/>
-    <dgm:cxn modelId="{59E871E8-E7D2-4CCC-B749-A714977AF5E6}" type="presOf" srcId="{D5197DDB-D5D2-499F-B255-CF7BB5AE2B43}" destId="{10C9E3CF-3A8F-4100-8ACD-91E2373197A2}" srcOrd="1" destOrd="0" presId="urn:microsoft.com/office/officeart/2005/8/layout/hList9"/>
-    <dgm:cxn modelId="{114529EA-CDEE-4574-B59D-8F35E4FE7A75}" type="presOf" srcId="{50451020-5E1A-4778-9E8D-169182A36191}" destId="{3086D0BF-AAD1-4310-88ED-4D81A687BD50}" srcOrd="0" destOrd="0" presId="urn:microsoft.com/office/officeart/2005/8/layout/hList9"/>
-    <dgm:cxn modelId="{92B5CCEF-1CDF-4025-ACF6-0780E13B9A00}" type="presOf" srcId="{7CB6360B-4022-4E96-922B-A12DE0E2A39F}" destId="{1877502C-A892-4DC0-ADA6-FA065097BB90}" srcOrd="0" destOrd="0" presId="urn:microsoft.com/office/officeart/2005/8/layout/hList9"/>
-    <dgm:cxn modelId="{62ECA4F6-D6A0-41F0-AB7C-2AA480A6F080}" type="presOf" srcId="{70879558-61CA-4CCD-B2D6-5349B01EF337}" destId="{3EBE42F0-6491-49CC-95DC-985BA00CD458}" srcOrd="1" destOrd="0" presId="urn:microsoft.com/office/officeart/2005/8/layout/hList9"/>
-    <dgm:cxn modelId="{4CCFFDF9-D8E9-43FF-9A5C-0D554AC5AAB1}" type="presOf" srcId="{50451020-5E1A-4778-9E8D-169182A36191}" destId="{2B18CCD9-D6B1-4225-8D26-4BA691BB1837}" srcOrd="1" destOrd="0" presId="urn:microsoft.com/office/officeart/2005/8/layout/hList9"/>
-    <dgm:cxn modelId="{70CAB4FC-3D17-49C2-8A7B-F387031FCDCA}" srcId="{7FCE83D9-631B-4420-BBFC-CA0AFA59F747}" destId="{DB9FB862-4759-4D6A-84F3-01524B92723B}" srcOrd="0" destOrd="0" parTransId="{CD1EE44C-3116-420B-89E3-1D797CB25D34}" sibTransId="{4BD4D4A5-043E-4ED5-A5CA-8D46DADC3150}"/>
-    <dgm:cxn modelId="{E1D1E23B-EC87-45CC-9E87-38B27A23764D}" type="presParOf" srcId="{0DC7A063-583D-4B0F-88B2-BD54F95D95AF}" destId="{3B23570A-ECC9-4DF8-BCB4-0465C69CBB88}" srcOrd="0" destOrd="0" presId="urn:microsoft.com/office/officeart/2005/8/layout/hList9"/>
-    <dgm:cxn modelId="{82537023-5CD7-4BB7-84CF-DE8196338CF2}" type="presParOf" srcId="{0DC7A063-583D-4B0F-88B2-BD54F95D95AF}" destId="{FC66A233-6BBA-46AF-B2F6-28E379B158E2}" srcOrd="1" destOrd="0" presId="urn:microsoft.com/office/officeart/2005/8/layout/hList9"/>
-    <dgm:cxn modelId="{5DFED7C8-2E54-4441-B032-3A4788B2A8D3}" type="presParOf" srcId="{FC66A233-6BBA-46AF-B2F6-28E379B158E2}" destId="{46739A04-1AA3-49C6-8EA7-EB1DE975B900}" srcOrd="0" destOrd="0" presId="urn:microsoft.com/office/officeart/2005/8/layout/hList9"/>
-    <dgm:cxn modelId="{59D81910-4316-4EAE-9A67-0B3EDF027306}" type="presParOf" srcId="{FC66A233-6BBA-46AF-B2F6-28E379B158E2}" destId="{535C6EC9-8098-42C5-8527-E62FF045E4EB}" srcOrd="1" destOrd="0" presId="urn:microsoft.com/office/officeart/2005/8/layout/hList9"/>
-    <dgm:cxn modelId="{C4FBC461-0B5D-4B7E-9CAF-A88B1223F18A}" type="presParOf" srcId="{535C6EC9-8098-42C5-8527-E62FF045E4EB}" destId="{6B08AC4B-4CEC-41E5-AE19-47A4E2720563}" srcOrd="0" destOrd="0" presId="urn:microsoft.com/office/officeart/2005/8/layout/hList9"/>
-    <dgm:cxn modelId="{16A1B336-CE68-4171-8D18-284543992BEA}" type="presParOf" srcId="{535C6EC9-8098-42C5-8527-E62FF045E4EB}" destId="{187D4E8C-5C91-4D00-870C-2C45D4EA263C}" srcOrd="1" destOrd="0" presId="urn:microsoft.com/office/officeart/2005/8/layout/hList9"/>
-    <dgm:cxn modelId="{7A41C261-6E27-4943-9CD0-4E08EB7E56A7}" type="presParOf" srcId="{FC66A233-6BBA-46AF-B2F6-28E379B158E2}" destId="{ADF61BBD-28F4-4815-BC7F-82CF00464E8B}" srcOrd="2" destOrd="0" presId="urn:microsoft.com/office/officeart/2005/8/layout/hList9"/>
-    <dgm:cxn modelId="{03CD72CE-2160-4837-B2C9-B73CABBC437B}" type="presParOf" srcId="{ADF61BBD-28F4-4815-BC7F-82CF00464E8B}" destId="{59179C9B-8BA4-4AC7-ACB1-A12DE00142E2}" srcOrd="0" destOrd="0" presId="urn:microsoft.com/office/officeart/2005/8/layout/hList9"/>
-    <dgm:cxn modelId="{F9662DB2-653F-4128-AA82-4C07C6F00722}" type="presParOf" srcId="{ADF61BBD-28F4-4815-BC7F-82CF00464E8B}" destId="{4AE7D907-B6F4-4647-AB3F-ABE94C438AE8}" srcOrd="1" destOrd="0" presId="urn:microsoft.com/office/officeart/2005/8/layout/hList9"/>
-    <dgm:cxn modelId="{03977053-B57D-4C39-B7C2-51CB96F9B4FC}" type="presParOf" srcId="{FC66A233-6BBA-46AF-B2F6-28E379B158E2}" destId="{E50A9A83-9985-4184-A476-E3402BD8E76E}" srcOrd="3" destOrd="0" presId="urn:microsoft.com/office/officeart/2005/8/layout/hList9"/>
-    <dgm:cxn modelId="{8AFFD233-399B-4D57-9BB6-80A351FA6A3B}" type="presParOf" srcId="{E50A9A83-9985-4184-A476-E3402BD8E76E}" destId="{1877502C-A892-4DC0-ADA6-FA065097BB90}" srcOrd="0" destOrd="0" presId="urn:microsoft.com/office/officeart/2005/8/layout/hList9"/>
-    <dgm:cxn modelId="{9909963A-5660-453F-8E99-8BCC82487A65}" type="presParOf" srcId="{E50A9A83-9985-4184-A476-E3402BD8E76E}" destId="{D685DD23-B321-4B5E-842F-394CB33239FA}" srcOrd="1" destOrd="0" presId="urn:microsoft.com/office/officeart/2005/8/layout/hList9"/>
-    <dgm:cxn modelId="{B628A148-8501-42F8-B49E-281D353B606E}" type="presParOf" srcId="{FC66A233-6BBA-46AF-B2F6-28E379B158E2}" destId="{E5677DE7-299C-4C9C-A4BC-6335CC601D12}" srcOrd="4" destOrd="0" presId="urn:microsoft.com/office/officeart/2005/8/layout/hList9"/>
-    <dgm:cxn modelId="{8D569982-26E1-4090-9C18-DC58158F325D}" type="presParOf" srcId="{E5677DE7-299C-4C9C-A4BC-6335CC601D12}" destId="{51F68A05-A560-4C6F-BC90-521AEF3B0907}" srcOrd="0" destOrd="0" presId="urn:microsoft.com/office/officeart/2005/8/layout/hList9"/>
-    <dgm:cxn modelId="{2FA9E744-008C-4725-86D6-3B7B8883E6D9}" type="presParOf" srcId="{E5677DE7-299C-4C9C-A4BC-6335CC601D12}" destId="{3EBE42F0-6491-49CC-95DC-985BA00CD458}" srcOrd="1" destOrd="0" presId="urn:microsoft.com/office/officeart/2005/8/layout/hList9"/>
-    <dgm:cxn modelId="{DEF99A7A-98F1-424D-AC92-7C6B69A0E544}" type="presParOf" srcId="{0DC7A063-583D-4B0F-88B2-BD54F95D95AF}" destId="{3845DB9A-BEF3-4D5D-B9C7-5FC0456401AC}" srcOrd="2" destOrd="0" presId="urn:microsoft.com/office/officeart/2005/8/layout/hList9"/>
-    <dgm:cxn modelId="{ACD8FD0D-39C9-49DB-B77E-B03522FDF5FC}" type="presParOf" srcId="{0DC7A063-583D-4B0F-88B2-BD54F95D95AF}" destId="{FC7ED273-8CFD-43C2-9C05-44FADF3E0637}" srcOrd="3" destOrd="0" presId="urn:microsoft.com/office/officeart/2005/8/layout/hList9"/>
-    <dgm:cxn modelId="{2C72EC61-81F4-4DCD-A533-255CBC66AE34}" type="presParOf" srcId="{0DC7A063-583D-4B0F-88B2-BD54F95D95AF}" destId="{13C564B0-C27E-4ABA-AFDA-59E145B256BA}" srcOrd="4" destOrd="0" presId="urn:microsoft.com/office/officeart/2005/8/layout/hList9"/>
-    <dgm:cxn modelId="{775600F8-FCFE-4862-8108-85F84EA9DEE2}" type="presParOf" srcId="{0DC7A063-583D-4B0F-88B2-BD54F95D95AF}" destId="{6300E233-87DF-4270-9808-160BFEB8A5BE}" srcOrd="5" destOrd="0" presId="urn:microsoft.com/office/officeart/2005/8/layout/hList9"/>
-    <dgm:cxn modelId="{AE3B7A69-67E7-41D2-BC1A-3586A3CC259D}" type="presParOf" srcId="{0DC7A063-583D-4B0F-88B2-BD54F95D95AF}" destId="{6E53DEF7-499E-42EE-802D-59B2F8915392}" srcOrd="6" destOrd="0" presId="urn:microsoft.com/office/officeart/2005/8/layout/hList9"/>
-    <dgm:cxn modelId="{76A9B804-07B5-4060-AA61-249A1765ECB9}" type="presParOf" srcId="{6E53DEF7-499E-42EE-802D-59B2F8915392}" destId="{E08C30D1-35EA-4D05-9731-5D01E3FCBD09}" srcOrd="0" destOrd="0" presId="urn:microsoft.com/office/officeart/2005/8/layout/hList9"/>
-    <dgm:cxn modelId="{6162898E-21FD-497B-BFEE-B78CF45F7D9A}" type="presParOf" srcId="{6E53DEF7-499E-42EE-802D-59B2F8915392}" destId="{2F3BD88A-9166-4A26-B941-B9BAEE1A11D5}" srcOrd="1" destOrd="0" presId="urn:microsoft.com/office/officeart/2005/8/layout/hList9"/>
-    <dgm:cxn modelId="{71D4EFDE-15BC-4327-9242-5F72F9DAFAD4}" type="presParOf" srcId="{2F3BD88A-9166-4A26-B941-B9BAEE1A11D5}" destId="{F660F4B9-35DB-4256-A868-A35C6DCCF6B2}" srcOrd="0" destOrd="0" presId="urn:microsoft.com/office/officeart/2005/8/layout/hList9"/>
-    <dgm:cxn modelId="{9B414BA4-2018-40DF-8E7D-AD7E78EF0217}" type="presParOf" srcId="{2F3BD88A-9166-4A26-B941-B9BAEE1A11D5}" destId="{10C9E3CF-3A8F-4100-8ACD-91E2373197A2}" srcOrd="1" destOrd="0" presId="urn:microsoft.com/office/officeart/2005/8/layout/hList9"/>
-    <dgm:cxn modelId="{28BA3997-5DD1-4713-9F4F-B2881F36E8DC}" type="presParOf" srcId="{6E53DEF7-499E-42EE-802D-59B2F8915392}" destId="{60887C36-4733-46AC-A452-5444F6BC3B23}" srcOrd="2" destOrd="0" presId="urn:microsoft.com/office/officeart/2005/8/layout/hList9"/>
-    <dgm:cxn modelId="{7A6208FE-C5A8-4871-9488-BEEAE472C061}" type="presParOf" srcId="{60887C36-4733-46AC-A452-5444F6BC3B23}" destId="{614EBA0E-D12B-447E-B378-B0FA2DEBEA2F}" srcOrd="0" destOrd="0" presId="urn:microsoft.com/office/officeart/2005/8/layout/hList9"/>
-    <dgm:cxn modelId="{2148A8C9-9BA6-45BD-9008-59301C4B49FC}" type="presParOf" srcId="{60887C36-4733-46AC-A452-5444F6BC3B23}" destId="{B12AEB83-0A64-4B36-BF01-B2F834861BAA}" srcOrd="1" destOrd="0" presId="urn:microsoft.com/office/officeart/2005/8/layout/hList9"/>
-    <dgm:cxn modelId="{32E6E4AD-0BFD-4285-AC4A-131E4A0904F2}" type="presParOf" srcId="{6E53DEF7-499E-42EE-802D-59B2F8915392}" destId="{3055F178-D8CA-413A-99F2-20C8231C0651}" srcOrd="3" destOrd="0" presId="urn:microsoft.com/office/officeart/2005/8/layout/hList9"/>
-    <dgm:cxn modelId="{A1DB4BC0-DADA-4058-A3BB-D04BE7DF689A}" type="presParOf" srcId="{3055F178-D8CA-413A-99F2-20C8231C0651}" destId="{68509703-D239-4E1B-8CF0-EF08079E1226}" srcOrd="0" destOrd="0" presId="urn:microsoft.com/office/officeart/2005/8/layout/hList9"/>
-    <dgm:cxn modelId="{5B5F83FC-F721-4241-90AB-7117B39AABD5}" type="presParOf" srcId="{3055F178-D8CA-413A-99F2-20C8231C0651}" destId="{E1767793-EDD5-4203-A612-8120A71CA906}" srcOrd="1" destOrd="0" presId="urn:microsoft.com/office/officeart/2005/8/layout/hList9"/>
-    <dgm:cxn modelId="{D8406746-50BE-425E-A523-9ED524500743}" type="presParOf" srcId="{0DC7A063-583D-4B0F-88B2-BD54F95D95AF}" destId="{69136330-53DB-4978-A56B-160862279381}" srcOrd="7" destOrd="0" presId="urn:microsoft.com/office/officeart/2005/8/layout/hList9"/>
-    <dgm:cxn modelId="{A91BC494-75AC-4CCA-8CC1-7E9884C2F3AD}" type="presParOf" srcId="{0DC7A063-583D-4B0F-88B2-BD54F95D95AF}" destId="{FD776C1E-557E-4553-9447-49B69EEC7907}" srcOrd="8" destOrd="0" presId="urn:microsoft.com/office/officeart/2005/8/layout/hList9"/>
-    <dgm:cxn modelId="{487F9920-08DF-4AC5-BA64-D35F42602B66}" type="presParOf" srcId="{0DC7A063-583D-4B0F-88B2-BD54F95D95AF}" destId="{FC2522F1-14BB-4B37-B60E-2E8A7E8A6C30}" srcOrd="9" destOrd="0" presId="urn:microsoft.com/office/officeart/2005/8/layout/hList9"/>
-    <dgm:cxn modelId="{DC194D92-7E98-42DD-A8CA-BCD1EDD2C95D}" type="presParOf" srcId="{0DC7A063-583D-4B0F-88B2-BD54F95D95AF}" destId="{2C2F6211-85A7-47FE-9239-DE94DF41A263}" srcOrd="10" destOrd="0" presId="urn:microsoft.com/office/officeart/2005/8/layout/hList9"/>
-    <dgm:cxn modelId="{575F4FD6-9E0F-4F5E-88EE-9B265B6FD4F4}" type="presParOf" srcId="{0DC7A063-583D-4B0F-88B2-BD54F95D95AF}" destId="{7B0C2EAE-70CB-4160-863D-210C3C66D5FD}" srcOrd="11" destOrd="0" presId="urn:microsoft.com/office/officeart/2005/8/layout/hList9"/>
-    <dgm:cxn modelId="{8AE96C49-A416-4FC7-84EE-2BDAF35C57FF}" type="presParOf" srcId="{7B0C2EAE-70CB-4160-863D-210C3C66D5FD}" destId="{5AF3752E-55A6-443C-AD35-C49DF50A4566}" srcOrd="0" destOrd="0" presId="urn:microsoft.com/office/officeart/2005/8/layout/hList9"/>
-    <dgm:cxn modelId="{235B263C-399E-4245-95BD-2AA1F19D4AB4}" type="presParOf" srcId="{7B0C2EAE-70CB-4160-863D-210C3C66D5FD}" destId="{53567A66-F0E9-4EF8-ADA9-764BA36AA6A9}" srcOrd="1" destOrd="0" presId="urn:microsoft.com/office/officeart/2005/8/layout/hList9"/>
-    <dgm:cxn modelId="{265DA8D6-D429-4956-8CB8-10EE7EF20F0C}" type="presParOf" srcId="{53567A66-F0E9-4EF8-ADA9-764BA36AA6A9}" destId="{AD2806AC-6A03-4F05-9F4D-F72EA0E56FBF}" srcOrd="0" destOrd="0" presId="urn:microsoft.com/office/officeart/2005/8/layout/hList9"/>
-    <dgm:cxn modelId="{35A8C2CA-EB30-45FD-8152-A7470BE42B4C}" type="presParOf" srcId="{53567A66-F0E9-4EF8-ADA9-764BA36AA6A9}" destId="{F8977219-728E-448F-AE8B-46B14F4F17DE}" srcOrd="1" destOrd="0" presId="urn:microsoft.com/office/officeart/2005/8/layout/hList9"/>
-    <dgm:cxn modelId="{6ACEADBE-023B-4505-93FF-04069F754490}" type="presParOf" srcId="{7B0C2EAE-70CB-4160-863D-210C3C66D5FD}" destId="{46A8623B-DC64-4ED6-B73D-98FEAB030508}" srcOrd="2" destOrd="0" presId="urn:microsoft.com/office/officeart/2005/8/layout/hList9"/>
-    <dgm:cxn modelId="{AD010A9C-D63C-4BD8-BA56-A4D20026F974}" type="presParOf" srcId="{46A8623B-DC64-4ED6-B73D-98FEAB030508}" destId="{5314AADB-0AD3-4BAE-9F15-B0FE4F44C802}" srcOrd="0" destOrd="0" presId="urn:microsoft.com/office/officeart/2005/8/layout/hList9"/>
-    <dgm:cxn modelId="{10F973FE-8000-468C-900B-4ED99BE40E65}" type="presParOf" srcId="{46A8623B-DC64-4ED6-B73D-98FEAB030508}" destId="{96624143-7928-48E9-817F-BC4A07250C32}" srcOrd="1" destOrd="0" presId="urn:microsoft.com/office/officeart/2005/8/layout/hList9"/>
-    <dgm:cxn modelId="{EF3F399A-E096-436A-AD74-CF747D62B02A}" type="presParOf" srcId="{0DC7A063-583D-4B0F-88B2-BD54F95D95AF}" destId="{FBCC4E74-37C0-494F-ABC0-7D18132E1437}" srcOrd="12" destOrd="0" presId="urn:microsoft.com/office/officeart/2005/8/layout/hList9"/>
-    <dgm:cxn modelId="{5EA17F20-F6C6-4B5A-AFEB-38BD8F975065}" type="presParOf" srcId="{0DC7A063-583D-4B0F-88B2-BD54F95D95AF}" destId="{89E6DA6E-7A23-44BD-8A99-378091FF741D}" srcOrd="13" destOrd="0" presId="urn:microsoft.com/office/officeart/2005/8/layout/hList9"/>
-    <dgm:cxn modelId="{463280A8-1DBA-4FE7-B5B2-8151A298EB35}" type="presParOf" srcId="{0DC7A063-583D-4B0F-88B2-BD54F95D95AF}" destId="{E966790E-26B5-4EB8-981F-1094BF4B7611}" srcOrd="14" destOrd="0" presId="urn:microsoft.com/office/officeart/2005/8/layout/hList9"/>
-    <dgm:cxn modelId="{A4221FEF-656B-43DD-8382-199EAB5F1E7B}" type="presParOf" srcId="{0DC7A063-583D-4B0F-88B2-BD54F95D95AF}" destId="{229B7655-E1F4-4CF5-84B8-30F0491D32B5}" srcOrd="15" destOrd="0" presId="urn:microsoft.com/office/officeart/2005/8/layout/hList9"/>
-    <dgm:cxn modelId="{48FA6F14-4694-4C77-8D75-48D3A22A3540}" type="presParOf" srcId="{0DC7A063-583D-4B0F-88B2-BD54F95D95AF}" destId="{F85FFCDF-8E5F-492B-B22D-55A08EACE783}" srcOrd="16" destOrd="0" presId="urn:microsoft.com/office/officeart/2005/8/layout/hList9"/>
-    <dgm:cxn modelId="{3995A447-6B53-4DFA-8494-06C3A1F8D7F7}" type="presParOf" srcId="{F85FFCDF-8E5F-492B-B22D-55A08EACE783}" destId="{600B3FB2-1315-4A84-8613-B445666BC7D2}" srcOrd="0" destOrd="0" presId="urn:microsoft.com/office/officeart/2005/8/layout/hList9"/>
-    <dgm:cxn modelId="{C652D75D-BE73-43BB-9138-B232AAF272A1}" type="presParOf" srcId="{F85FFCDF-8E5F-492B-B22D-55A08EACE783}" destId="{E47C73E9-FBEE-4370-9B3F-E04EB7C4023A}" srcOrd="1" destOrd="0" presId="urn:microsoft.com/office/officeart/2005/8/layout/hList9"/>
-    <dgm:cxn modelId="{5F19BD3C-10AC-4F51-A8FD-00351A52371B}" type="presParOf" srcId="{E47C73E9-FBEE-4370-9B3F-E04EB7C4023A}" destId="{402C2C77-A32C-4D99-9940-12535E1181F2}" srcOrd="0" destOrd="0" presId="urn:microsoft.com/office/officeart/2005/8/layout/hList9"/>
-    <dgm:cxn modelId="{1D14EEBA-2351-4066-8BB7-C42885F1D780}" type="presParOf" srcId="{E47C73E9-FBEE-4370-9B3F-E04EB7C4023A}" destId="{5B88A17E-EFF5-4A04-9CC9-D2131DA9ECCC}" srcOrd="1" destOrd="0" presId="urn:microsoft.com/office/officeart/2005/8/layout/hList9"/>
-    <dgm:cxn modelId="{D230C2D8-6446-403F-971D-BA59F9482A7E}" type="presParOf" srcId="{F85FFCDF-8E5F-492B-B22D-55A08EACE783}" destId="{F3C2D87B-A5E7-46E2-B3D3-58E6D9562663}" srcOrd="2" destOrd="0" presId="urn:microsoft.com/office/officeart/2005/8/layout/hList9"/>
-    <dgm:cxn modelId="{71EFAC4F-7BC1-470A-9459-DE14D03A3B20}" type="presParOf" srcId="{F3C2D87B-A5E7-46E2-B3D3-58E6D9562663}" destId="{3086D0BF-AAD1-4310-88ED-4D81A687BD50}" srcOrd="0" destOrd="0" presId="urn:microsoft.com/office/officeart/2005/8/layout/hList9"/>
-    <dgm:cxn modelId="{6035C1AD-47FA-47BC-9D78-974272EBB1D2}" type="presParOf" srcId="{F3C2D87B-A5E7-46E2-B3D3-58E6D9562663}" destId="{2B18CCD9-D6B1-4225-8D26-4BA691BB1837}" srcOrd="1" destOrd="0" presId="urn:microsoft.com/office/officeart/2005/8/layout/hList9"/>
-    <dgm:cxn modelId="{ADA815FB-429E-4ABD-97FC-4AEA97B4630C}" type="presParOf" srcId="{0DC7A063-583D-4B0F-88B2-BD54F95D95AF}" destId="{9051EF7D-7D6C-4B43-A6C4-239F9933C94D}" srcOrd="17" destOrd="0" presId="urn:microsoft.com/office/officeart/2005/8/layout/hList9"/>
-    <dgm:cxn modelId="{7961C21C-3FE8-4B71-95E5-AB5835F91CC1}" type="presParOf" srcId="{0DC7A063-583D-4B0F-88B2-BD54F95D95AF}" destId="{7453D9C8-CD6E-4AA4-8A19-7F6F667528F0}" srcOrd="18" destOrd="0" presId="urn:microsoft.com/office/officeart/2005/8/layout/hList9"/>
-  </dgm:cxnLst>
-  <dgm:bg/>
-  <dgm:whole/>
-  <dgm:extLst>
-    <a:ext uri="http://schemas.microsoft.com/office/drawing/2008/diagram">
-      <dsp:dataModelExt xmlns:dsp="http://schemas.microsoft.com/office/drawing/2008/diagram" relId="rId6" minVer="http://schemas.openxmlformats.org/drawingml/2006/diagram"/>
-    </a:ext>
-  </dgm:extLst>
-</dgm:dataModel>
-</file>
-
-<file path=ppt/diagrams/drawing1.xml><?xml version="1.0" encoding="utf-8"?>
-<dsp:drawing xmlns:dgm="http://schemas.openxmlformats.org/drawingml/2006/diagram" xmlns:dsp="http://schemas.microsoft.com/office/drawing/2008/diagram" xmlns:a="http://schemas.openxmlformats.org/drawingml/2006/main">
-  <dsp:spTree>
-    <dsp:nvGrpSpPr>
-      <dsp:cNvPr id="0" name=""/>
-      <dsp:cNvGrpSpPr/>
-    </dsp:nvGrpSpPr>
-    <dsp:grpSpPr/>
-    <dsp:sp modelId="{6B08AC4B-4CEC-41E5-AE19-47A4E2720563}">
-      <dsp:nvSpPr>
-        <dsp:cNvPr id="0" name=""/>
-        <dsp:cNvSpPr/>
-      </dsp:nvSpPr>
-      <dsp:spPr>
-        <a:xfrm>
-          <a:off x="819461" y="453531"/>
-          <a:ext cx="1526209" cy="1017981"/>
-        </a:xfrm>
-        <a:prstGeom prst="rect">
-          <a:avLst/>
-        </a:prstGeom>
-        <a:solidFill>
-          <a:schemeClr val="accent1">
-            <a:alpha val="90000"/>
-            <a:tint val="40000"/>
-            <a:hueOff val="0"/>
-            <a:satOff val="0"/>
-            <a:lumOff val="0"/>
-            <a:alphaOff val="0"/>
-          </a:schemeClr>
-        </a:solidFill>
-        <a:ln w="6350" cap="rnd" cmpd="sng" algn="ctr">
-          <a:solidFill>
-            <a:schemeClr val="accent1">
-              <a:alpha val="90000"/>
-              <a:tint val="40000"/>
-              <a:hueOff val="0"/>
-              <a:satOff val="0"/>
-              <a:lumOff val="0"/>
-              <a:alphaOff val="0"/>
-            </a:schemeClr>
-          </a:solidFill>
-          <a:prstDash val="solid"/>
-        </a:ln>
-        <a:effectLst/>
-      </dsp:spPr>
-      <dsp:style>
-        <a:lnRef idx="1">
-          <a:scrgbClr r="0" g="0" b="0"/>
-        </a:lnRef>
-        <a:fillRef idx="1">
-          <a:scrgbClr r="0" g="0" b="0"/>
-        </a:fillRef>
-        <a:effectRef idx="0">
-          <a:scrgbClr r="0" g="0" b="0"/>
-        </a:effectRef>
-        <a:fontRef idx="minor"/>
-      </dsp:style>
-      <dsp:txBody>
-        <a:bodyPr spcFirstLastPara="0" vert="horz" wrap="square" lIns="0" tIns="128016" rIns="128016" bIns="128016" numCol="1" spcCol="1270" anchor="ctr" anchorCtr="0">
-          <a:noAutofit/>
-        </a:bodyPr>
-        <a:lstStyle/>
-        <a:p>
-          <a:pPr marL="0" lvl="0" indent="0" algn="l" defTabSz="800100">
-            <a:lnSpc>
-              <a:spcPct val="90000"/>
-            </a:lnSpc>
-            <a:spcBef>
-              <a:spcPct val="0"/>
-            </a:spcBef>
-            <a:spcAft>
-              <a:spcPct val="35000"/>
-            </a:spcAft>
-            <a:buNone/>
-          </a:pPr>
-          <a:r>
-            <a:rPr lang="en-US" sz="1800" kern="1200" dirty="0"/>
-            <a:t>Task description</a:t>
-          </a:r>
-        </a:p>
-      </dsp:txBody>
-      <dsp:txXfrm>
-        <a:off x="1063655" y="453531"/>
-        <a:ext cx="1282015" cy="1017981"/>
-      </dsp:txXfrm>
-    </dsp:sp>
-    <dsp:sp modelId="{59179C9B-8BA4-4AC7-ACB1-A12DE00142E2}">
-      <dsp:nvSpPr>
-        <dsp:cNvPr id="0" name=""/>
-        <dsp:cNvSpPr/>
-      </dsp:nvSpPr>
-      <dsp:spPr>
-        <a:xfrm>
-          <a:off x="819461" y="1471513"/>
-          <a:ext cx="1526209" cy="1017981"/>
-        </a:xfrm>
-        <a:prstGeom prst="rect">
-          <a:avLst/>
-        </a:prstGeom>
-        <a:solidFill>
-          <a:schemeClr val="accent1">
-            <a:alpha val="90000"/>
-            <a:tint val="40000"/>
-            <a:hueOff val="0"/>
-            <a:satOff val="0"/>
-            <a:lumOff val="0"/>
-            <a:alphaOff val="0"/>
-          </a:schemeClr>
-        </a:solidFill>
-        <a:ln w="6350" cap="rnd" cmpd="sng" algn="ctr">
-          <a:solidFill>
-            <a:schemeClr val="accent1">
-              <a:alpha val="90000"/>
-              <a:tint val="40000"/>
-              <a:hueOff val="0"/>
-              <a:satOff val="0"/>
-              <a:lumOff val="0"/>
-              <a:alphaOff val="0"/>
-            </a:schemeClr>
-          </a:solidFill>
-          <a:prstDash val="solid"/>
-        </a:ln>
-        <a:effectLst/>
-      </dsp:spPr>
-      <dsp:style>
-        <a:lnRef idx="1">
-          <a:scrgbClr r="0" g="0" b="0"/>
-        </a:lnRef>
-        <a:fillRef idx="1">
-          <a:scrgbClr r="0" g="0" b="0"/>
-        </a:fillRef>
-        <a:effectRef idx="0">
-          <a:scrgbClr r="0" g="0" b="0"/>
-        </a:effectRef>
-        <a:fontRef idx="minor"/>
-      </dsp:style>
-      <dsp:txBody>
-        <a:bodyPr spcFirstLastPara="0" vert="horz" wrap="square" lIns="0" tIns="128016" rIns="128016" bIns="128016" numCol="1" spcCol="1270" anchor="ctr" anchorCtr="0">
-          <a:noAutofit/>
-        </a:bodyPr>
-        <a:lstStyle/>
-        <a:p>
-          <a:pPr marL="0" lvl="0" indent="0" algn="l" defTabSz="800100">
-            <a:lnSpc>
-              <a:spcPct val="90000"/>
-            </a:lnSpc>
-            <a:spcBef>
-              <a:spcPct val="0"/>
-            </a:spcBef>
-            <a:spcAft>
-              <a:spcPct val="35000"/>
-            </a:spcAft>
-            <a:buNone/>
-          </a:pPr>
-          <a:r>
-            <a:rPr lang="en-US" sz="1800" kern="1200" dirty="0"/>
-            <a:t>Task description</a:t>
-          </a:r>
-        </a:p>
-      </dsp:txBody>
-      <dsp:txXfrm>
-        <a:off x="1063655" y="1471513"/>
-        <a:ext cx="1282015" cy="1017981"/>
-      </dsp:txXfrm>
-    </dsp:sp>
-    <dsp:sp modelId="{1877502C-A892-4DC0-ADA6-FA065097BB90}">
-      <dsp:nvSpPr>
-        <dsp:cNvPr id="0" name=""/>
-        <dsp:cNvSpPr/>
-      </dsp:nvSpPr>
-      <dsp:spPr>
-        <a:xfrm>
-          <a:off x="819461" y="2489494"/>
-          <a:ext cx="1526209" cy="1017981"/>
-        </a:xfrm>
-        <a:prstGeom prst="rect">
-          <a:avLst/>
-        </a:prstGeom>
-        <a:solidFill>
-          <a:schemeClr val="accent1">
-            <a:alpha val="90000"/>
-            <a:tint val="40000"/>
-            <a:hueOff val="0"/>
-            <a:satOff val="0"/>
-            <a:lumOff val="0"/>
-            <a:alphaOff val="0"/>
-          </a:schemeClr>
-        </a:solidFill>
-        <a:ln w="6350" cap="rnd" cmpd="sng" algn="ctr">
-          <a:solidFill>
-            <a:schemeClr val="accent1">
-              <a:alpha val="90000"/>
-              <a:tint val="40000"/>
-              <a:hueOff val="0"/>
-              <a:satOff val="0"/>
-              <a:lumOff val="0"/>
-              <a:alphaOff val="0"/>
-            </a:schemeClr>
-          </a:solidFill>
-          <a:prstDash val="solid"/>
-        </a:ln>
-        <a:effectLst/>
-      </dsp:spPr>
-      <dsp:style>
-        <a:lnRef idx="1">
-          <a:scrgbClr r="0" g="0" b="0"/>
-        </a:lnRef>
-        <a:fillRef idx="1">
-          <a:scrgbClr r="0" g="0" b="0"/>
-        </a:fillRef>
-        <a:effectRef idx="0">
-          <a:scrgbClr r="0" g="0" b="0"/>
-        </a:effectRef>
-        <a:fontRef idx="minor"/>
-      </dsp:style>
-      <dsp:txBody>
-        <a:bodyPr spcFirstLastPara="0" vert="horz" wrap="square" lIns="0" tIns="128016" rIns="128016" bIns="128016" numCol="1" spcCol="1270" anchor="ctr" anchorCtr="0">
-          <a:noAutofit/>
-        </a:bodyPr>
-        <a:lstStyle/>
-        <a:p>
-          <a:pPr marL="0" lvl="0" indent="0" algn="l" defTabSz="800100">
-            <a:lnSpc>
-              <a:spcPct val="90000"/>
-            </a:lnSpc>
-            <a:spcBef>
-              <a:spcPct val="0"/>
-            </a:spcBef>
-            <a:spcAft>
-              <a:spcPct val="35000"/>
-            </a:spcAft>
-            <a:buNone/>
-          </a:pPr>
-          <a:r>
-            <a:rPr lang="en-US" sz="1800" kern="1200" dirty="0"/>
-            <a:t>Task description</a:t>
-          </a:r>
-        </a:p>
-      </dsp:txBody>
-      <dsp:txXfrm>
-        <a:off x="1063655" y="2489494"/>
-        <a:ext cx="1282015" cy="1017981"/>
-      </dsp:txXfrm>
-    </dsp:sp>
-    <dsp:sp modelId="{51F68A05-A560-4C6F-BC90-521AEF3B0907}">
-      <dsp:nvSpPr>
-        <dsp:cNvPr id="0" name=""/>
-        <dsp:cNvSpPr/>
-      </dsp:nvSpPr>
-      <dsp:spPr>
-        <a:xfrm>
-          <a:off x="819461" y="3507476"/>
-          <a:ext cx="1526209" cy="1017981"/>
-        </a:xfrm>
-        <a:prstGeom prst="rect">
-          <a:avLst/>
-        </a:prstGeom>
-        <a:solidFill>
-          <a:schemeClr val="accent1">
-            <a:alpha val="90000"/>
-            <a:tint val="40000"/>
-            <a:hueOff val="0"/>
-            <a:satOff val="0"/>
-            <a:lumOff val="0"/>
-            <a:alphaOff val="0"/>
-          </a:schemeClr>
-        </a:solidFill>
-        <a:ln w="6350" cap="rnd" cmpd="sng" algn="ctr">
-          <a:solidFill>
-            <a:schemeClr val="accent1">
-              <a:alpha val="90000"/>
-              <a:tint val="40000"/>
-              <a:hueOff val="0"/>
-              <a:satOff val="0"/>
-              <a:lumOff val="0"/>
-              <a:alphaOff val="0"/>
-            </a:schemeClr>
-          </a:solidFill>
-          <a:prstDash val="solid"/>
-        </a:ln>
-        <a:effectLst/>
-      </dsp:spPr>
-      <dsp:style>
-        <a:lnRef idx="1">
-          <a:scrgbClr r="0" g="0" b="0"/>
-        </a:lnRef>
-        <a:fillRef idx="1">
-          <a:scrgbClr r="0" g="0" b="0"/>
-        </a:fillRef>
-        <a:effectRef idx="0">
-          <a:scrgbClr r="0" g="0" b="0"/>
-        </a:effectRef>
-        <a:fontRef idx="minor"/>
-      </dsp:style>
-      <dsp:txBody>
-        <a:bodyPr spcFirstLastPara="0" vert="horz" wrap="square" lIns="0" tIns="128016" rIns="128016" bIns="128016" numCol="1" spcCol="1270" anchor="ctr" anchorCtr="0">
-          <a:noAutofit/>
-        </a:bodyPr>
-        <a:lstStyle/>
-        <a:p>
-          <a:pPr marL="0" lvl="0" indent="0" algn="l" defTabSz="800100">
-            <a:lnSpc>
-              <a:spcPct val="90000"/>
-            </a:lnSpc>
-            <a:spcBef>
-              <a:spcPct val="0"/>
-            </a:spcBef>
-            <a:spcAft>
-              <a:spcPct val="35000"/>
-            </a:spcAft>
-            <a:buNone/>
-          </a:pPr>
-          <a:r>
-            <a:rPr lang="en-US" sz="1800" kern="1200" dirty="0"/>
-            <a:t>Task description</a:t>
-          </a:r>
-        </a:p>
-      </dsp:txBody>
-      <dsp:txXfrm>
-        <a:off x="1063655" y="3507476"/>
-        <a:ext cx="1282015" cy="1017981"/>
-      </dsp:txXfrm>
-    </dsp:sp>
-    <dsp:sp modelId="{FC7ED273-8CFD-43C2-9C05-44FADF3E0637}">
-      <dsp:nvSpPr>
-        <dsp:cNvPr id="0" name=""/>
-        <dsp:cNvSpPr/>
-      </dsp:nvSpPr>
-      <dsp:spPr>
-        <a:xfrm>
-          <a:off x="5483" y="46542"/>
-          <a:ext cx="1017472" cy="1017472"/>
-        </a:xfrm>
-        <a:prstGeom prst="ellipse">
-          <a:avLst/>
-        </a:prstGeom>
-        <a:gradFill rotWithShape="0">
-          <a:gsLst>
-            <a:gs pos="0">
-              <a:schemeClr val="accent1">
-                <a:hueOff val="0"/>
-                <a:satOff val="0"/>
-                <a:lumOff val="0"/>
-                <a:alphaOff val="0"/>
-                <a:shade val="100000"/>
-                <a:satMod val="137000"/>
-              </a:schemeClr>
-            </a:gs>
-            <a:gs pos="71000">
-              <a:schemeClr val="accent1">
-                <a:hueOff val="0"/>
-                <a:satOff val="0"/>
-                <a:lumOff val="0"/>
-                <a:alphaOff val="0"/>
-                <a:shade val="98000"/>
-                <a:satMod val="137000"/>
-              </a:schemeClr>
-            </a:gs>
-            <a:gs pos="100000">
-              <a:schemeClr val="accent1">
-                <a:hueOff val="0"/>
-                <a:satOff val="0"/>
-                <a:lumOff val="0"/>
-                <a:alphaOff val="0"/>
-                <a:shade val="75000"/>
-                <a:satMod val="137000"/>
-              </a:schemeClr>
-            </a:gs>
-          </a:gsLst>
-          <a:path path="rect">
-            <a:fillToRect l="50000" t="50000" r="50000" b="50000"/>
-          </a:path>
-        </a:gradFill>
-        <a:ln>
-          <a:noFill/>
-        </a:ln>
-        <a:effectLst>
-          <a:outerShdw blurRad="39000" dist="25400" dir="5400000" rotWithShape="0">
-            <a:srgbClr val="000000">
-              <a:alpha val="38000"/>
-            </a:srgbClr>
-          </a:outerShdw>
-        </a:effectLst>
-      </dsp:spPr>
-      <dsp:style>
-        <a:lnRef idx="0">
-          <a:scrgbClr r="0" g="0" b="0"/>
-        </a:lnRef>
-        <a:fillRef idx="3">
-          <a:scrgbClr r="0" g="0" b="0"/>
-        </a:fillRef>
-        <a:effectRef idx="2">
-          <a:scrgbClr r="0" g="0" b="0"/>
-        </a:effectRef>
-        <a:fontRef idx="minor">
-          <a:schemeClr val="lt1"/>
-        </a:fontRef>
-      </dsp:style>
-      <dsp:txBody>
-        <a:bodyPr spcFirstLastPara="0" vert="horz" wrap="square" lIns="0" tIns="0" rIns="0" bIns="0" numCol="1" spcCol="1270" anchor="ctr" anchorCtr="0">
-          <a:noAutofit/>
-        </a:bodyPr>
-        <a:lstStyle/>
-        <a:p>
-          <a:pPr marL="0" lvl="0" indent="0" algn="ctr" defTabSz="933450">
-            <a:lnSpc>
-              <a:spcPct val="90000"/>
-            </a:lnSpc>
-            <a:spcBef>
-              <a:spcPct val="0"/>
-            </a:spcBef>
-            <a:spcAft>
-              <a:spcPct val="35000"/>
-            </a:spcAft>
-            <a:buNone/>
-          </a:pPr>
-          <a:r>
-            <a:rPr lang="en-US" sz="2100" kern="1200"/>
-            <a:t>Step 1 Title</a:t>
-          </a:r>
-          <a:endParaRPr lang="en-US" sz="2100" kern="1200" dirty="0"/>
-        </a:p>
-      </dsp:txBody>
-      <dsp:txXfrm>
-        <a:off x="154488" y="195547"/>
-        <a:ext cx="719462" cy="719462"/>
-      </dsp:txXfrm>
-    </dsp:sp>
-    <dsp:sp modelId="{F660F4B9-35DB-4256-A868-A35C6DCCF6B2}">
-      <dsp:nvSpPr>
-        <dsp:cNvPr id="0" name=""/>
-        <dsp:cNvSpPr/>
-      </dsp:nvSpPr>
-      <dsp:spPr>
-        <a:xfrm>
-          <a:off x="3363143" y="453531"/>
-          <a:ext cx="1526209" cy="1017981"/>
-        </a:xfrm>
-        <a:prstGeom prst="rect">
-          <a:avLst/>
-        </a:prstGeom>
-        <a:solidFill>
-          <a:schemeClr val="accent1">
-            <a:alpha val="90000"/>
-            <a:tint val="40000"/>
-            <a:hueOff val="0"/>
-            <a:satOff val="0"/>
-            <a:lumOff val="0"/>
-            <a:alphaOff val="0"/>
-          </a:schemeClr>
-        </a:solidFill>
-        <a:ln w="6350" cap="rnd" cmpd="sng" algn="ctr">
-          <a:solidFill>
-            <a:schemeClr val="accent1">
-              <a:alpha val="90000"/>
-              <a:tint val="40000"/>
-              <a:hueOff val="0"/>
-              <a:satOff val="0"/>
-              <a:lumOff val="0"/>
-              <a:alphaOff val="0"/>
-            </a:schemeClr>
-          </a:solidFill>
-          <a:prstDash val="solid"/>
-        </a:ln>
-        <a:effectLst/>
-      </dsp:spPr>
-      <dsp:style>
-        <a:lnRef idx="1">
-          <a:scrgbClr r="0" g="0" b="0"/>
-        </a:lnRef>
-        <a:fillRef idx="1">
-          <a:scrgbClr r="0" g="0" b="0"/>
-        </a:fillRef>
-        <a:effectRef idx="0">
-          <a:scrgbClr r="0" g="0" b="0"/>
-        </a:effectRef>
-        <a:fontRef idx="minor"/>
-      </dsp:style>
-      <dsp:txBody>
-        <a:bodyPr spcFirstLastPara="0" vert="horz" wrap="square" lIns="0" tIns="128016" rIns="128016" bIns="128016" numCol="1" spcCol="1270" anchor="ctr" anchorCtr="0">
-          <a:noAutofit/>
-        </a:bodyPr>
-        <a:lstStyle/>
-        <a:p>
-          <a:pPr marL="0" lvl="0" indent="0" algn="l" defTabSz="800100">
-            <a:lnSpc>
-              <a:spcPct val="90000"/>
-            </a:lnSpc>
-            <a:spcBef>
-              <a:spcPct val="0"/>
-            </a:spcBef>
-            <a:spcAft>
-              <a:spcPct val="35000"/>
-            </a:spcAft>
-            <a:buNone/>
-          </a:pPr>
-          <a:r>
-            <a:rPr lang="en-US" sz="1800" kern="1200" dirty="0"/>
-            <a:t>Task description</a:t>
-          </a:r>
-        </a:p>
-      </dsp:txBody>
-      <dsp:txXfrm>
-        <a:off x="3607337" y="453531"/>
-        <a:ext cx="1282015" cy="1017981"/>
-      </dsp:txXfrm>
-    </dsp:sp>
-    <dsp:sp modelId="{614EBA0E-D12B-447E-B378-B0FA2DEBEA2F}">
-      <dsp:nvSpPr>
-        <dsp:cNvPr id="0" name=""/>
-        <dsp:cNvSpPr/>
-      </dsp:nvSpPr>
-      <dsp:spPr>
-        <a:xfrm>
-          <a:off x="3363143" y="1471513"/>
-          <a:ext cx="1526209" cy="1017981"/>
-        </a:xfrm>
-        <a:prstGeom prst="rect">
-          <a:avLst/>
-        </a:prstGeom>
-        <a:solidFill>
-          <a:schemeClr val="accent1">
-            <a:alpha val="90000"/>
-            <a:tint val="40000"/>
-            <a:hueOff val="0"/>
-            <a:satOff val="0"/>
-            <a:lumOff val="0"/>
-            <a:alphaOff val="0"/>
-          </a:schemeClr>
-        </a:solidFill>
-        <a:ln w="6350" cap="rnd" cmpd="sng" algn="ctr">
-          <a:solidFill>
-            <a:schemeClr val="accent1">
-              <a:alpha val="90000"/>
-              <a:tint val="40000"/>
-              <a:hueOff val="0"/>
-              <a:satOff val="0"/>
-              <a:lumOff val="0"/>
-              <a:alphaOff val="0"/>
-            </a:schemeClr>
-          </a:solidFill>
-          <a:prstDash val="solid"/>
-        </a:ln>
-        <a:effectLst/>
-      </dsp:spPr>
-      <dsp:style>
-        <a:lnRef idx="1">
-          <a:scrgbClr r="0" g="0" b="0"/>
-        </a:lnRef>
-        <a:fillRef idx="1">
-          <a:scrgbClr r="0" g="0" b="0"/>
-        </a:fillRef>
-        <a:effectRef idx="0">
-          <a:scrgbClr r="0" g="0" b="0"/>
-        </a:effectRef>
-        <a:fontRef idx="minor"/>
-      </dsp:style>
-      <dsp:txBody>
-        <a:bodyPr spcFirstLastPara="0" vert="horz" wrap="square" lIns="0" tIns="128016" rIns="128016" bIns="128016" numCol="1" spcCol="1270" anchor="ctr" anchorCtr="0">
-          <a:noAutofit/>
-        </a:bodyPr>
-        <a:lstStyle/>
-        <a:p>
-          <a:pPr marL="0" lvl="0" indent="0" algn="l" defTabSz="800100">
-            <a:lnSpc>
-              <a:spcPct val="90000"/>
-            </a:lnSpc>
-            <a:spcBef>
-              <a:spcPct val="0"/>
-            </a:spcBef>
-            <a:spcAft>
-              <a:spcPct val="35000"/>
-            </a:spcAft>
-            <a:buNone/>
-          </a:pPr>
-          <a:r>
-            <a:rPr lang="en-US" sz="1800" kern="1200" dirty="0"/>
-            <a:t>Task description</a:t>
-          </a:r>
-        </a:p>
-      </dsp:txBody>
-      <dsp:txXfrm>
-        <a:off x="3607337" y="1471513"/>
-        <a:ext cx="1282015" cy="1017981"/>
-      </dsp:txXfrm>
-    </dsp:sp>
-    <dsp:sp modelId="{68509703-D239-4E1B-8CF0-EF08079E1226}">
-      <dsp:nvSpPr>
-        <dsp:cNvPr id="0" name=""/>
-        <dsp:cNvSpPr/>
-      </dsp:nvSpPr>
-      <dsp:spPr>
-        <a:xfrm>
-          <a:off x="3363143" y="2489494"/>
-          <a:ext cx="1526209" cy="1017981"/>
-        </a:xfrm>
-        <a:prstGeom prst="rect">
-          <a:avLst/>
-        </a:prstGeom>
-        <a:solidFill>
-          <a:schemeClr val="accent1">
-            <a:alpha val="90000"/>
-            <a:tint val="40000"/>
-            <a:hueOff val="0"/>
-            <a:satOff val="0"/>
-            <a:lumOff val="0"/>
-            <a:alphaOff val="0"/>
-          </a:schemeClr>
-        </a:solidFill>
-        <a:ln w="6350" cap="rnd" cmpd="sng" algn="ctr">
-          <a:solidFill>
-            <a:schemeClr val="accent1">
-              <a:alpha val="90000"/>
-              <a:tint val="40000"/>
-              <a:hueOff val="0"/>
-              <a:satOff val="0"/>
-              <a:lumOff val="0"/>
-              <a:alphaOff val="0"/>
-            </a:schemeClr>
-          </a:solidFill>
-          <a:prstDash val="solid"/>
-        </a:ln>
-        <a:effectLst/>
-      </dsp:spPr>
-      <dsp:style>
-        <a:lnRef idx="1">
-          <a:scrgbClr r="0" g="0" b="0"/>
-        </a:lnRef>
-        <a:fillRef idx="1">
-          <a:scrgbClr r="0" g="0" b="0"/>
-        </a:fillRef>
-        <a:effectRef idx="0">
-          <a:scrgbClr r="0" g="0" b="0"/>
-        </a:effectRef>
-        <a:fontRef idx="minor"/>
-      </dsp:style>
-      <dsp:txBody>
-        <a:bodyPr spcFirstLastPara="0" vert="horz" wrap="square" lIns="0" tIns="128016" rIns="128016" bIns="128016" numCol="1" spcCol="1270" anchor="ctr" anchorCtr="0">
-          <a:noAutofit/>
-        </a:bodyPr>
-        <a:lstStyle/>
-        <a:p>
-          <a:pPr marL="0" lvl="0" indent="0" algn="l" defTabSz="800100">
-            <a:lnSpc>
-              <a:spcPct val="90000"/>
-            </a:lnSpc>
-            <a:spcBef>
-              <a:spcPct val="0"/>
-            </a:spcBef>
-            <a:spcAft>
-              <a:spcPct val="35000"/>
-            </a:spcAft>
-            <a:buNone/>
-          </a:pPr>
-          <a:r>
-            <a:rPr lang="en-US" sz="1800" kern="1200" dirty="0"/>
-            <a:t>Task description</a:t>
-          </a:r>
-        </a:p>
-      </dsp:txBody>
-      <dsp:txXfrm>
-        <a:off x="3607337" y="2489494"/>
-        <a:ext cx="1282015" cy="1017981"/>
-      </dsp:txXfrm>
-    </dsp:sp>
-    <dsp:sp modelId="{FD776C1E-557E-4553-9447-49B69EEC7907}">
-      <dsp:nvSpPr>
-        <dsp:cNvPr id="0" name=""/>
-        <dsp:cNvSpPr/>
-      </dsp:nvSpPr>
-      <dsp:spPr>
-        <a:xfrm>
-          <a:off x="2549165" y="46542"/>
-          <a:ext cx="1017472" cy="1017472"/>
-        </a:xfrm>
-        <a:prstGeom prst="ellipse">
-          <a:avLst/>
-        </a:prstGeom>
-        <a:gradFill rotWithShape="0">
-          <a:gsLst>
-            <a:gs pos="0">
-              <a:schemeClr val="accent1">
-                <a:hueOff val="0"/>
-                <a:satOff val="0"/>
-                <a:lumOff val="0"/>
-                <a:alphaOff val="0"/>
-                <a:shade val="100000"/>
-                <a:satMod val="137000"/>
-              </a:schemeClr>
-            </a:gs>
-            <a:gs pos="71000">
-              <a:schemeClr val="accent1">
-                <a:hueOff val="0"/>
-                <a:satOff val="0"/>
-                <a:lumOff val="0"/>
-                <a:alphaOff val="0"/>
-                <a:shade val="98000"/>
-                <a:satMod val="137000"/>
-              </a:schemeClr>
-            </a:gs>
-            <a:gs pos="100000">
-              <a:schemeClr val="accent1">
-                <a:hueOff val="0"/>
-                <a:satOff val="0"/>
-                <a:lumOff val="0"/>
-                <a:alphaOff val="0"/>
-                <a:shade val="75000"/>
-                <a:satMod val="137000"/>
-              </a:schemeClr>
-            </a:gs>
-          </a:gsLst>
-          <a:path path="rect">
-            <a:fillToRect l="50000" t="50000" r="50000" b="50000"/>
-          </a:path>
-        </a:gradFill>
-        <a:ln>
-          <a:noFill/>
-        </a:ln>
-        <a:effectLst>
-          <a:outerShdw blurRad="39000" dist="25400" dir="5400000" rotWithShape="0">
-            <a:srgbClr val="000000">
-              <a:alpha val="38000"/>
-            </a:srgbClr>
-          </a:outerShdw>
-        </a:effectLst>
-      </dsp:spPr>
-      <dsp:style>
-        <a:lnRef idx="0">
-          <a:scrgbClr r="0" g="0" b="0"/>
-        </a:lnRef>
-        <a:fillRef idx="3">
-          <a:scrgbClr r="0" g="0" b="0"/>
-        </a:fillRef>
-        <a:effectRef idx="2">
-          <a:scrgbClr r="0" g="0" b="0"/>
-        </a:effectRef>
-        <a:fontRef idx="minor">
-          <a:schemeClr val="lt1"/>
-        </a:fontRef>
-      </dsp:style>
-      <dsp:txBody>
-        <a:bodyPr spcFirstLastPara="0" vert="horz" wrap="square" lIns="0" tIns="0" rIns="0" bIns="0" numCol="1" spcCol="1270" anchor="ctr" anchorCtr="0">
-          <a:noAutofit/>
-        </a:bodyPr>
-        <a:lstStyle/>
-        <a:p>
-          <a:pPr marL="0" lvl="0" indent="0" algn="ctr" defTabSz="933450">
-            <a:lnSpc>
-              <a:spcPct val="90000"/>
-            </a:lnSpc>
-            <a:spcBef>
-              <a:spcPct val="0"/>
-            </a:spcBef>
-            <a:spcAft>
-              <a:spcPct val="35000"/>
-            </a:spcAft>
-            <a:buNone/>
-          </a:pPr>
-          <a:r>
-            <a:rPr lang="en-US" sz="2100" kern="1200" dirty="0"/>
-            <a:t>Step 2 Title</a:t>
-          </a:r>
-        </a:p>
-      </dsp:txBody>
-      <dsp:txXfrm>
-        <a:off x="2698170" y="195547"/>
-        <a:ext cx="719462" cy="719462"/>
-      </dsp:txXfrm>
-    </dsp:sp>
-    <dsp:sp modelId="{AD2806AC-6A03-4F05-9F4D-F72EA0E56FBF}">
-      <dsp:nvSpPr>
-        <dsp:cNvPr id="0" name=""/>
-        <dsp:cNvSpPr/>
-      </dsp:nvSpPr>
-      <dsp:spPr>
-        <a:xfrm>
-          <a:off x="5906825" y="453531"/>
-          <a:ext cx="1526209" cy="1017981"/>
-        </a:xfrm>
-        <a:prstGeom prst="rect">
-          <a:avLst/>
-        </a:prstGeom>
-        <a:solidFill>
-          <a:schemeClr val="accent1">
-            <a:alpha val="90000"/>
-            <a:tint val="40000"/>
-            <a:hueOff val="0"/>
-            <a:satOff val="0"/>
-            <a:lumOff val="0"/>
-            <a:alphaOff val="0"/>
-          </a:schemeClr>
-        </a:solidFill>
-        <a:ln w="6350" cap="rnd" cmpd="sng" algn="ctr">
-          <a:solidFill>
-            <a:schemeClr val="accent1">
-              <a:alpha val="90000"/>
-              <a:tint val="40000"/>
-              <a:hueOff val="0"/>
-              <a:satOff val="0"/>
-              <a:lumOff val="0"/>
-              <a:alphaOff val="0"/>
-            </a:schemeClr>
-          </a:solidFill>
-          <a:prstDash val="solid"/>
-        </a:ln>
-        <a:effectLst/>
-      </dsp:spPr>
-      <dsp:style>
-        <a:lnRef idx="1">
-          <a:scrgbClr r="0" g="0" b="0"/>
-        </a:lnRef>
-        <a:fillRef idx="1">
-          <a:scrgbClr r="0" g="0" b="0"/>
-        </a:fillRef>
-        <a:effectRef idx="0">
-          <a:scrgbClr r="0" g="0" b="0"/>
-        </a:effectRef>
-        <a:fontRef idx="minor"/>
-      </dsp:style>
-      <dsp:txBody>
-        <a:bodyPr spcFirstLastPara="0" vert="horz" wrap="square" lIns="0" tIns="128016" rIns="128016" bIns="128016" numCol="1" spcCol="1270" anchor="ctr" anchorCtr="0">
-          <a:noAutofit/>
-        </a:bodyPr>
-        <a:lstStyle/>
-        <a:p>
-          <a:pPr marL="0" lvl="0" indent="0" algn="l" defTabSz="800100">
-            <a:lnSpc>
-              <a:spcPct val="90000"/>
-            </a:lnSpc>
-            <a:spcBef>
-              <a:spcPct val="0"/>
-            </a:spcBef>
-            <a:spcAft>
-              <a:spcPct val="35000"/>
-            </a:spcAft>
-            <a:buNone/>
-          </a:pPr>
-          <a:r>
-            <a:rPr lang="en-US" sz="1800" kern="1200" dirty="0"/>
-            <a:t>Task description</a:t>
-          </a:r>
-        </a:p>
-      </dsp:txBody>
-      <dsp:txXfrm>
-        <a:off x="6151018" y="453531"/>
-        <a:ext cx="1282015" cy="1017981"/>
-      </dsp:txXfrm>
-    </dsp:sp>
-    <dsp:sp modelId="{5314AADB-0AD3-4BAE-9F15-B0FE4F44C802}">
-      <dsp:nvSpPr>
-        <dsp:cNvPr id="0" name=""/>
-        <dsp:cNvSpPr/>
-      </dsp:nvSpPr>
-      <dsp:spPr>
-        <a:xfrm>
-          <a:off x="5906825" y="1471513"/>
-          <a:ext cx="1526209" cy="1017981"/>
-        </a:xfrm>
-        <a:prstGeom prst="rect">
-          <a:avLst/>
-        </a:prstGeom>
-        <a:solidFill>
-          <a:schemeClr val="accent1">
-            <a:alpha val="90000"/>
-            <a:tint val="40000"/>
-            <a:hueOff val="0"/>
-            <a:satOff val="0"/>
-            <a:lumOff val="0"/>
-            <a:alphaOff val="0"/>
-          </a:schemeClr>
-        </a:solidFill>
-        <a:ln w="6350" cap="rnd" cmpd="sng" algn="ctr">
-          <a:solidFill>
-            <a:schemeClr val="accent1">
-              <a:alpha val="90000"/>
-              <a:tint val="40000"/>
-              <a:hueOff val="0"/>
-              <a:satOff val="0"/>
-              <a:lumOff val="0"/>
-              <a:alphaOff val="0"/>
-            </a:schemeClr>
-          </a:solidFill>
-          <a:prstDash val="solid"/>
-        </a:ln>
-        <a:effectLst/>
-      </dsp:spPr>
-      <dsp:style>
-        <a:lnRef idx="1">
-          <a:scrgbClr r="0" g="0" b="0"/>
-        </a:lnRef>
-        <a:fillRef idx="1">
-          <a:scrgbClr r="0" g="0" b="0"/>
-        </a:fillRef>
-        <a:effectRef idx="0">
-          <a:scrgbClr r="0" g="0" b="0"/>
-        </a:effectRef>
-        <a:fontRef idx="minor"/>
-      </dsp:style>
-      <dsp:txBody>
-        <a:bodyPr spcFirstLastPara="0" vert="horz" wrap="square" lIns="0" tIns="128016" rIns="128016" bIns="128016" numCol="1" spcCol="1270" anchor="ctr" anchorCtr="0">
-          <a:noAutofit/>
-        </a:bodyPr>
-        <a:lstStyle/>
-        <a:p>
-          <a:pPr marL="0" lvl="0" indent="0" algn="l" defTabSz="800100">
-            <a:lnSpc>
-              <a:spcPct val="90000"/>
-            </a:lnSpc>
-            <a:spcBef>
-              <a:spcPct val="0"/>
-            </a:spcBef>
-            <a:spcAft>
-              <a:spcPct val="35000"/>
-            </a:spcAft>
-            <a:buNone/>
-          </a:pPr>
-          <a:r>
-            <a:rPr lang="en-US" sz="1800" kern="1200" dirty="0"/>
-            <a:t>Task description</a:t>
-          </a:r>
-        </a:p>
-      </dsp:txBody>
-      <dsp:txXfrm>
-        <a:off x="6151018" y="1471513"/>
-        <a:ext cx="1282015" cy="1017981"/>
-      </dsp:txXfrm>
-    </dsp:sp>
-    <dsp:sp modelId="{89E6DA6E-7A23-44BD-8A99-378091FF741D}">
-      <dsp:nvSpPr>
-        <dsp:cNvPr id="0" name=""/>
-        <dsp:cNvSpPr/>
-      </dsp:nvSpPr>
-      <dsp:spPr>
-        <a:xfrm>
-          <a:off x="5092847" y="46542"/>
-          <a:ext cx="1017472" cy="1017472"/>
-        </a:xfrm>
-        <a:prstGeom prst="ellipse">
-          <a:avLst/>
-        </a:prstGeom>
-        <a:gradFill rotWithShape="0">
-          <a:gsLst>
-            <a:gs pos="0">
-              <a:schemeClr val="accent1">
-                <a:hueOff val="0"/>
-                <a:satOff val="0"/>
-                <a:lumOff val="0"/>
-                <a:alphaOff val="0"/>
-                <a:shade val="100000"/>
-                <a:satMod val="137000"/>
-              </a:schemeClr>
-            </a:gs>
-            <a:gs pos="71000">
-              <a:schemeClr val="accent1">
-                <a:hueOff val="0"/>
-                <a:satOff val="0"/>
-                <a:lumOff val="0"/>
-                <a:alphaOff val="0"/>
-                <a:shade val="98000"/>
-                <a:satMod val="137000"/>
-              </a:schemeClr>
-            </a:gs>
-            <a:gs pos="100000">
-              <a:schemeClr val="accent1">
-                <a:hueOff val="0"/>
-                <a:satOff val="0"/>
-                <a:lumOff val="0"/>
-                <a:alphaOff val="0"/>
-                <a:shade val="75000"/>
-                <a:satMod val="137000"/>
-              </a:schemeClr>
-            </a:gs>
-          </a:gsLst>
-          <a:path path="rect">
-            <a:fillToRect l="50000" t="50000" r="50000" b="50000"/>
-          </a:path>
-        </a:gradFill>
-        <a:ln>
-          <a:noFill/>
-        </a:ln>
-        <a:effectLst>
-          <a:outerShdw blurRad="39000" dist="25400" dir="5400000" rotWithShape="0">
-            <a:srgbClr val="000000">
-              <a:alpha val="38000"/>
-            </a:srgbClr>
-          </a:outerShdw>
-        </a:effectLst>
-      </dsp:spPr>
-      <dsp:style>
-        <a:lnRef idx="0">
-          <a:scrgbClr r="0" g="0" b="0"/>
-        </a:lnRef>
-        <a:fillRef idx="3">
-          <a:scrgbClr r="0" g="0" b="0"/>
-        </a:fillRef>
-        <a:effectRef idx="2">
-          <a:scrgbClr r="0" g="0" b="0"/>
-        </a:effectRef>
-        <a:fontRef idx="minor">
-          <a:schemeClr val="lt1"/>
-        </a:fontRef>
-      </dsp:style>
-      <dsp:txBody>
-        <a:bodyPr spcFirstLastPara="0" vert="horz" wrap="square" lIns="0" tIns="0" rIns="0" bIns="0" numCol="1" spcCol="1270" anchor="ctr" anchorCtr="0">
-          <a:noAutofit/>
-        </a:bodyPr>
-        <a:lstStyle/>
-        <a:p>
-          <a:pPr marL="0" lvl="0" indent="0" algn="ctr" defTabSz="933450">
-            <a:lnSpc>
-              <a:spcPct val="90000"/>
-            </a:lnSpc>
-            <a:spcBef>
-              <a:spcPct val="0"/>
-            </a:spcBef>
-            <a:spcAft>
-              <a:spcPct val="35000"/>
-            </a:spcAft>
-            <a:buNone/>
-          </a:pPr>
-          <a:r>
-            <a:rPr lang="en-US" sz="2100" kern="1200" dirty="0"/>
-            <a:t>Step 3 Title</a:t>
-          </a:r>
-        </a:p>
-      </dsp:txBody>
-      <dsp:txXfrm>
-        <a:off x="5241852" y="195547"/>
-        <a:ext cx="719462" cy="719462"/>
-      </dsp:txXfrm>
-    </dsp:sp>
-    <dsp:sp modelId="{402C2C77-A32C-4D99-9940-12535E1181F2}">
-      <dsp:nvSpPr>
-        <dsp:cNvPr id="0" name=""/>
-        <dsp:cNvSpPr/>
-      </dsp:nvSpPr>
-      <dsp:spPr>
-        <a:xfrm>
-          <a:off x="8450507" y="453531"/>
-          <a:ext cx="1526209" cy="1017981"/>
-        </a:xfrm>
-        <a:prstGeom prst="rect">
-          <a:avLst/>
-        </a:prstGeom>
-        <a:solidFill>
-          <a:schemeClr val="accent1">
-            <a:alpha val="90000"/>
-            <a:tint val="40000"/>
-            <a:hueOff val="0"/>
-            <a:satOff val="0"/>
-            <a:lumOff val="0"/>
-            <a:alphaOff val="0"/>
-          </a:schemeClr>
-        </a:solidFill>
-        <a:ln w="6350" cap="rnd" cmpd="sng" algn="ctr">
-          <a:solidFill>
-            <a:schemeClr val="accent1">
-              <a:alpha val="90000"/>
-              <a:tint val="40000"/>
-              <a:hueOff val="0"/>
-              <a:satOff val="0"/>
-              <a:lumOff val="0"/>
-              <a:alphaOff val="0"/>
-            </a:schemeClr>
-          </a:solidFill>
-          <a:prstDash val="solid"/>
-        </a:ln>
-        <a:effectLst/>
-      </dsp:spPr>
-      <dsp:style>
-        <a:lnRef idx="1">
-          <a:scrgbClr r="0" g="0" b="0"/>
-        </a:lnRef>
-        <a:fillRef idx="1">
-          <a:scrgbClr r="0" g="0" b="0"/>
-        </a:fillRef>
-        <a:effectRef idx="0">
-          <a:scrgbClr r="0" g="0" b="0"/>
-        </a:effectRef>
-        <a:fontRef idx="minor"/>
-      </dsp:style>
-      <dsp:txBody>
-        <a:bodyPr spcFirstLastPara="0" vert="horz" wrap="square" lIns="0" tIns="128016" rIns="128016" bIns="128016" numCol="1" spcCol="1270" anchor="ctr" anchorCtr="0">
-          <a:noAutofit/>
-        </a:bodyPr>
-        <a:lstStyle/>
-        <a:p>
-          <a:pPr marL="0" lvl="0" indent="0" algn="l" defTabSz="800100">
-            <a:lnSpc>
-              <a:spcPct val="90000"/>
-            </a:lnSpc>
-            <a:spcBef>
-              <a:spcPct val="0"/>
-            </a:spcBef>
-            <a:spcAft>
-              <a:spcPct val="35000"/>
-            </a:spcAft>
-            <a:buNone/>
-          </a:pPr>
-          <a:r>
-            <a:rPr lang="en-US" sz="1800" kern="1200" dirty="0"/>
-            <a:t>Task description</a:t>
-          </a:r>
-        </a:p>
-      </dsp:txBody>
-      <dsp:txXfrm>
-        <a:off x="8694700" y="453531"/>
-        <a:ext cx="1282015" cy="1017981"/>
-      </dsp:txXfrm>
-    </dsp:sp>
-    <dsp:sp modelId="{3086D0BF-AAD1-4310-88ED-4D81A687BD50}">
-      <dsp:nvSpPr>
-        <dsp:cNvPr id="0" name=""/>
-        <dsp:cNvSpPr/>
-      </dsp:nvSpPr>
-      <dsp:spPr>
-        <a:xfrm>
-          <a:off x="8450507" y="1471513"/>
-          <a:ext cx="1526209" cy="1017981"/>
-        </a:xfrm>
-        <a:prstGeom prst="rect">
-          <a:avLst/>
-        </a:prstGeom>
-        <a:solidFill>
-          <a:schemeClr val="accent1">
-            <a:alpha val="90000"/>
-            <a:tint val="40000"/>
-            <a:hueOff val="0"/>
-            <a:satOff val="0"/>
-            <a:lumOff val="0"/>
-            <a:alphaOff val="0"/>
-          </a:schemeClr>
-        </a:solidFill>
-        <a:ln w="6350" cap="rnd" cmpd="sng" algn="ctr">
-          <a:solidFill>
-            <a:schemeClr val="accent1">
-              <a:alpha val="90000"/>
-              <a:tint val="40000"/>
-              <a:hueOff val="0"/>
-              <a:satOff val="0"/>
-              <a:lumOff val="0"/>
-              <a:alphaOff val="0"/>
-            </a:schemeClr>
-          </a:solidFill>
-          <a:prstDash val="solid"/>
-        </a:ln>
-        <a:effectLst/>
-      </dsp:spPr>
-      <dsp:style>
-        <a:lnRef idx="1">
-          <a:scrgbClr r="0" g="0" b="0"/>
-        </a:lnRef>
-        <a:fillRef idx="1">
-          <a:scrgbClr r="0" g="0" b="0"/>
-        </a:fillRef>
-        <a:effectRef idx="0">
-          <a:scrgbClr r="0" g="0" b="0"/>
-        </a:effectRef>
-        <a:fontRef idx="minor"/>
-      </dsp:style>
-      <dsp:txBody>
-        <a:bodyPr spcFirstLastPara="0" vert="horz" wrap="square" lIns="0" tIns="128016" rIns="128016" bIns="128016" numCol="1" spcCol="1270" anchor="ctr" anchorCtr="0">
-          <a:noAutofit/>
-        </a:bodyPr>
-        <a:lstStyle/>
-        <a:p>
-          <a:pPr marL="0" lvl="0" indent="0" algn="l" defTabSz="800100">
-            <a:lnSpc>
-              <a:spcPct val="90000"/>
-            </a:lnSpc>
-            <a:spcBef>
-              <a:spcPct val="0"/>
-            </a:spcBef>
-            <a:spcAft>
-              <a:spcPct val="35000"/>
-            </a:spcAft>
-            <a:buNone/>
-          </a:pPr>
-          <a:r>
-            <a:rPr lang="en-US" sz="1800" kern="1200" dirty="0"/>
-            <a:t>Task description</a:t>
-          </a:r>
-        </a:p>
-      </dsp:txBody>
-      <dsp:txXfrm>
-        <a:off x="8694700" y="1471513"/>
-        <a:ext cx="1282015" cy="1017981"/>
-      </dsp:txXfrm>
-    </dsp:sp>
-    <dsp:sp modelId="{7453D9C8-CD6E-4AA4-8A19-7F6F667528F0}">
-      <dsp:nvSpPr>
-        <dsp:cNvPr id="0" name=""/>
-        <dsp:cNvSpPr/>
-      </dsp:nvSpPr>
-      <dsp:spPr>
-        <a:xfrm>
-          <a:off x="7636529" y="46542"/>
-          <a:ext cx="1017472" cy="1017472"/>
-        </a:xfrm>
-        <a:prstGeom prst="ellipse">
-          <a:avLst/>
-        </a:prstGeom>
-        <a:gradFill rotWithShape="0">
-          <a:gsLst>
-            <a:gs pos="0">
-              <a:schemeClr val="accent1">
-                <a:hueOff val="0"/>
-                <a:satOff val="0"/>
-                <a:lumOff val="0"/>
-                <a:alphaOff val="0"/>
-                <a:shade val="100000"/>
-                <a:satMod val="137000"/>
-              </a:schemeClr>
-            </a:gs>
-            <a:gs pos="71000">
-              <a:schemeClr val="accent1">
-                <a:hueOff val="0"/>
-                <a:satOff val="0"/>
-                <a:lumOff val="0"/>
-                <a:alphaOff val="0"/>
-                <a:shade val="98000"/>
-                <a:satMod val="137000"/>
-              </a:schemeClr>
-            </a:gs>
-            <a:gs pos="100000">
-              <a:schemeClr val="accent1">
-                <a:hueOff val="0"/>
-                <a:satOff val="0"/>
-                <a:lumOff val="0"/>
-                <a:alphaOff val="0"/>
-                <a:shade val="75000"/>
-                <a:satMod val="137000"/>
-              </a:schemeClr>
-            </a:gs>
-          </a:gsLst>
-          <a:path path="rect">
-            <a:fillToRect l="50000" t="50000" r="50000" b="50000"/>
-          </a:path>
-        </a:gradFill>
-        <a:ln>
-          <a:noFill/>
-        </a:ln>
-        <a:effectLst>
-          <a:outerShdw blurRad="39000" dist="25400" dir="5400000" rotWithShape="0">
-            <a:srgbClr val="000000">
-              <a:alpha val="38000"/>
-            </a:srgbClr>
-          </a:outerShdw>
-        </a:effectLst>
-      </dsp:spPr>
-      <dsp:style>
-        <a:lnRef idx="0">
-          <a:scrgbClr r="0" g="0" b="0"/>
-        </a:lnRef>
-        <a:fillRef idx="3">
-          <a:scrgbClr r="0" g="0" b="0"/>
-        </a:fillRef>
-        <a:effectRef idx="2">
-          <a:scrgbClr r="0" g="0" b="0"/>
-        </a:effectRef>
-        <a:fontRef idx="minor">
-          <a:schemeClr val="lt1"/>
-        </a:fontRef>
-      </dsp:style>
-      <dsp:txBody>
-        <a:bodyPr spcFirstLastPara="0" vert="horz" wrap="square" lIns="0" tIns="0" rIns="0" bIns="0" numCol="1" spcCol="1270" anchor="ctr" anchorCtr="0">
-          <a:noAutofit/>
-        </a:bodyPr>
-        <a:lstStyle/>
-        <a:p>
-          <a:pPr marL="0" lvl="0" indent="0" algn="ctr" defTabSz="933450">
-            <a:lnSpc>
-              <a:spcPct val="90000"/>
-            </a:lnSpc>
-            <a:spcBef>
-              <a:spcPct val="0"/>
-            </a:spcBef>
-            <a:spcAft>
-              <a:spcPct val="35000"/>
-            </a:spcAft>
-            <a:buNone/>
-          </a:pPr>
-          <a:r>
-            <a:rPr lang="en-US" sz="2100" kern="1200" dirty="0"/>
-            <a:t>Step 4 Title</a:t>
-          </a:r>
-        </a:p>
-      </dsp:txBody>
-      <dsp:txXfrm>
-        <a:off x="7785534" y="195547"/>
-        <a:ext cx="719462" cy="719462"/>
-      </dsp:txXfrm>
-    </dsp:sp>
-  </dsp:spTree>
-</dsp:drawing>
-</file>
-
-<file path=ppt/diagrams/layout1.xml><?xml version="1.0" encoding="utf-8"?>
-<dgm:layoutDef xmlns:dgm="http://schemas.openxmlformats.org/drawingml/2006/diagram" xmlns:a="http://schemas.openxmlformats.org/drawingml/2006/main" uniqueId="urn:microsoft.com/office/officeart/2005/8/layout/hList9">
-  <dgm:title val=""/>
-  <dgm:desc val=""/>
-  <dgm:catLst>
-    <dgm:cat type="list" pri="8000"/>
-  </dgm:catLst>
-  <dgm:sampData>
-    <dgm:dataModel>
-      <dgm:ptLst>
-        <dgm:pt modelId="0" type="doc"/>
-        <dgm:pt modelId="1">
-          <dgm:prSet phldr="1"/>
-        </dgm:pt>
-        <dgm:pt modelId="11">
-          <dgm:prSet phldr="1"/>
-        </dgm:pt>
-        <dgm:pt modelId="12">
-          <dgm:prSet phldr="1"/>
-        </dgm:pt>
-        <dgm:pt modelId="2">
-          <dgm:prSet phldr="1"/>
-        </dgm:pt>
-        <dgm:pt modelId="21">
-          <dgm:prSet phldr="1"/>
-        </dgm:pt>
-        <dgm:pt modelId="22">
-          <dgm:prSet phldr="1"/>
-        </dgm:pt>
-      </dgm:ptLst>
-      <dgm:cxnLst>
-        <dgm:cxn modelId="3" srcId="0" destId="1" srcOrd="0" destOrd="0"/>
-        <dgm:cxn modelId="4" srcId="0" destId="2" srcOrd="1" destOrd="0"/>
-        <dgm:cxn modelId="13" srcId="1" destId="11" srcOrd="0" destOrd="0"/>
-        <dgm:cxn modelId="14" srcId="1" destId="12" srcOrd="0" destOrd="0"/>
-        <dgm:cxn modelId="23" srcId="2" destId="21" srcOrd="0" destOrd="0"/>
-        <dgm:cxn modelId="24" srcId="2" destId="22" srcOrd="0" destOrd="0"/>
-      </dgm:cxnLst>
-      <dgm:bg/>
-      <dgm:whole/>
-    </dgm:dataModel>
-  </dgm:sampData>
-  <dgm:styleData>
-    <dgm:dataModel>
-      <dgm:ptLst>
-        <dgm:pt modelId="0" type="doc"/>
-        <dgm:pt modelId="1"/>
-        <dgm:pt modelId="2"/>
-      </dgm:ptLst>
-      <dgm:cxnLst>
-        <dgm:cxn modelId="3" srcId="0" destId="1" srcOrd="0" destOrd="0"/>
-        <dgm:cxn modelId="4" srcId="1" destId="2" srcOrd="0" destOrd="0"/>
-      </dgm:cxnLst>
-      <dgm:bg/>
-      <dgm:whole/>
-    </dgm:dataModel>
-  </dgm:styleData>
-  <dgm:clrData>
-    <dgm:dataModel>
-      <dgm:ptLst>
-        <dgm:pt modelId="0" type="doc"/>
-        <dgm:pt modelId="1"/>
-        <dgm:pt modelId="11"/>
-        <dgm:pt modelId="12"/>
-        <dgm:pt modelId="13"/>
-        <dgm:pt modelId="14"/>
-        <dgm:pt modelId="2"/>
-        <dgm:pt modelId="21"/>
-        <dgm:pt modelId="22"/>
-        <dgm:pt modelId="23"/>
-        <dgm:pt modelId="24"/>
-        <dgm:pt modelId="3"/>
-        <dgm:pt modelId="31"/>
-        <dgm:pt modelId="32"/>
-        <dgm:pt modelId="33"/>
-        <dgm:pt modelId="34"/>
-      </dgm:ptLst>
-      <dgm:cxnLst>
-        <dgm:cxn modelId="4" srcId="0" destId="1" srcOrd="0" destOrd="0"/>
-        <dgm:cxn modelId="5" srcId="0" destId="2" srcOrd="1" destOrd="0"/>
-        <dgm:cxn modelId="6" srcId="0" destId="3" srcOrd="1" destOrd="0"/>
-        <dgm:cxn modelId="15" srcId="1" destId="11" srcOrd="0" destOrd="0"/>
-        <dgm:cxn modelId="16" srcId="1" destId="12" srcOrd="0" destOrd="0"/>
-        <dgm:cxn modelId="17" srcId="1" destId="13" srcOrd="0" destOrd="0"/>
-        <dgm:cxn modelId="18" srcId="1" destId="14" srcOrd="0" destOrd="0"/>
-        <dgm:cxn modelId="25" srcId="2" destId="21" srcOrd="0" destOrd="0"/>
-        <dgm:cxn modelId="26" srcId="2" destId="22" srcOrd="0" destOrd="0"/>
-        <dgm:cxn modelId="27" srcId="2" destId="23" srcOrd="0" destOrd="0"/>
-        <dgm:cxn modelId="28" srcId="2" destId="24" srcOrd="0" destOrd="0"/>
-        <dgm:cxn modelId="35" srcId="3" destId="31" srcOrd="0" destOrd="0"/>
-        <dgm:cxn modelId="36" srcId="3" destId="32" srcOrd="0" destOrd="0"/>
-        <dgm:cxn modelId="37" srcId="3" destId="33" srcOrd="0" destOrd="0"/>
-        <dgm:cxn modelId="38" srcId="3" destId="34" srcOrd="0" destOrd="0"/>
-      </dgm:cxnLst>
-      <dgm:bg/>
-      <dgm:whole/>
-    </dgm:dataModel>
-  </dgm:clrData>
-  <dgm:layoutNode name="list">
-    <dgm:varLst>
-      <dgm:dir/>
-      <dgm:animLvl val="lvl"/>
-    </dgm:varLst>
-    <dgm:choose name="Name0">
-      <dgm:if name="Name1" func="var" arg="dir" op="equ" val="norm">
-        <dgm:alg type="lin">
-          <dgm:param type="linDir" val="fromL"/>
-          <dgm:param type="fallback" val="2D"/>
-          <dgm:param type="nodeVertAlign" val="t"/>
-        </dgm:alg>
-      </dgm:if>
-      <dgm:else name="Name2">
-        <dgm:alg type="lin">
-          <dgm:param type="linDir" val="fromR"/>
-          <dgm:param type="fallback" val="2D"/>
-          <dgm:param type="nodeVertAlign" val="t"/>
-        </dgm:alg>
-      </dgm:else>
-    </dgm:choose>
-    <dgm:shape xmlns:r="http://schemas.openxmlformats.org/officeDocument/2006/relationships" r:blip="">
-      <dgm:adjLst/>
-    </dgm:shape>
-    <dgm:presOf/>
-    <dgm:constrLst>
-      <dgm:constr type="w" for="ch" forName="circle" refType="w" fact="0.5"/>
-      <dgm:constr type="w" for="ch" forName="vertFlow" refType="w" fact="0.75"/>
-      <dgm:constr type="h" for="des" forName="firstComp" refType="w" refFor="ch" refForName="vertFlow" fact="0.667"/>
-      <dgm:constr type="h" for="des" forName="comp" refType="h" refFor="des" refForName="firstComp" op="equ"/>
-      <dgm:constr type="h" for="des" forName="topSpace" refType="w" refFor="ch" refForName="circle" op="equ" fact="0.4"/>
-      <dgm:constr type="w" for="ch" forName="posSpace" refType="w" fact="0.4"/>
-      <dgm:constr type="w" for="ch" forName="negSpace" refType="w" fact="-1.15"/>
-      <dgm:constr type="w" for="ch" forName="transSpace" refType="w" fact="0.75"/>
-      <dgm:constr type="primFontSz" for="ch" forName="circle" op="equ" val="65"/>
-      <dgm:constr type="primFontSz" for="des" forName="firstChildTx" val="65"/>
-      <dgm:constr type="primFontSz" for="des" forName="childTx" refType="primFontSz" refFor="des" refForName="firstChildTx" op="equ"/>
-    </dgm:constrLst>
-    <dgm:ruleLst/>
-    <dgm:forEach name="Name3" axis="ch" ptType="node">
-      <dgm:layoutNode name="posSpace">
-        <dgm:alg type="sp"/>
-        <dgm:shape xmlns:r="http://schemas.openxmlformats.org/officeDocument/2006/relationships" r:blip="">
-          <dgm:adjLst/>
-        </dgm:shape>
-        <dgm:presOf/>
-        <dgm:constrLst/>
-        <dgm:ruleLst/>
-      </dgm:layoutNode>
-      <dgm:layoutNode name="vertFlow">
-        <dgm:alg type="lin">
-          <dgm:param type="linDir" val="fromT"/>
-        </dgm:alg>
-        <dgm:shape xmlns:r="http://schemas.openxmlformats.org/officeDocument/2006/relationships" r:blip="">
-          <dgm:adjLst/>
-        </dgm:shape>
-        <dgm:presOf/>
-        <dgm:constrLst>
-          <dgm:constr type="w" for="ch" forName="firstComp" refType="w"/>
-          <dgm:constr type="w" for="ch" forName="comp" refType="w"/>
-        </dgm:constrLst>
-        <dgm:ruleLst/>
-        <dgm:layoutNode name="topSpace">
-          <dgm:alg type="sp"/>
-          <dgm:shape xmlns:r="http://schemas.openxmlformats.org/officeDocument/2006/relationships" r:blip="">
-            <dgm:adjLst/>
-          </dgm:shape>
-          <dgm:presOf/>
-          <dgm:constrLst/>
-          <dgm:ruleLst/>
-        </dgm:layoutNode>
-        <dgm:layoutNode name="firstComp">
-          <dgm:alg type="composite"/>
-          <dgm:shape xmlns:r="http://schemas.openxmlformats.org/officeDocument/2006/relationships" r:blip="">
-            <dgm:adjLst/>
-          </dgm:shape>
-          <dgm:presOf/>
-          <dgm:choose name="Name4">
-            <dgm:if name="Name5" func="var" arg="dir" op="equ" val="norm">
-              <dgm:constrLst>
-                <dgm:constr type="l" for="ch" forName="firstChild"/>
-                <dgm:constr type="t" for="ch" forName="firstChild"/>
-                <dgm:constr type="w" for="ch" forName="firstChild" refType="w"/>
-                <dgm:constr type="h" for="ch" forName="firstChild" refType="h"/>
-                <dgm:constr type="l" for="ch" forName="firstChildTx" refType="w" fact="0.16"/>
-                <dgm:constr type="r" for="ch" forName="firstChildTx" refType="w"/>
-                <dgm:constr type="h" for="ch" forName="firstChildTx" refFor="ch" refForName="firstChild" op="equ"/>
-              </dgm:constrLst>
-            </dgm:if>
-            <dgm:else name="Name6">
-              <dgm:constrLst>
-                <dgm:constr type="l" for="ch" forName="firstChild"/>
-                <dgm:constr type="t" for="ch" forName="firstChild"/>
-                <dgm:constr type="w" for="ch" forName="firstChild" refType="w"/>
-                <dgm:constr type="h" for="ch" forName="firstChild" refType="h"/>
-                <dgm:constr type="l" for="ch" forName="firstChildTx"/>
-                <dgm:constr type="r" for="ch" forName="firstChildTx" refType="w" fact="0.825"/>
-                <dgm:constr type="h" for="ch" forName="firstChildTx" refFor="ch" refForName="firstChild" op="equ"/>
-              </dgm:constrLst>
-            </dgm:else>
-          </dgm:choose>
-          <dgm:ruleLst/>
-          <dgm:layoutNode name="firstChild" styleLbl="bgAccFollowNode1">
-            <dgm:alg type="sp"/>
-            <dgm:shape xmlns:r="http://schemas.openxmlformats.org/officeDocument/2006/relationships" type="rect" r:blip="">
-              <dgm:adjLst/>
-            </dgm:shape>
-            <dgm:presOf axis="ch desOrSelf" ptType="node node" cnt="1 0"/>
-            <dgm:constrLst/>
-            <dgm:ruleLst/>
-          </dgm:layoutNode>
-          <dgm:layoutNode name="firstChildTx" styleLbl="bgAccFollowNode1">
-            <dgm:varLst>
-              <dgm:bulletEnabled val="1"/>
-            </dgm:varLst>
-            <dgm:alg type="tx">
-              <dgm:param type="parTxLTRAlign" val="l"/>
-            </dgm:alg>
-            <dgm:shape xmlns:r="http://schemas.openxmlformats.org/officeDocument/2006/relationships" type="rect" r:blip="" hideGeom="1">
-              <dgm:adjLst/>
-            </dgm:shape>
-            <dgm:presOf axis="ch desOrSelf" ptType="node node" cnt="1 0"/>
-            <dgm:choose name="Name7">
-              <dgm:if name="Name8" func="var" arg="dir" op="equ" val="norm">
-                <dgm:constrLst>
-                  <dgm:constr type="primFontSz" val="65"/>
-                  <dgm:constr type="lMarg"/>
-                </dgm:constrLst>
-              </dgm:if>
-              <dgm:else name="Name9">
-                <dgm:constrLst>
-                  <dgm:constr type="primFontSz" val="65"/>
-                  <dgm:constr type="rMarg"/>
-                </dgm:constrLst>
-              </dgm:else>
-            </dgm:choose>
-            <dgm:ruleLst>
-              <dgm:rule type="primFontSz" val="5" fact="NaN" max="NaN"/>
-            </dgm:ruleLst>
-          </dgm:layoutNode>
-        </dgm:layoutNode>
-        <dgm:forEach name="Name10" axis="ch" ptType="node" st="2">
-          <dgm:layoutNode name="comp">
-            <dgm:alg type="composite"/>
-            <dgm:shape xmlns:r="http://schemas.openxmlformats.org/officeDocument/2006/relationships" r:blip="">
-              <dgm:adjLst/>
-            </dgm:shape>
-            <dgm:presOf/>
-            <dgm:choose name="Name11">
-              <dgm:if name="Name12" func="var" arg="dir" op="equ" val="norm">
-                <dgm:constrLst>
-                  <dgm:constr type="l" for="ch" forName="child"/>
-                  <dgm:constr type="t" for="ch" forName="child"/>
-                  <dgm:constr type="w" for="ch" forName="child" refType="w"/>
-                  <dgm:constr type="h" for="ch" forName="child" refType="h"/>
-                  <dgm:constr type="l" for="ch" forName="childTx" refType="w" fact="0.16"/>
-                  <dgm:constr type="r" for="ch" forName="childTx" refType="w"/>
-                  <dgm:constr type="h" for="ch" forName="childTx" refFor="ch" refForName="child" op="equ"/>
-                </dgm:constrLst>
-              </dgm:if>
-              <dgm:else name="Name13">
-                <dgm:constrLst>
-                  <dgm:constr type="l" for="ch" forName="child"/>
-                  <dgm:constr type="t" for="ch" forName="child"/>
-                  <dgm:constr type="w" for="ch" forName="child" refType="w"/>
-                  <dgm:constr type="h" for="ch" forName="child" refType="h"/>
-                  <dgm:constr type="l" for="ch" forName="childTx"/>
-                  <dgm:constr type="r" for="ch" forName="childTx" refType="w" fact="0.825"/>
-                  <dgm:constr type="h" for="ch" forName="childTx" refFor="ch" refForName="child" op="equ"/>
-                </dgm:constrLst>
-              </dgm:else>
-            </dgm:choose>
-            <dgm:ruleLst/>
-            <dgm:layoutNode name="child" styleLbl="bgAccFollowNode1">
-              <dgm:alg type="sp"/>
-              <dgm:shape xmlns:r="http://schemas.openxmlformats.org/officeDocument/2006/relationships" type="rect" r:blip="">
-                <dgm:adjLst/>
-              </dgm:shape>
-              <dgm:presOf axis="desOrSelf" ptType="node"/>
-              <dgm:constrLst/>
-              <dgm:ruleLst/>
-            </dgm:layoutNode>
-            <dgm:layoutNode name="childTx" styleLbl="bgAccFollowNode1">
-              <dgm:varLst>
-                <dgm:bulletEnabled val="1"/>
-              </dgm:varLst>
-              <dgm:alg type="tx">
-                <dgm:param type="parTxLTRAlign" val="l"/>
-              </dgm:alg>
-              <dgm:shape xmlns:r="http://schemas.openxmlformats.org/officeDocument/2006/relationships" type="rect" r:blip="" hideGeom="1">
-                <dgm:adjLst/>
-              </dgm:shape>
-              <dgm:presOf axis="desOrSelf" ptType="node"/>
-              <dgm:choose name="Name14">
-                <dgm:if name="Name15" func="var" arg="dir" op="equ" val="norm">
-                  <dgm:constrLst>
-                    <dgm:constr type="primFontSz" val="65"/>
-                    <dgm:constr type="lMarg"/>
-                  </dgm:constrLst>
-                </dgm:if>
-                <dgm:else name="Name16">
-                  <dgm:constrLst>
-                    <dgm:constr type="primFontSz" val="65"/>
-                    <dgm:constr type="rMarg"/>
-                  </dgm:constrLst>
-                </dgm:else>
-              </dgm:choose>
-              <dgm:ruleLst>
-                <dgm:rule type="primFontSz" val="5" fact="NaN" max="NaN"/>
-              </dgm:ruleLst>
-            </dgm:layoutNode>
-          </dgm:layoutNode>
-        </dgm:forEach>
-      </dgm:layoutNode>
-      <dgm:layoutNode name="negSpace">
-        <dgm:alg type="sp"/>
-        <dgm:shape xmlns:r="http://schemas.openxmlformats.org/officeDocument/2006/relationships" r:blip="">
-          <dgm:adjLst/>
-        </dgm:shape>
-        <dgm:presOf/>
-        <dgm:constrLst/>
-        <dgm:ruleLst/>
-      </dgm:layoutNode>
-      <dgm:layoutNode name="circle" styleLbl="node1">
-        <dgm:alg type="tx"/>
-        <dgm:shape xmlns:r="http://schemas.openxmlformats.org/officeDocument/2006/relationships" type="ellipse" r:blip="">
-          <dgm:adjLst/>
-        </dgm:shape>
-        <dgm:presOf axis="self"/>
-        <dgm:constrLst>
-          <dgm:constr type="lMarg"/>
-          <dgm:constr type="rMarg"/>
-          <dgm:constr type="tMarg"/>
-          <dgm:constr type="bMarg"/>
-          <dgm:constr type="h" refType="w"/>
-        </dgm:constrLst>
-        <dgm:ruleLst>
-          <dgm:rule type="primFontSz" val="5" fact="NaN" max="NaN"/>
-        </dgm:ruleLst>
-      </dgm:layoutNode>
-      <dgm:forEach name="Name17" axis="followSib" ptType="sibTrans" cnt="1">
-        <dgm:layoutNode name="transSpace">
-          <dgm:alg type="sp"/>
-          <dgm:shape xmlns:r="http://schemas.openxmlformats.org/officeDocument/2006/relationships" r:blip="">
-            <dgm:adjLst/>
-          </dgm:shape>
-          <dgm:presOf/>
-          <dgm:constrLst/>
-          <dgm:ruleLst/>
-        </dgm:layoutNode>
-      </dgm:forEach>
-    </dgm:forEach>
-  </dgm:layoutNode>
-</dgm:layoutDef>
-</file>
-
-<file path=ppt/diagrams/quickStyle1.xml><?xml version="1.0" encoding="utf-8"?>
-<dgm:styleDef xmlns:dgm="http://schemas.openxmlformats.org/drawingml/2006/diagram" xmlns:a="http://schemas.openxmlformats.org/drawingml/2006/main" uniqueId="urn:microsoft.com/office/officeart/2005/8/quickstyle/simple4">
-  <dgm:title val=""/>
-  <dgm:desc val=""/>
-  <dgm:catLst>
-    <dgm:cat type="simple" pri="10400"/>
-  </dgm:catLst>
-  <dgm:scene3d>
-    <a:camera prst="orthographicFront"/>
-    <a:lightRig rig="threePt" dir="t"/>
-  </dgm:scene3d>
-  <dgm:styleLbl name="node0">
-    <dgm:scene3d>
-      <a:camera prst="orthographicFront"/>
-      <a:lightRig rig="threePt" dir="t"/>
-    </dgm:scene3d>
-    <dgm:sp3d/>
-    <dgm:txPr/>
-    <dgm:style>
-      <a:lnRef idx="0">
-        <a:scrgbClr r="0" g="0" b="0"/>
-      </a:lnRef>
-      <a:fillRef idx="3">
-        <a:scrgbClr r="0" g="0" b="0"/>
-      </a:fillRef>
-      <a:effectRef idx="2">
-        <a:scrgbClr r="0" g="0" b="0"/>
-      </a:effectRef>
-      <a:fontRef idx="minor">
-        <a:schemeClr val="lt1"/>
-      </a:fontRef>
-    </dgm:style>
-  </dgm:styleLbl>
-  <dgm:styleLbl name="lnNode1">
-    <dgm:scene3d>
-      <a:camera prst="orthographicFront"/>
-      <a:lightRig rig="threePt" dir="t"/>
-    </dgm:scene3d>
-    <dgm:sp3d/>
-    <dgm:txPr/>
-    <dgm:style>
-      <a:lnRef idx="1">
-        <a:scrgbClr r="0" g="0" b="0"/>
-      </a:lnRef>
-      <a:fillRef idx="3">
-        <a:scrgbClr r="0" g="0" b="0"/>
-      </a:fillRef>
-      <a:effectRef idx="2">
-        <a:scrgbClr r="0" g="0" b="0"/>
-      </a:effectRef>
-      <a:fontRef idx="minor">
-        <a:schemeClr val="lt1"/>
-      </a:fontRef>
-    </dgm:style>
-  </dgm:styleLbl>
-  <dgm:styleLbl name="vennNode1">
-    <dgm:scene3d>
-      <a:camera prst="orthographicFront"/>
-      <a:lightRig rig="threePt" dir="t"/>
-    </dgm:scene3d>
-    <dgm:sp3d/>
-    <dgm:txPr/>
-    <dgm:style>
-      <a:lnRef idx="0">
-        <a:scrgbClr r="0" g="0" b="0"/>
-      </a:lnRef>
-      <a:fillRef idx="3">
-        <a:scrgbClr r="0" g="0" b="0"/>
-      </a:fillRef>
-      <a:effectRef idx="0">
-        <a:scrgbClr r="0" g="0" b="0"/>
-      </a:effectRef>
-      <a:fontRef idx="minor">
-        <a:schemeClr val="tx1"/>
-      </a:fontRef>
-    </dgm:style>
-  </dgm:styleLbl>
-  <dgm:styleLbl name="alignNode1">
-    <dgm:scene3d>
-      <a:camera prst="orthographicFront"/>
-      <a:lightRig rig="threePt" dir="t"/>
-    </dgm:scene3d>
-    <dgm:sp3d/>
-    <dgm:txPr/>
-    <dgm:style>
-      <a:lnRef idx="1">
-        <a:scrgbClr r="0" g="0" b="0"/>
-      </a:lnRef>
-      <a:fillRef idx="3">
-        <a:scrgbClr r="0" g="0" b="0"/>
-      </a:fillRef>
-      <a:effectRef idx="2">
-        <a:scrgbClr r="0" g="0" b="0"/>
-      </a:effectRef>
-      <a:fontRef idx="minor">
-        <a:schemeClr val="lt1"/>
-      </a:fontRef>
-    </dgm:style>
-  </dgm:styleLbl>
-  <dgm:styleLbl name="node1">
-    <dgm:scene3d>
-      <a:camera prst="orthographicFront"/>
-      <a:lightRig rig="threePt" dir="t"/>
-    </dgm:scene3d>
-    <dgm:sp3d/>
-    <dgm:txPr/>
-    <dgm:style>
-      <a:lnRef idx="0">
-        <a:scrgbClr r="0" g="0" b="0"/>
-      </a:lnRef>
-      <a:fillRef idx="3">
-        <a:scrgbClr r="0" g="0" b="0"/>
-      </a:fillRef>
-      <a:effectRef idx="2">
-        <a:scrgbClr r="0" g="0" b="0"/>
-      </a:effectRef>
-      <a:fontRef idx="minor">
-        <a:schemeClr val="lt1"/>
-      </a:fontRef>
-    </dgm:style>
-  </dgm:styleLbl>
-  <dgm:styleLbl name="node2">
-    <dgm:scene3d>
-      <a:camera prst="orthographicFront"/>
-      <a:lightRig rig="threePt" dir="t"/>
-    </dgm:scene3d>
-    <dgm:sp3d/>
-    <dgm:txPr/>
-    <dgm:style>
-      <a:lnRef idx="0">
-        <a:scrgbClr r="0" g="0" b="0"/>
-      </a:lnRef>
-      <a:fillRef idx="3">
-        <a:scrgbClr r="0" g="0" b="0"/>
-      </a:fillRef>
-      <a:effectRef idx="2">
-        <a:scrgbClr r="0" g="0" b="0"/>
-      </a:effectRef>
-      <a:fontRef idx="minor">
-        <a:schemeClr val="lt1"/>
-      </a:fontRef>
-    </dgm:style>
-  </dgm:styleLbl>
-  <dgm:styleLbl name="node3">
-    <dgm:scene3d>
-      <a:camera prst="orthographicFront"/>
-      <a:lightRig rig="threePt" dir="t"/>
-    </dgm:scene3d>
-    <dgm:sp3d/>
-    <dgm:txPr/>
-    <dgm:style>
-      <a:lnRef idx="0">
-        <a:scrgbClr r="0" g="0" b="0"/>
-      </a:lnRef>
-      <a:fillRef idx="3">
-        <a:scrgbClr r="0" g="0" b="0"/>
-      </a:fillRef>
-      <a:effectRef idx="2">
-        <a:scrgbClr r="0" g="0" b="0"/>
-      </a:effectRef>
-      <a:fontRef idx="minor">
-        <a:schemeClr val="lt1"/>
-      </a:fontRef>
-    </dgm:style>
-  </dgm:styleLbl>
-  <dgm:styleLbl name="node4">
-    <dgm:scene3d>
-      <a:camera prst="orthographicFront"/>
-      <a:lightRig rig="threePt" dir="t"/>
-    </dgm:scene3d>
-    <dgm:sp3d/>
-    <dgm:txPr/>
-    <dgm:style>
-      <a:lnRef idx="0">
-        <a:scrgbClr r="0" g="0" b="0"/>
-      </a:lnRef>
-      <a:fillRef idx="3">
-        <a:scrgbClr r="0" g="0" b="0"/>
-      </a:fillRef>
-      <a:effectRef idx="2">
-        <a:scrgbClr r="0" g="0" b="0"/>
-      </a:effectRef>
-      <a:fontRef idx="minor">
-        <a:schemeClr val="lt1"/>
-      </a:fontRef>
-    </dgm:style>
-  </dgm:styleLbl>
-  <dgm:styleLbl name="fgImgPlace1">
-    <dgm:scene3d>
-      <a:camera prst="orthographicFront"/>
-      <a:lightRig rig="threePt" dir="t"/>
-    </dgm:scene3d>
-    <dgm:sp3d/>
-    <dgm:txPr/>
-    <dgm:style>
-      <a:lnRef idx="0">
-        <a:scrgbClr r="0" g="0" b="0"/>
-      </a:lnRef>
-      <a:fillRef idx="1">
-        <a:scrgbClr r="0" g="0" b="0"/>
-      </a:fillRef>
-      <a:effectRef idx="2">
-        <a:scrgbClr r="0" g="0" b="0"/>
-      </a:effectRef>
-      <a:fontRef idx="minor"/>
-    </dgm:style>
-  </dgm:styleLbl>
-  <dgm:styleLbl name="alignImgPlace1">
-    <dgm:scene3d>
-      <a:camera prst="orthographicFront"/>
-      <a:lightRig rig="threePt" dir="t"/>
-    </dgm:scene3d>
-    <dgm:sp3d/>
-    <dgm:txPr/>
-    <dgm:style>
-      <a:lnRef idx="0">
-        <a:scrgbClr r="0" g="0" b="0"/>
-      </a:lnRef>
-      <a:fillRef idx="1">
-        <a:scrgbClr r="0" g="0" b="0"/>
-      </a:fillRef>
-      <a:effectRef idx="2">
-        <a:scrgbClr r="0" g="0" b="0"/>
-      </a:effectRef>
-      <a:fontRef idx="minor"/>
-    </dgm:style>
-  </dgm:styleLbl>
-  <dgm:styleLbl name="bgImgPlace1">
-    <dgm:scene3d>
-      <a:camera prst="orthographicFront"/>
-      <a:lightRig rig="threePt" dir="t"/>
-    </dgm:scene3d>
-    <dgm:sp3d/>
-    <dgm:txPr/>
-    <dgm:style>
-      <a:lnRef idx="0">
-        <a:scrgbClr r="0" g="0" b="0"/>
-      </a:lnRef>
-      <a:fillRef idx="1">
-        <a:scrgbClr r="0" g="0" b="0"/>
-      </a:fillRef>
-      <a:effectRef idx="2">
-        <a:scrgbClr r="0" g="0" b="0"/>
-      </a:effectRef>
-      <a:fontRef idx="minor"/>
-    </dgm:style>
-  </dgm:styleLbl>
-  <dgm:styleLbl name="sibTrans2D1">
-    <dgm:scene3d>
-      <a:camera prst="orthographicFront"/>
-      <a:lightRig rig="threePt" dir="t"/>
-    </dgm:scene3d>
-    <dgm:sp3d/>
-    <dgm:txPr/>
-    <dgm:style>
-      <a:lnRef idx="0">
-        <a:scrgbClr r="0" g="0" b="0"/>
-      </a:lnRef>
-      <a:fillRef idx="3">
-        <a:scrgbClr r="0" g="0" b="0"/>
-      </a:fillRef>
-      <a:effectRef idx="2">
-        <a:scrgbClr r="0" g="0" b="0"/>
-      </a:effectRef>
-      <a:fontRef idx="minor">
-        <a:schemeClr val="lt1"/>
-      </a:fontRef>
-    </dgm:style>
-  </dgm:styleLbl>
-  <dgm:styleLbl name="fgSibTrans2D1">
-    <dgm:scene3d>
-      <a:camera prst="orthographicFront"/>
-      <a:lightRig rig="threePt" dir="t"/>
-    </dgm:scene3d>
-    <dgm:sp3d/>
-    <dgm:txPr/>
-    <dgm:style>
-      <a:lnRef idx="0">
-        <a:scrgbClr r="0" g="0" b="0"/>
-      </a:lnRef>
-      <a:fillRef idx="3">
-        <a:scrgbClr r="0" g="0" b="0"/>
-      </a:fillRef>
-      <a:effectRef idx="2">
-        <a:scrgbClr r="0" g="0" b="0"/>
-      </a:effectRef>
-      <a:fontRef idx="minor">
-        <a:schemeClr val="lt1"/>
-      </a:fontRef>
-    </dgm:style>
-  </dgm:styleLbl>
-  <dgm:styleLbl name="bgSibTrans2D1">
-    <dgm:scene3d>
-      <a:camera prst="orthographicFront"/>
-      <a:lightRig rig="threePt" dir="t"/>
-    </dgm:scene3d>
-    <dgm:sp3d/>
-    <dgm:txPr/>
-    <dgm:style>
-      <a:lnRef idx="0">
-        <a:scrgbClr r="0" g="0" b="0"/>
-      </a:lnRef>
-      <a:fillRef idx="3">
-        <a:scrgbClr r="0" g="0" b="0"/>
-      </a:fillRef>
-      <a:effectRef idx="2">
-        <a:scrgbClr r="0" g="0" b="0"/>
-      </a:effectRef>
-      <a:fontRef idx="minor">
-        <a:schemeClr val="lt1"/>
-      </a:fontRef>
-    </dgm:style>
-  </dgm:styleLbl>
-  <dgm:styleLbl name="sibTrans1D1">
-    <dgm:scene3d>
-      <a:camera prst="orthographicFront"/>
-      <a:lightRig rig="threePt" dir="t"/>
-    </dgm:scene3d>
-    <dgm:sp3d/>
-    <dgm:txPr/>
-    <dgm:style>
-      <a:lnRef idx="1">
-        <a:scrgbClr r="0" g="0" b="0"/>
-      </a:lnRef>
-      <a:fillRef idx="0">
-        <a:scrgbClr r="0" g="0" b="0"/>
-      </a:fillRef>
-      <a:effectRef idx="0">
-        <a:scrgbClr r="0" g="0" b="0"/>
-      </a:effectRef>
-      <a:fontRef idx="minor"/>
-    </dgm:style>
-  </dgm:styleLbl>
-  <dgm:styleLbl name="callout">
-    <dgm:scene3d>
-      <a:camera prst="orthographicFront"/>
-      <a:lightRig rig="threePt" dir="t"/>
-    </dgm:scene3d>
-    <dgm:sp3d/>
-    <dgm:txPr/>
-    <dgm:style>
-      <a:lnRef idx="2">
-        <a:scrgbClr r="0" g="0" b="0"/>
-      </a:lnRef>
-      <a:fillRef idx="1">
-        <a:scrgbClr r="0" g="0" b="0"/>
-      </a:fillRef>
-      <a:effectRef idx="1">
-        <a:scrgbClr r="0" g="0" b="0"/>
-      </a:effectRef>
-      <a:fontRef idx="minor"/>
-    </dgm:style>
-  </dgm:styleLbl>
-  <dgm:styleLbl name="asst0">
-    <dgm:scene3d>
-      <a:camera prst="orthographicFront"/>
-      <a:lightRig rig="threePt" dir="t"/>
-    </dgm:scene3d>
-    <dgm:sp3d/>
-    <dgm:txPr/>
-    <dgm:style>
-      <a:lnRef idx="0">
-        <a:scrgbClr r="0" g="0" b="0"/>
-      </a:lnRef>
-      <a:fillRef idx="3">
-        <a:scrgbClr r="0" g="0" b="0"/>
-      </a:fillRef>
-      <a:effectRef idx="2">
-        <a:scrgbClr r="0" g="0" b="0"/>
-      </a:effectRef>
-      <a:fontRef idx="minor">
-        <a:schemeClr val="lt1"/>
-      </a:fontRef>
-    </dgm:style>
-  </dgm:styleLbl>
-  <dgm:styleLbl name="asst1">
-    <dgm:scene3d>
-      <a:camera prst="orthographicFront"/>
-      <a:lightRig rig="threePt" dir="t"/>
-    </dgm:scene3d>
-    <dgm:sp3d/>
-    <dgm:txPr/>
-    <dgm:style>
-      <a:lnRef idx="0">
-        <a:scrgbClr r="0" g="0" b="0"/>
-      </a:lnRef>
-      <a:fillRef idx="3">
-        <a:scrgbClr r="0" g="0" b="0"/>
-      </a:fillRef>
-      <a:effectRef idx="2">
-        <a:scrgbClr r="0" g="0" b="0"/>
-      </a:effectRef>
-      <a:fontRef idx="minor">
-        <a:schemeClr val="lt1"/>
-      </a:fontRef>
-    </dgm:style>
-  </dgm:styleLbl>
-  <dgm:styleLbl name="asst2">
-    <dgm:scene3d>
-      <a:camera prst="orthographicFront"/>
-      <a:lightRig rig="threePt" dir="t"/>
-    </dgm:scene3d>
-    <dgm:sp3d/>
-    <dgm:txPr/>
-    <dgm:style>
-      <a:lnRef idx="0">
-        <a:scrgbClr r="0" g="0" b="0"/>
-      </a:lnRef>
-      <a:fillRef idx="3">
-        <a:scrgbClr r="0" g="0" b="0"/>
-      </a:fillRef>
-      <a:effectRef idx="2">
-        <a:scrgbClr r="0" g="0" b="0"/>
-      </a:effectRef>
-      <a:fontRef idx="minor">
-        <a:schemeClr val="lt1"/>
-      </a:fontRef>
-    </dgm:style>
-  </dgm:styleLbl>
-  <dgm:styleLbl name="asst3">
-    <dgm:scene3d>
-      <a:camera prst="orthographicFront"/>
-      <a:lightRig rig="threePt" dir="t"/>
-    </dgm:scene3d>
-    <dgm:sp3d/>
-    <dgm:txPr/>
-    <dgm:style>
-      <a:lnRef idx="0">
-        <a:scrgbClr r="0" g="0" b="0"/>
-      </a:lnRef>
-      <a:fillRef idx="3">
-        <a:scrgbClr r="0" g="0" b="0"/>
-      </a:fillRef>
-      <a:effectRef idx="2">
-        <a:scrgbClr r="0" g="0" b="0"/>
-      </a:effectRef>
-      <a:fontRef idx="minor">
-        <a:schemeClr val="lt1"/>
-      </a:fontRef>
-    </dgm:style>
-  </dgm:styleLbl>
-  <dgm:styleLbl name="asst4">
-    <dgm:scene3d>
-      <a:camera prst="orthographicFront"/>
-      <a:lightRig rig="threePt" dir="t"/>
-    </dgm:scene3d>
-    <dgm:sp3d/>
-    <dgm:txPr/>
-    <dgm:style>
-      <a:lnRef idx="0">
-        <a:scrgbClr r="0" g="0" b="0"/>
-      </a:lnRef>
-      <a:fillRef idx="3">
-        <a:scrgbClr r="0" g="0" b="0"/>
-      </a:fillRef>
-      <a:effectRef idx="2">
-        <a:scrgbClr r="0" g="0" b="0"/>
-      </a:effectRef>
-      <a:fontRef idx="minor">
-        <a:schemeClr val="lt1"/>
-      </a:fontRef>
-    </dgm:style>
-  </dgm:styleLbl>
-  <dgm:styleLbl name="parChTrans2D1">
-    <dgm:scene3d>
-      <a:camera prst="orthographicFront"/>
-      <a:lightRig rig="threePt" dir="t"/>
-    </dgm:scene3d>
-    <dgm:sp3d/>
-    <dgm:txPr/>
-    <dgm:style>
-      <a:lnRef idx="0">
-        <a:scrgbClr r="0" g="0" b="0"/>
-      </a:lnRef>
-      <a:fillRef idx="3">
-        <a:scrgbClr r="0" g="0" b="0"/>
-      </a:fillRef>
-      <a:effectRef idx="2">
-        <a:scrgbClr r="0" g="0" b="0"/>
-      </a:effectRef>
-      <a:fontRef idx="minor">
-        <a:schemeClr val="lt1"/>
-      </a:fontRef>
-    </dgm:style>
-  </dgm:styleLbl>
-  <dgm:styleLbl name="parChTrans2D2">
-    <dgm:scene3d>
-      <a:camera prst="orthographicFront"/>
-      <a:lightRig rig="threePt" dir="t"/>
-    </dgm:scene3d>
-    <dgm:sp3d/>
-    <dgm:txPr/>
-    <dgm:style>
-      <a:lnRef idx="0">
-        <a:scrgbClr r="0" g="0" b="0"/>
-      </a:lnRef>
-      <a:fillRef idx="3">
-        <a:scrgbClr r="0" g="0" b="0"/>
-      </a:fillRef>
-      <a:effectRef idx="2">
-        <a:scrgbClr r="0" g="0" b="0"/>
-      </a:effectRef>
-      <a:fontRef idx="minor">
-        <a:schemeClr val="lt1"/>
-      </a:fontRef>
-    </dgm:style>
-  </dgm:styleLbl>
-  <dgm:styleLbl name="parChTrans2D3">
-    <dgm:scene3d>
-      <a:camera prst="orthographicFront"/>
-      <a:lightRig rig="threePt" dir="t"/>
-    </dgm:scene3d>
-    <dgm:sp3d/>
-    <dgm:txPr/>
-    <dgm:style>
-      <a:lnRef idx="1">
-        <a:scrgbClr r="0" g="0" b="0"/>
-      </a:lnRef>
-      <a:fillRef idx="3">
-        <a:scrgbClr r="0" g="0" b="0"/>
-      </a:fillRef>
-      <a:effectRef idx="2">
-        <a:scrgbClr r="0" g="0" b="0"/>
-      </a:effectRef>
-      <a:fontRef idx="minor">
-        <a:schemeClr val="lt1"/>
-      </a:fontRef>
-    </dgm:style>
-  </dgm:styleLbl>
-  <dgm:styleLbl name="parChTrans2D4">
-    <dgm:scene3d>
-      <a:camera prst="orthographicFront"/>
-      <a:lightRig rig="threePt" dir="t"/>
-    </dgm:scene3d>
-    <dgm:sp3d/>
-    <dgm:txPr/>
-    <dgm:style>
-      <a:lnRef idx="1">
-        <a:scrgbClr r="0" g="0" b="0"/>
-      </a:lnRef>
-      <a:fillRef idx="3">
-        <a:scrgbClr r="0" g="0" b="0"/>
-      </a:fillRef>
-      <a:effectRef idx="2">
-        <a:scrgbClr r="0" g="0" b="0"/>
-      </a:effectRef>
-      <a:fontRef idx="minor">
-        <a:schemeClr val="lt1"/>
-      </a:fontRef>
-    </dgm:style>
-  </dgm:styleLbl>
-  <dgm:styleLbl name="parChTrans1D1">
-    <dgm:scene3d>
-      <a:camera prst="orthographicFront"/>
-      <a:lightRig rig="threePt" dir="t"/>
-    </dgm:scene3d>
-    <dgm:sp3d/>
-    <dgm:txPr/>
-    <dgm:style>
-      <a:lnRef idx="1">
-        <a:scrgbClr r="0" g="0" b="0"/>
-      </a:lnRef>
-      <a:fillRef idx="0">
-        <a:scrgbClr r="0" g="0" b="0"/>
-      </a:fillRef>
-      <a:effectRef idx="0">
-        <a:scrgbClr r="0" g="0" b="0"/>
-      </a:effectRef>
-      <a:fontRef idx="minor"/>
-    </dgm:style>
-  </dgm:styleLbl>
-  <dgm:styleLbl name="parChTrans1D2">
-    <dgm:scene3d>
-      <a:camera prst="orthographicFront"/>
-      <a:lightRig rig="threePt" dir="t"/>
-    </dgm:scene3d>
-    <dgm:sp3d/>
-    <dgm:txPr/>
-    <dgm:style>
-      <a:lnRef idx="1">
-        <a:scrgbClr r="0" g="0" b="0"/>
-      </a:lnRef>
-      <a:fillRef idx="0">
-        <a:scrgbClr r="0" g="0" b="0"/>
-      </a:fillRef>
-      <a:effectRef idx="0">
-        <a:scrgbClr r="0" g="0" b="0"/>
-      </a:effectRef>
-      <a:fontRef idx="minor"/>
-    </dgm:style>
-  </dgm:styleLbl>
-  <dgm:styleLbl name="parChTrans1D3">
-    <dgm:scene3d>
-      <a:camera prst="orthographicFront"/>
-      <a:lightRig rig="threePt" dir="t"/>
-    </dgm:scene3d>
-    <dgm:sp3d/>
-    <dgm:txPr/>
-    <dgm:style>
-      <a:lnRef idx="1">
-        <a:scrgbClr r="0" g="0" b="0"/>
-      </a:lnRef>
-      <a:fillRef idx="0">
-        <a:scrgbClr r="0" g="0" b="0"/>
-      </a:fillRef>
-      <a:effectRef idx="0">
-        <a:scrgbClr r="0" g="0" b="0"/>
-      </a:effectRef>
-      <a:fontRef idx="minor"/>
-    </dgm:style>
-  </dgm:styleLbl>
-  <dgm:styleLbl name="parChTrans1D4">
-    <dgm:scene3d>
-      <a:camera prst="orthographicFront"/>
-      <a:lightRig rig="threePt" dir="t"/>
-    </dgm:scene3d>
-    <dgm:sp3d/>
-    <dgm:txPr/>
-    <dgm:style>
-      <a:lnRef idx="1">
-        <a:scrgbClr r="0" g="0" b="0"/>
-      </a:lnRef>
-      <a:fillRef idx="0">
-        <a:scrgbClr r="0" g="0" b="0"/>
-      </a:fillRef>
-      <a:effectRef idx="0">
-        <a:scrgbClr r="0" g="0" b="0"/>
-      </a:effectRef>
-      <a:fontRef idx="minor"/>
-    </dgm:style>
-  </dgm:styleLbl>
-  <dgm:styleLbl name="fgAcc1">
-    <dgm:scene3d>
-      <a:camera prst="orthographicFront"/>
-      <a:lightRig rig="threePt" dir="t"/>
-    </dgm:scene3d>
-    <dgm:sp3d/>
-    <dgm:txPr/>
-    <dgm:style>
-      <a:lnRef idx="1">
-        <a:scrgbClr r="0" g="0" b="0"/>
-      </a:lnRef>
-      <a:fillRef idx="1">
-        <a:scrgbClr r="0" g="0" b="0"/>
-      </a:fillRef>
-      <a:effectRef idx="0">
-        <a:scrgbClr r="0" g="0" b="0"/>
-      </a:effectRef>
-      <a:fontRef idx="minor"/>
-    </dgm:style>
-  </dgm:styleLbl>
-  <dgm:styleLbl name="conFgAcc1">
-    <dgm:scene3d>
-      <a:camera prst="orthographicFront"/>
-      <a:lightRig rig="threePt" dir="t"/>
-    </dgm:scene3d>
-    <dgm:sp3d/>
-    <dgm:txPr/>
-    <dgm:style>
-      <a:lnRef idx="1">
-        <a:scrgbClr r="0" g="0" b="0"/>
-      </a:lnRef>
-      <a:fillRef idx="1">
-        <a:scrgbClr r="0" g="0" b="0"/>
-      </a:fillRef>
-      <a:effectRef idx="0">
-        <a:scrgbClr r="0" g="0" b="0"/>
-      </a:effectRef>
-      <a:fontRef idx="minor"/>
-    </dgm:style>
-  </dgm:styleLbl>
-  <dgm:styleLbl name="alignAcc1">
-    <dgm:scene3d>
-      <a:camera prst="orthographicFront"/>
-      <a:lightRig rig="threePt" dir="t"/>
-    </dgm:scene3d>
-    <dgm:sp3d/>
-    <dgm:txPr/>
-    <dgm:style>
-      <a:lnRef idx="1">
-        <a:scrgbClr r="0" g="0" b="0"/>
-      </a:lnRef>
-      <a:fillRef idx="1">
-        <a:scrgbClr r="0" g="0" b="0"/>
-      </a:fillRef>
-      <a:effectRef idx="0">
-        <a:scrgbClr r="0" g="0" b="0"/>
-      </a:effectRef>
-      <a:fontRef idx="minor"/>
-    </dgm:style>
-  </dgm:styleLbl>
-  <dgm:styleLbl name="trAlignAcc1">
-    <dgm:scene3d>
-      <a:camera prst="orthographicFront"/>
-      <a:lightRig rig="threePt" dir="t"/>
-    </dgm:scene3d>
-    <dgm:sp3d/>
-    <dgm:txPr/>
-    <dgm:style>
-      <a:lnRef idx="1">
-        <a:scrgbClr r="0" g="0" b="0"/>
-      </a:lnRef>
-      <a:fillRef idx="1">
-        <a:scrgbClr r="0" g="0" b="0"/>
-      </a:fillRef>
-      <a:effectRef idx="0">
-        <a:scrgbClr r="0" g="0" b="0"/>
-      </a:effectRef>
-      <a:fontRef idx="minor"/>
-    </dgm:style>
-  </dgm:styleLbl>
-  <dgm:styleLbl name="bgAcc1">
-    <dgm:scene3d>
-      <a:camera prst="orthographicFront"/>
-      <a:lightRig rig="threePt" dir="t"/>
-    </dgm:scene3d>
-    <dgm:sp3d/>
-    <dgm:txPr/>
-    <dgm:style>
-      <a:lnRef idx="1">
-        <a:scrgbClr r="0" g="0" b="0"/>
-      </a:lnRef>
-      <a:fillRef idx="1">
-        <a:scrgbClr r="0" g="0" b="0"/>
-      </a:fillRef>
-      <a:effectRef idx="0">
-        <a:scrgbClr r="0" g="0" b="0"/>
-      </a:effectRef>
-      <a:fontRef idx="minor"/>
-    </dgm:style>
-  </dgm:styleLbl>
-  <dgm:styleLbl name="solidFgAcc1">
-    <dgm:scene3d>
-      <a:camera prst="orthographicFront"/>
-      <a:lightRig rig="threePt" dir="t"/>
-    </dgm:scene3d>
-    <dgm:sp3d/>
-    <dgm:txPr/>
-    <dgm:style>
-      <a:lnRef idx="1">
-        <a:scrgbClr r="0" g="0" b="0"/>
-      </a:lnRef>
-      <a:fillRef idx="1">
-        <a:scrgbClr r="0" g="0" b="0"/>
-      </a:fillRef>
-      <a:effectRef idx="0">
-        <a:scrgbClr r="0" g="0" b="0"/>
-      </a:effectRef>
-      <a:fontRef idx="minor"/>
-    </dgm:style>
-  </dgm:styleLbl>
-  <dgm:styleLbl name="solidAlignAcc1">
-    <dgm:scene3d>
-      <a:camera prst="orthographicFront"/>
-      <a:lightRig rig="threePt" dir="t"/>
-    </dgm:scene3d>
-    <dgm:sp3d/>
-    <dgm:txPr/>
-    <dgm:style>
-      <a:lnRef idx="1">
-        <a:scrgbClr r="0" g="0" b="0"/>
-      </a:lnRef>
-      <a:fillRef idx="1">
-        <a:scrgbClr r="0" g="0" b="0"/>
-      </a:fillRef>
-      <a:effectRef idx="0">
-        <a:scrgbClr r="0" g="0" b="0"/>
-      </a:effectRef>
-      <a:fontRef idx="minor"/>
-    </dgm:style>
-  </dgm:styleLbl>
-  <dgm:styleLbl name="solidBgAcc1">
-    <dgm:scene3d>
-      <a:camera prst="orthographicFront"/>
-      <a:lightRig rig="threePt" dir="t"/>
-    </dgm:scene3d>
-    <dgm:sp3d/>
-    <dgm:txPr/>
-    <dgm:style>
-      <a:lnRef idx="1">
-        <a:scrgbClr r="0" g="0" b="0"/>
-      </a:lnRef>
-      <a:fillRef idx="1">
-        <a:scrgbClr r="0" g="0" b="0"/>
-      </a:fillRef>
-      <a:effectRef idx="0">
-        <a:scrgbClr r="0" g="0" b="0"/>
-      </a:effectRef>
-      <a:fontRef idx="minor"/>
-    </dgm:style>
-  </dgm:styleLbl>
-  <dgm:styleLbl name="fgAccFollowNode1">
-    <dgm:scene3d>
-      <a:camera prst="orthographicFront"/>
-      <a:lightRig rig="threePt" dir="t"/>
-    </dgm:scene3d>
-    <dgm:sp3d/>
-    <dgm:txPr/>
-    <dgm:style>
-      <a:lnRef idx="1">
-        <a:scrgbClr r="0" g="0" b="0"/>
-      </a:lnRef>
-      <a:fillRef idx="1">
-        <a:scrgbClr r="0" g="0" b="0"/>
-      </a:fillRef>
-      <a:effectRef idx="0">
-        <a:scrgbClr r="0" g="0" b="0"/>
-      </a:effectRef>
-      <a:fontRef idx="minor"/>
-    </dgm:style>
-  </dgm:styleLbl>
-  <dgm:styleLbl name="alignAccFollowNode1">
-    <dgm:scene3d>
-      <a:camera prst="orthographicFront"/>
-      <a:lightRig rig="threePt" dir="t"/>
-    </dgm:scene3d>
-    <dgm:sp3d/>
-    <dgm:txPr/>
-    <dgm:style>
-      <a:lnRef idx="1">
-        <a:scrgbClr r="0" g="0" b="0"/>
-      </a:lnRef>
-      <a:fillRef idx="1">
-        <a:scrgbClr r="0" g="0" b="0"/>
-      </a:fillRef>
-      <a:effectRef idx="0">
-        <a:scrgbClr r="0" g="0" b="0"/>
-      </a:effectRef>
-      <a:fontRef idx="minor"/>
-    </dgm:style>
-  </dgm:styleLbl>
-  <dgm:styleLbl name="bgAccFollowNode1">
-    <dgm:scene3d>
-      <a:camera prst="orthographicFront"/>
-      <a:lightRig rig="threePt" dir="t"/>
-    </dgm:scene3d>
-    <dgm:sp3d/>
-    <dgm:txPr/>
-    <dgm:style>
-      <a:lnRef idx="1">
-        <a:scrgbClr r="0" g="0" b="0"/>
-      </a:lnRef>
-      <a:fillRef idx="1">
-        <a:scrgbClr r="0" g="0" b="0"/>
-      </a:fillRef>
-      <a:effectRef idx="0">
-        <a:scrgbClr r="0" g="0" b="0"/>
-      </a:effectRef>
-      <a:fontRef idx="minor"/>
-    </dgm:style>
-  </dgm:styleLbl>
-  <dgm:styleLbl name="fgAcc0">
-    <dgm:scene3d>
-      <a:camera prst="orthographicFront"/>
-      <a:lightRig rig="threePt" dir="t"/>
-    </dgm:scene3d>
-    <dgm:sp3d/>
-    <dgm:txPr/>
-    <dgm:style>
-      <a:lnRef idx="1">
-        <a:scrgbClr r="0" g="0" b="0"/>
-      </a:lnRef>
-      <a:fillRef idx="1">
-        <a:scrgbClr r="0" g="0" b="0"/>
-      </a:fillRef>
-      <a:effectRef idx="0">
-        <a:scrgbClr r="0" g="0" b="0"/>
-      </a:effectRef>
-      <a:fontRef idx="minor"/>
-    </dgm:style>
-  </dgm:styleLbl>
-  <dgm:styleLbl name="fgAcc2">
-    <dgm:scene3d>
-      <a:camera prst="orthographicFront"/>
-      <a:lightRig rig="threePt" dir="t"/>
-    </dgm:scene3d>
-    <dgm:sp3d/>
-    <dgm:txPr/>
-    <dgm:style>
-      <a:lnRef idx="1">
-        <a:scrgbClr r="0" g="0" b="0"/>
-      </a:lnRef>
-      <a:fillRef idx="1">
-        <a:scrgbClr r="0" g="0" b="0"/>
-      </a:fillRef>
-      <a:effectRef idx="0">
-        <a:scrgbClr r="0" g="0" b="0"/>
-      </a:effectRef>
-      <a:fontRef idx="minor"/>
-    </dgm:style>
-  </dgm:styleLbl>
-  <dgm:styleLbl name="fgAcc3">
-    <dgm:scene3d>
-      <a:camera prst="orthographicFront"/>
-      <a:lightRig rig="threePt" dir="t"/>
-    </dgm:scene3d>
-    <dgm:sp3d/>
-    <dgm:txPr/>
-    <dgm:style>
-      <a:lnRef idx="1">
-        <a:scrgbClr r="0" g="0" b="0"/>
-      </a:lnRef>
-      <a:fillRef idx="1">
-        <a:scrgbClr r="0" g="0" b="0"/>
-      </a:fillRef>
-      <a:effectRef idx="0">
-        <a:scrgbClr r="0" g="0" b="0"/>
-      </a:effectRef>
-      <a:fontRef idx="minor"/>
-    </dgm:style>
-  </dgm:styleLbl>
-  <dgm:styleLbl name="fgAcc4">
-    <dgm:scene3d>
-      <a:camera prst="orthographicFront"/>
-      <a:lightRig rig="threePt" dir="t"/>
-    </dgm:scene3d>
-    <dgm:sp3d/>
-    <dgm:txPr/>
-    <dgm:style>
-      <a:lnRef idx="1">
-        <a:scrgbClr r="0" g="0" b="0"/>
-      </a:lnRef>
-      <a:fillRef idx="1">
-        <a:scrgbClr r="0" g="0" b="0"/>
-      </a:fillRef>
-      <a:effectRef idx="0">
-        <a:scrgbClr r="0" g="0" b="0"/>
-      </a:effectRef>
-      <a:fontRef idx="minor"/>
-    </dgm:style>
-  </dgm:styleLbl>
-  <dgm:styleLbl name="bgShp">
-    <dgm:scene3d>
-      <a:camera prst="orthographicFront"/>
-      <a:lightRig rig="threePt" dir="t"/>
-    </dgm:scene3d>
-    <dgm:sp3d/>
-    <dgm:txPr/>
-    <dgm:style>
-      <a:lnRef idx="0">
-        <a:scrgbClr r="0" g="0" b="0"/>
-      </a:lnRef>
-      <a:fillRef idx="1">
-        <a:scrgbClr r="0" g="0" b="0"/>
-      </a:fillRef>
-      <a:effectRef idx="2">
-        <a:scrgbClr r="0" g="0" b="0"/>
-      </a:effectRef>
-      <a:fontRef idx="minor"/>
-    </dgm:style>
-  </dgm:styleLbl>
-  <dgm:styleLbl name="dkBgShp">
-    <dgm:scene3d>
-      <a:camera prst="orthographicFront"/>
-      <a:lightRig rig="threePt" dir="t"/>
-    </dgm:scene3d>
-    <dgm:sp3d/>
-    <dgm:txPr/>
-    <dgm:style>
-      <a:lnRef idx="0">
-        <a:scrgbClr r="0" g="0" b="0"/>
-      </a:lnRef>
-      <a:fillRef idx="1">
-        <a:scrgbClr r="0" g="0" b="0"/>
-      </a:fillRef>
-      <a:effectRef idx="2">
-        <a:scrgbClr r="0" g="0" b="0"/>
-      </a:effectRef>
-      <a:fontRef idx="minor"/>
-    </dgm:style>
-  </dgm:styleLbl>
-  <dgm:styleLbl name="trBgShp">
-    <dgm:scene3d>
-      <a:camera prst="orthographicFront"/>
-      <a:lightRig rig="threePt" dir="t"/>
-    </dgm:scene3d>
-    <dgm:sp3d/>
-    <dgm:txPr/>
-    <dgm:style>
-      <a:lnRef idx="0">
-        <a:scrgbClr r="0" g="0" b="0"/>
-      </a:lnRef>
-      <a:fillRef idx="1">
-        <a:scrgbClr r="0" g="0" b="0"/>
-      </a:fillRef>
-      <a:effectRef idx="0">
-        <a:scrgbClr r="0" g="0" b="0"/>
-      </a:effectRef>
-      <a:fontRef idx="minor"/>
-    </dgm:style>
-  </dgm:styleLbl>
-  <dgm:styleLbl name="fgShp">
-    <dgm:scene3d>
-      <a:camera prst="orthographicFront"/>
-      <a:lightRig rig="threePt" dir="t"/>
-    </dgm:scene3d>
-    <dgm:sp3d/>
-    <dgm:txPr/>
-    <dgm:style>
-      <a:lnRef idx="0">
-        <a:scrgbClr r="0" g="0" b="0"/>
-      </a:lnRef>
-      <a:fillRef idx="3">
-        <a:scrgbClr r="0" g="0" b="0"/>
-      </a:fillRef>
-      <a:effectRef idx="2">
-        <a:scrgbClr r="0" g="0" b="0"/>
-      </a:effectRef>
-      <a:fontRef idx="minor"/>
-    </dgm:style>
-  </dgm:styleLbl>
-  <dgm:styleLbl name="revTx">
-    <dgm:scene3d>
-      <a:camera prst="orthographicFront"/>
-      <a:lightRig rig="threePt" dir="t"/>
-    </dgm:scene3d>
-    <dgm:sp3d/>
-    <dgm:txPr/>
-    <dgm:style>
-      <a:lnRef idx="0">
-        <a:scrgbClr r="0" g="0" b="0"/>
-      </a:lnRef>
-      <a:fillRef idx="0">
-        <a:scrgbClr r="0" g="0" b="0"/>
-      </a:fillRef>
-      <a:effectRef idx="0">
-        <a:scrgbClr r="0" g="0" b="0"/>
-      </a:effectRef>
-      <a:fontRef idx="minor"/>
-    </dgm:style>
-  </dgm:styleLbl>
-</dgm:styleDef>
-</file>
-
 <file path=ppt/handoutMasters/handoutMaster1.xml><?xml version="1.0" encoding="utf-8"?>
 <p:handoutMaster xmlns:a="http://schemas.openxmlformats.org/drawingml/2006/main" xmlns:r="http://schemas.openxmlformats.org/officeDocument/2006/relationships" xmlns:p="http://schemas.openxmlformats.org/presentationml/2006/main">
   <p:cSld>
@@ -4601,7 +222,7 @@
           <a:p>
             <a:fld id="{23CEAAF3-9831-450B-8D59-2C09DB96C8FC}" type="datetimeFigureOut">
               <a:rPr lang="en-US"/>
-              <a:t>5/14/2021</a:t>
+              <a:t>5/15/2021</a:t>
             </a:fld>
             <a:endParaRPr/>
           </a:p>
@@ -5110,7 +731,7 @@
               <a:rPr lang="en-US" smtClean="0"/>
               <a:t>1</a:t>
             </a:fld>
-            <a:endParaRPr lang="en-US"/>
+            <a:endParaRPr lang="en-US" dirty="0"/>
           </a:p>
         </p:txBody>
       </p:sp>
@@ -9434,214 +5055,6 @@
 </p:sld>
 </file>
 
-<file path=ppt/slides/slide10.xml><?xml version="1.0" encoding="utf-8"?>
-<p:sld xmlns:a="http://schemas.openxmlformats.org/drawingml/2006/main" xmlns:r="http://schemas.openxmlformats.org/officeDocument/2006/relationships" xmlns:p="http://schemas.openxmlformats.org/presentationml/2006/main">
-  <p:cSld>
-    <p:spTree>
-      <p:nvGrpSpPr>
-        <p:cNvPr id="1" name=""/>
-        <p:cNvGrpSpPr/>
-        <p:nvPr/>
-      </p:nvGrpSpPr>
-      <p:grpSpPr>
-        <a:xfrm>
-          <a:off x="0" y="0"/>
-          <a:ext cx="0" cy="0"/>
-          <a:chOff x="0" y="0"/>
-          <a:chExt cx="0" cy="0"/>
-        </a:xfrm>
-      </p:grpSpPr>
-      <p:sp>
-        <p:nvSpPr>
-          <p:cNvPr id="2" name="Title 1"/>
-          <p:cNvSpPr>
-            <a:spLocks noGrp="1"/>
-          </p:cNvSpPr>
-          <p:nvPr>
-            <p:ph type="title"/>
-          </p:nvPr>
-        </p:nvSpPr>
-        <p:spPr/>
-        <p:txBody>
-          <a:bodyPr/>
-          <a:lstStyle/>
-          <a:p>
-            <a:r>
-              <a:rPr lang="en-US" dirty="0"/>
-              <a:t>Add a Slide Title - 4</a:t>
-            </a:r>
-          </a:p>
-        </p:txBody>
-      </p:sp>
-    </p:spTree>
-    <p:extLst>
-      <p:ext uri="{BB962C8B-B14F-4D97-AF65-F5344CB8AC3E}">
-        <p14:creationId xmlns:p14="http://schemas.microsoft.com/office/powerpoint/2010/main" val="1527004159"/>
-      </p:ext>
-    </p:extLst>
-  </p:cSld>
-  <p:clrMapOvr>
-    <a:masterClrMapping/>
-  </p:clrMapOvr>
-  <mc:AlternateContent xmlns:mc="http://schemas.openxmlformats.org/markup-compatibility/2006" xmlns:p14="http://schemas.microsoft.com/office/powerpoint/2010/main">
-    <mc:Choice Requires="p14">
-      <p:transition spd="med" p14:dur="700">
-        <p:fade/>
-      </p:transition>
-    </mc:Choice>
-    <mc:Fallback xmlns="">
-      <p:transition spd="med">
-        <p:fade/>
-      </p:transition>
-    </mc:Fallback>
-  </mc:AlternateContent>
-</p:sld>
-</file>
-
-<file path=ppt/slides/slide11.xml><?xml version="1.0" encoding="utf-8"?>
-<p:sld xmlns:a="http://schemas.openxmlformats.org/drawingml/2006/main" xmlns:r="http://schemas.openxmlformats.org/officeDocument/2006/relationships" xmlns:p="http://schemas.openxmlformats.org/presentationml/2006/main">
-  <p:cSld>
-    <p:spTree>
-      <p:nvGrpSpPr>
-        <p:cNvPr id="1" name=""/>
-        <p:cNvGrpSpPr/>
-        <p:nvPr/>
-      </p:nvGrpSpPr>
-      <p:grpSpPr>
-        <a:xfrm>
-          <a:off x="0" y="0"/>
-          <a:ext cx="0" cy="0"/>
-          <a:chOff x="0" y="0"/>
-          <a:chExt cx="0" cy="0"/>
-        </a:xfrm>
-      </p:grpSpPr>
-    </p:spTree>
-    <p:extLst>
-      <p:ext uri="{BB962C8B-B14F-4D97-AF65-F5344CB8AC3E}">
-        <p14:creationId xmlns:p14="http://schemas.microsoft.com/office/powerpoint/2010/main" val="1800380133"/>
-      </p:ext>
-    </p:extLst>
-  </p:cSld>
-  <p:clrMapOvr>
-    <a:masterClrMapping/>
-  </p:clrMapOvr>
-  <mc:AlternateContent xmlns:mc="http://schemas.openxmlformats.org/markup-compatibility/2006" xmlns:p14="http://schemas.microsoft.com/office/powerpoint/2010/main">
-    <mc:Choice Requires="p14">
-      <p:transition spd="med" p14:dur="700">
-        <p:fade/>
-      </p:transition>
-    </mc:Choice>
-    <mc:Fallback xmlns="">
-      <p:transition spd="med">
-        <p:fade/>
-      </p:transition>
-    </mc:Fallback>
-  </mc:AlternateContent>
-</p:sld>
-</file>
-
-<file path=ppt/slides/slide12.xml><?xml version="1.0" encoding="utf-8"?>
-<p:sld xmlns:a="http://schemas.openxmlformats.org/drawingml/2006/main" xmlns:r="http://schemas.openxmlformats.org/officeDocument/2006/relationships" xmlns:p="http://schemas.openxmlformats.org/presentationml/2006/main">
-  <p:cSld>
-    <p:spTree>
-      <p:nvGrpSpPr>
-        <p:cNvPr id="1" name=""/>
-        <p:cNvGrpSpPr/>
-        <p:nvPr/>
-      </p:nvGrpSpPr>
-      <p:grpSpPr>
-        <a:xfrm>
-          <a:off x="0" y="0"/>
-          <a:ext cx="0" cy="0"/>
-          <a:chOff x="0" y="0"/>
-          <a:chExt cx="0" cy="0"/>
-        </a:xfrm>
-      </p:grpSpPr>
-      <p:sp>
-        <p:nvSpPr>
-          <p:cNvPr id="2" name="Title 1"/>
-          <p:cNvSpPr>
-            <a:spLocks noGrp="1"/>
-          </p:cNvSpPr>
-          <p:nvPr>
-            <p:ph type="title"/>
-          </p:nvPr>
-        </p:nvSpPr>
-        <p:spPr/>
-        <p:txBody>
-          <a:bodyPr/>
-          <a:lstStyle/>
-          <a:p>
-            <a:r>
-              <a:rPr lang="en-US" dirty="0"/>
-              <a:t>Add a Slide Title - 5</a:t>
-            </a:r>
-          </a:p>
-        </p:txBody>
-      </p:sp>
-      <p:sp>
-        <p:nvSpPr>
-          <p:cNvPr id="4" name="Text Placeholder 3"/>
-          <p:cNvSpPr>
-            <a:spLocks noGrp="1"/>
-          </p:cNvSpPr>
-          <p:nvPr>
-            <p:ph type="body" sz="half" idx="2"/>
-          </p:nvPr>
-        </p:nvSpPr>
-        <p:spPr/>
-        <p:txBody>
-          <a:bodyPr/>
-          <a:lstStyle/>
-          <a:p>
-            <a:endParaRPr lang="en-US"/>
-          </a:p>
-        </p:txBody>
-      </p:sp>
-      <p:sp>
-        <p:nvSpPr>
-          <p:cNvPr id="3" name="Content Placeholder 2"/>
-          <p:cNvSpPr>
-            <a:spLocks noGrp="1"/>
-          </p:cNvSpPr>
-          <p:nvPr>
-            <p:ph idx="1"/>
-          </p:nvPr>
-        </p:nvSpPr>
-        <p:spPr/>
-        <p:txBody>
-          <a:bodyPr/>
-          <a:lstStyle/>
-          <a:p>
-            <a:endParaRPr lang="en-US"/>
-          </a:p>
-        </p:txBody>
-      </p:sp>
-    </p:spTree>
-    <p:extLst>
-      <p:ext uri="{BB962C8B-B14F-4D97-AF65-F5344CB8AC3E}">
-        <p14:creationId xmlns:p14="http://schemas.microsoft.com/office/powerpoint/2010/main" val="3197023440"/>
-      </p:ext>
-    </p:extLst>
-  </p:cSld>
-  <p:clrMapOvr>
-    <a:masterClrMapping/>
-  </p:clrMapOvr>
-  <mc:AlternateContent xmlns:mc="http://schemas.openxmlformats.org/markup-compatibility/2006" xmlns:p14="http://schemas.microsoft.com/office/powerpoint/2010/main">
-    <mc:Choice Requires="p14">
-      <p:transition spd="med" p14:dur="700">
-        <p:fade/>
-      </p:transition>
-    </mc:Choice>
-    <mc:Fallback xmlns="">
-      <p:transition spd="med">
-        <p:fade/>
-      </p:transition>
-    </mc:Fallback>
-  </mc:AlternateContent>
-</p:sld>
-</file>
-
 <file path=ppt/slides/slide2.xml><?xml version="1.0" encoding="utf-8"?>
 <p:sld xmlns:a="http://schemas.openxmlformats.org/drawingml/2006/main" xmlns:r="http://schemas.openxmlformats.org/officeDocument/2006/relationships" xmlns:p="http://schemas.openxmlformats.org/presentationml/2006/main">
   <p:cSld>
@@ -9722,15 +5135,7 @@
           <a:p>
             <a:r>
               <a:rPr lang="ro-RO" dirty="0"/>
-              <a:t>Studiu de </a:t>
-            </a:r>
-            <a:r>
-              <a:rPr lang="ro-RO" dirty="0" err="1"/>
-              <a:t>piata</a:t>
-            </a:r>
-            <a:r>
-              <a:rPr lang="ro-RO" dirty="0"/>
-              <a:t> si abordări existente</a:t>
+              <a:t>Studiu de piața si abordări existente</a:t>
             </a:r>
           </a:p>
           <a:p>
@@ -9828,8 +5233,8 @@
         </p:nvSpPr>
         <p:spPr>
           <a:xfrm>
-            <a:off x="1104900" y="1469136"/>
-            <a:ext cx="9980682" cy="4572000"/>
+            <a:off x="1104900" y="2060448"/>
+            <a:ext cx="9980682" cy="3693319"/>
           </a:xfrm>
           <a:prstGeom prst="rect">
             <a:avLst/>
@@ -9841,6 +5246,109 @@
             <a:spAutoFit/>
           </a:bodyPr>
           <a:lstStyle/>
+          <a:p>
+            <a:r>
+              <a:rPr lang="ro-RO" sz="1800" dirty="0">
+                <a:effectLst/>
+                <a:latin typeface="Calibri" panose="020F0502020204030204" pitchFamily="34" charset="0"/>
+                <a:ea typeface="Times New Roman" panose="02020603050405020304" pitchFamily="18" charset="0"/>
+                <a:cs typeface="Times New Roman" panose="02020603050405020304" pitchFamily="18" charset="0"/>
+              </a:rPr>
+              <a:t>Scopul acestui proiect a fost de a implementa un mecanism rapid, portabil, ușor de instalat, si gratis de detecție a fișierelor malițioase ce pot apărea pe un sistem </a:t>
+            </a:r>
+            <a:r>
+              <a:rPr lang="ro-RO" sz="1800" b="1" dirty="0">
+                <a:effectLst/>
+                <a:latin typeface="Calibri" panose="020F0502020204030204" pitchFamily="34" charset="0"/>
+                <a:ea typeface="Times New Roman" panose="02020603050405020304" pitchFamily="18" charset="0"/>
+                <a:cs typeface="Times New Roman" panose="02020603050405020304" pitchFamily="18" charset="0"/>
+              </a:rPr>
+              <a:t>Unix</a:t>
+            </a:r>
+            <a:r>
+              <a:rPr lang="ro-RO" sz="1800" dirty="0">
+                <a:effectLst/>
+                <a:latin typeface="Calibri" panose="020F0502020204030204" pitchFamily="34" charset="0"/>
+                <a:ea typeface="Times New Roman" panose="02020603050405020304" pitchFamily="18" charset="0"/>
+                <a:cs typeface="Times New Roman" panose="02020603050405020304" pitchFamily="18" charset="0"/>
+              </a:rPr>
+              <a:t> ca urmare a descărcării de pe Internet sau de pe un dispozitiv extern. Astfel, am urmărit crearea unei soluții de detectare in limbajul </a:t>
+            </a:r>
+            <a:r>
+              <a:rPr lang="ro-RO" sz="1800" b="1" dirty="0">
+                <a:effectLst/>
+                <a:latin typeface="Calibri" panose="020F0502020204030204" pitchFamily="34" charset="0"/>
+                <a:ea typeface="Times New Roman" panose="02020603050405020304" pitchFamily="18" charset="0"/>
+                <a:cs typeface="Times New Roman" panose="02020603050405020304" pitchFamily="18" charset="0"/>
+              </a:rPr>
+              <a:t>Bash</a:t>
+            </a:r>
+            <a:r>
+              <a:rPr lang="ro-RO" sz="1800" dirty="0">
+                <a:effectLst/>
+                <a:latin typeface="Calibri" panose="020F0502020204030204" pitchFamily="34" charset="0"/>
+                <a:ea typeface="Times New Roman" panose="02020603050405020304" pitchFamily="18" charset="0"/>
+                <a:cs typeface="Times New Roman" panose="02020603050405020304" pitchFamily="18" charset="0"/>
+              </a:rPr>
+              <a:t> ce este nativ tuturor sistemelor cu sistem de operare </a:t>
+            </a:r>
+            <a:r>
+              <a:rPr lang="ro-RO" sz="1800" b="1" dirty="0">
+                <a:effectLst/>
+                <a:latin typeface="Calibri" panose="020F0502020204030204" pitchFamily="34" charset="0"/>
+                <a:ea typeface="Times New Roman" panose="02020603050405020304" pitchFamily="18" charset="0"/>
+                <a:cs typeface="Times New Roman" panose="02020603050405020304" pitchFamily="18" charset="0"/>
+              </a:rPr>
+              <a:t>Unix</a:t>
+            </a:r>
+            <a:r>
+              <a:rPr lang="ro-RO" sz="1800" dirty="0">
+                <a:effectLst/>
+                <a:latin typeface="Calibri" panose="020F0502020204030204" pitchFamily="34" charset="0"/>
+                <a:ea typeface="Times New Roman" panose="02020603050405020304" pitchFamily="18" charset="0"/>
+                <a:cs typeface="Times New Roman" panose="02020603050405020304" pitchFamily="18" charset="0"/>
+              </a:rPr>
+              <a:t>, care va servi in implementarea unei arhitecturi client-server (in cazul nostru, mai mulți clienți, un singur server).</a:t>
+            </a:r>
+            <a:endParaRPr lang="en-US" sz="1800" dirty="0">
+              <a:effectLst/>
+              <a:latin typeface="Calibri" panose="020F0502020204030204" pitchFamily="34" charset="0"/>
+              <a:ea typeface="Times New Roman" panose="02020603050405020304" pitchFamily="18" charset="0"/>
+              <a:cs typeface="Times New Roman" panose="02020603050405020304" pitchFamily="18" charset="0"/>
+            </a:endParaRPr>
+          </a:p>
+          <a:p>
+            <a:endParaRPr lang="en-US" dirty="0">
+              <a:latin typeface="Calibri" panose="020F0502020204030204" pitchFamily="34" charset="0"/>
+              <a:ea typeface="Times New Roman" panose="02020603050405020304" pitchFamily="18" charset="0"/>
+              <a:cs typeface="Times New Roman" panose="02020603050405020304" pitchFamily="18" charset="0"/>
+            </a:endParaRPr>
+          </a:p>
+          <a:p>
+            <a:r>
+              <a:rPr lang="ro-RO" sz="1800" dirty="0">
+                <a:effectLst/>
+                <a:latin typeface="Calibri" panose="020F0502020204030204" pitchFamily="34" charset="0"/>
+                <a:ea typeface="Times New Roman" panose="02020603050405020304" pitchFamily="18" charset="0"/>
+                <a:cs typeface="Times New Roman" panose="02020603050405020304" pitchFamily="18" charset="0"/>
+              </a:rPr>
+              <a:t>In urma unei investigări pentru a găsi software echivalent (gratis si disponibil pentru orice sistem Unix), am observat absenta unei astfel de soluții. Din acest motiv, proiectul se adresează dispozitivelor embedded din categoria „Internet of Things”, si urmărește monitorizarea unei rețele de acest tip de dispozitive (clienți IoT) prin intermediul unui software ce va detecta si carantina fișierele malițioase de pe sistem. Serverul va permite, printr-o aplicație web, colectarea si centralizarea alertelor la nivel de rețea.</a:t>
+            </a:r>
+            <a:endParaRPr lang="en-US" sz="1800" dirty="0">
+              <a:effectLst/>
+              <a:latin typeface="Calibri" panose="020F0502020204030204" pitchFamily="34" charset="0"/>
+              <a:ea typeface="Times New Roman" panose="02020603050405020304" pitchFamily="18" charset="0"/>
+              <a:cs typeface="Times New Roman" panose="02020603050405020304" pitchFamily="18" charset="0"/>
+            </a:endParaRPr>
+          </a:p>
+          <a:p>
+            <a:endParaRPr lang="en-US" sz="1800" dirty="0">
+              <a:effectLst/>
+              <a:latin typeface="Calibri" panose="020F0502020204030204" pitchFamily="34" charset="0"/>
+              <a:ea typeface="Times New Roman" panose="02020603050405020304" pitchFamily="18" charset="0"/>
+              <a:cs typeface="Times New Roman" panose="02020603050405020304" pitchFamily="18" charset="0"/>
+            </a:endParaRPr>
+          </a:p>
           <a:p>
             <a:endParaRPr lang="en-US" dirty="0"/>
           </a:p>
@@ -9904,309 +5412,181 @@
           <a:lstStyle/>
           <a:p>
             <a:r>
-              <a:rPr lang="en-US"/>
-              <a:t>Two Content Layout with Table</a:t>
-            </a:r>
-          </a:p>
-        </p:txBody>
-      </p:sp>
-      <p:sp>
-        <p:nvSpPr>
-          <p:cNvPr id="3" name="Content Placeholder 2"/>
-          <p:cNvSpPr>
-            <a:spLocks noGrp="1"/>
-          </p:cNvSpPr>
-          <p:nvPr>
-            <p:ph sz="half" idx="1"/>
-          </p:nvPr>
-        </p:nvSpPr>
-        <p:spPr/>
-        <p:txBody>
-          <a:bodyPr/>
+              <a:rPr lang="ro-RO" dirty="0"/>
+              <a:t>2. Motivație si obiective</a:t>
+            </a:r>
+          </a:p>
+        </p:txBody>
+      </p:sp>
+      <p:sp>
+        <p:nvSpPr>
+          <p:cNvPr id="5" name="TextBox 4">
+            <a:extLst>
+              <a:ext uri="{FF2B5EF4-FFF2-40B4-BE49-F238E27FC236}">
+                <a16:creationId xmlns:a16="http://schemas.microsoft.com/office/drawing/2014/main" id="{9B96D803-AD7D-4D98-85BC-C671FB142D4B}"/>
+              </a:ext>
+            </a:extLst>
+          </p:cNvPr>
+          <p:cNvSpPr txBox="1"/>
+          <p:nvPr/>
+        </p:nvSpPr>
+        <p:spPr>
+          <a:xfrm>
+            <a:off x="1104900" y="2060448"/>
+            <a:ext cx="9980682" cy="4524315"/>
+          </a:xfrm>
+          <a:prstGeom prst="rect">
+            <a:avLst/>
+          </a:prstGeom>
+          <a:noFill/>
+        </p:spPr>
+        <p:txBody>
+          <a:bodyPr wrap="square" rtlCol="0">
+            <a:spAutoFit/>
+          </a:bodyPr>
           <a:lstStyle/>
           <a:p>
             <a:r>
-              <a:rPr lang="en-US" dirty="0"/>
-              <a:t>First bullet point here</a:t>
-            </a:r>
-          </a:p>
-          <a:p>
-            <a:r>
-              <a:rPr lang="en-US" dirty="0"/>
-              <a:t>Second bullet point here</a:t>
-            </a:r>
-          </a:p>
-          <a:p>
-            <a:r>
-              <a:rPr lang="en-US" dirty="0"/>
-              <a:t>Third bullet point here</a:t>
-            </a:r>
-          </a:p>
-        </p:txBody>
-      </p:sp>
-      <p:graphicFrame>
-        <p:nvGraphicFramePr>
-          <p:cNvPr id="16" name="Content Placeholder 15"/>
-          <p:cNvGraphicFramePr>
-            <a:graphicFrameLocks noGrp="1"/>
-          </p:cNvGraphicFramePr>
-          <p:nvPr>
-            <p:ph sz="half" idx="2"/>
-            <p:extLst>
-              <p:ext uri="{D42A27DB-BD31-4B8C-83A1-F6EECF244321}">
-                <p14:modId xmlns:p14="http://schemas.microsoft.com/office/powerpoint/2010/main" val="1139291616"/>
-              </p:ext>
-            </p:extLst>
-          </p:nvPr>
-        </p:nvGraphicFramePr>
-        <p:xfrm>
-          <a:off x="6172200" y="1600200"/>
-          <a:ext cx="4914900" cy="1828800"/>
-        </p:xfrm>
-        <a:graphic>
-          <a:graphicData uri="http://schemas.openxmlformats.org/drawingml/2006/table">
-            <a:tbl>
-              <a:tblPr firstRow="1" bandRow="1">
-                <a:tableStyleId>{5C22544A-7EE6-4342-B048-85BDC9FD1C3A}</a:tableStyleId>
-              </a:tblPr>
-              <a:tblGrid>
-                <a:gridCol w="1638300">
-                  <a:extLst>
-                    <a:ext uri="{9D8B030D-6E8A-4147-A177-3AD203B41FA5}">
-                      <a16:colId xmlns:a16="http://schemas.microsoft.com/office/drawing/2014/main" val="20000"/>
-                    </a:ext>
-                  </a:extLst>
-                </a:gridCol>
-                <a:gridCol w="1638300">
-                  <a:extLst>
-                    <a:ext uri="{9D8B030D-6E8A-4147-A177-3AD203B41FA5}">
-                      <a16:colId xmlns:a16="http://schemas.microsoft.com/office/drawing/2014/main" val="20001"/>
-                    </a:ext>
-                  </a:extLst>
-                </a:gridCol>
-                <a:gridCol w="1638300">
-                  <a:extLst>
-                    <a:ext uri="{9D8B030D-6E8A-4147-A177-3AD203B41FA5}">
-                      <a16:colId xmlns:a16="http://schemas.microsoft.com/office/drawing/2014/main" val="20002"/>
-                    </a:ext>
-                  </a:extLst>
-                </a:gridCol>
-              </a:tblGrid>
-              <a:tr h="457200">
-                <a:tc>
-                  <a:txBody>
-                    <a:bodyPr/>
-                    <a:lstStyle/>
-                    <a:p>
-                      <a:r>
-                        <a:rPr lang="en-US" dirty="0"/>
-                        <a:t>Class</a:t>
-                      </a:r>
-                      <a:endParaRPr dirty="0"/>
-                    </a:p>
-                  </a:txBody>
-                  <a:tcPr anchor="ctr"/>
-                </a:tc>
-                <a:tc>
-                  <a:txBody>
-                    <a:bodyPr/>
-                    <a:lstStyle/>
-                    <a:p>
-                      <a:pPr algn="ctr"/>
-                      <a:r>
-                        <a:rPr dirty="0"/>
-                        <a:t>Group 1</a:t>
-                      </a:r>
-                    </a:p>
-                  </a:txBody>
-                  <a:tcPr anchor="ctr"/>
-                </a:tc>
-                <a:tc>
-                  <a:txBody>
-                    <a:bodyPr/>
-                    <a:lstStyle/>
-                    <a:p>
-                      <a:pPr algn="ctr"/>
-                      <a:r>
-                        <a:rPr dirty="0"/>
-                        <a:t>Group 2</a:t>
-                      </a:r>
-                    </a:p>
-                  </a:txBody>
-                  <a:tcPr anchor="ctr"/>
-                </a:tc>
-                <a:extLst>
-                  <a:ext uri="{0D108BD9-81ED-4DB2-BD59-A6C34878D82A}">
-                    <a16:rowId xmlns:a16="http://schemas.microsoft.com/office/drawing/2014/main" val="10000"/>
-                  </a:ext>
-                </a:extLst>
-              </a:tr>
-              <a:tr h="457200">
-                <a:tc>
-                  <a:txBody>
-                    <a:bodyPr/>
-                    <a:lstStyle/>
-                    <a:p>
-                      <a:r>
-                        <a:rPr dirty="0"/>
-                        <a:t>Class 1</a:t>
-                      </a:r>
-                    </a:p>
-                  </a:txBody>
-                  <a:tcPr anchor="ctr"/>
-                </a:tc>
-                <a:tc>
-                  <a:txBody>
-                    <a:bodyPr/>
-                    <a:lstStyle/>
-                    <a:p>
-                      <a:pPr algn="ctr"/>
-                      <a:r>
-                        <a:rPr dirty="0"/>
-                        <a:t>82</a:t>
-                      </a:r>
-                    </a:p>
-                  </a:txBody>
-                  <a:tcPr anchor="ctr"/>
-                </a:tc>
-                <a:tc>
-                  <a:txBody>
-                    <a:bodyPr/>
-                    <a:lstStyle/>
-                    <a:p>
-                      <a:pPr algn="ctr"/>
-                      <a:r>
-                        <a:t>95</a:t>
-                      </a:r>
-                    </a:p>
-                  </a:txBody>
-                  <a:tcPr anchor="ctr"/>
-                </a:tc>
-                <a:extLst>
-                  <a:ext uri="{0D108BD9-81ED-4DB2-BD59-A6C34878D82A}">
-                    <a16:rowId xmlns:a16="http://schemas.microsoft.com/office/drawing/2014/main" val="10001"/>
-                  </a:ext>
-                </a:extLst>
-              </a:tr>
-              <a:tr h="457200">
-                <a:tc>
-                  <a:txBody>
-                    <a:bodyPr/>
-                    <a:lstStyle/>
-                    <a:p>
-                      <a:r>
-                        <a:t>Class</a:t>
-                      </a:r>
-                      <a:r>
-                        <a:rPr baseline="0"/>
-                        <a:t> 2</a:t>
-                      </a:r>
-                      <a:endParaRPr/>
-                    </a:p>
-                  </a:txBody>
-                  <a:tcPr anchor="ctr"/>
-                </a:tc>
-                <a:tc>
-                  <a:txBody>
-                    <a:bodyPr/>
-                    <a:lstStyle/>
-                    <a:p>
-                      <a:pPr algn="ctr"/>
-                      <a:r>
-                        <a:rPr dirty="0"/>
-                        <a:t>76</a:t>
-                      </a:r>
-                    </a:p>
-                  </a:txBody>
-                  <a:tcPr anchor="ctr"/>
-                </a:tc>
-                <a:tc>
-                  <a:txBody>
-                    <a:bodyPr/>
-                    <a:lstStyle/>
-                    <a:p>
-                      <a:pPr algn="ctr"/>
-                      <a:r>
-                        <a:rPr dirty="0"/>
-                        <a:t>88</a:t>
-                      </a:r>
-                    </a:p>
-                  </a:txBody>
-                  <a:tcPr anchor="ctr"/>
-                </a:tc>
-                <a:extLst>
-                  <a:ext uri="{0D108BD9-81ED-4DB2-BD59-A6C34878D82A}">
-                    <a16:rowId xmlns:a16="http://schemas.microsoft.com/office/drawing/2014/main" val="10002"/>
-                  </a:ext>
-                </a:extLst>
-              </a:tr>
-              <a:tr h="457200">
-                <a:tc>
-                  <a:txBody>
-                    <a:bodyPr/>
-                    <a:lstStyle/>
-                    <a:p>
-                      <a:r>
-                        <a:t>Class 3</a:t>
-                      </a:r>
-                    </a:p>
-                  </a:txBody>
-                  <a:tcPr anchor="ctr"/>
-                </a:tc>
-                <a:tc>
-                  <a:txBody>
-                    <a:bodyPr/>
-                    <a:lstStyle/>
-                    <a:p>
-                      <a:pPr algn="ctr"/>
-                      <a:r>
-                        <a:t>84</a:t>
-                      </a:r>
-                    </a:p>
-                  </a:txBody>
-                  <a:tcPr anchor="ctr"/>
-                </a:tc>
-                <a:tc>
-                  <a:txBody>
-                    <a:bodyPr/>
-                    <a:lstStyle/>
-                    <a:p>
-                      <a:pPr algn="ctr"/>
-                      <a:r>
-                        <a:rPr dirty="0"/>
-                        <a:t>90</a:t>
-                      </a:r>
-                    </a:p>
-                  </a:txBody>
-                  <a:tcPr anchor="ctr"/>
-                </a:tc>
-                <a:extLst>
-                  <a:ext uri="{0D108BD9-81ED-4DB2-BD59-A6C34878D82A}">
-                    <a16:rowId xmlns:a16="http://schemas.microsoft.com/office/drawing/2014/main" val="10003"/>
-                  </a:ext>
-                </a:extLst>
-              </a:tr>
-            </a:tbl>
-          </a:graphicData>
-        </a:graphic>
-      </p:graphicFrame>
+              <a:rPr lang="ro-RO" sz="1800" dirty="0">
+                <a:effectLst/>
+                <a:latin typeface="Calibri" panose="020F0502020204030204" pitchFamily="34" charset="0"/>
+                <a:ea typeface="Times New Roman" panose="02020603050405020304" pitchFamily="18" charset="0"/>
+                <a:cs typeface="Times New Roman" panose="02020603050405020304" pitchFamily="18" charset="0"/>
+              </a:rPr>
+              <a:t>Dorința implementării acestei soluții a venit ca urmare a unei curiozități de creare a unui software de tip </a:t>
+            </a:r>
+            <a:r>
+              <a:rPr lang="ro-RO" sz="1800" b="1" dirty="0">
+                <a:effectLst/>
+                <a:latin typeface="Calibri" panose="020F0502020204030204" pitchFamily="34" charset="0"/>
+                <a:ea typeface="Times New Roman" panose="02020603050405020304" pitchFamily="18" charset="0"/>
+                <a:cs typeface="Times New Roman" panose="02020603050405020304" pitchFamily="18" charset="0"/>
+              </a:rPr>
+              <a:t>antivirus</a:t>
+            </a:r>
+            <a:r>
+              <a:rPr lang="ro-RO" sz="1800" dirty="0">
+                <a:effectLst/>
+                <a:latin typeface="Calibri" panose="020F0502020204030204" pitchFamily="34" charset="0"/>
+                <a:ea typeface="Times New Roman" panose="02020603050405020304" pitchFamily="18" charset="0"/>
+                <a:cs typeface="Times New Roman" panose="02020603050405020304" pitchFamily="18" charset="0"/>
+              </a:rPr>
+              <a:t>, folosind doar resurse gratuite de tipul </a:t>
+            </a:r>
+            <a:r>
+              <a:rPr lang="ro-RO" sz="1800" b="1" dirty="0">
+                <a:effectLst/>
+                <a:latin typeface="Calibri" panose="020F0502020204030204" pitchFamily="34" charset="0"/>
+                <a:ea typeface="Times New Roman" panose="02020603050405020304" pitchFamily="18" charset="0"/>
+                <a:cs typeface="Times New Roman" panose="02020603050405020304" pitchFamily="18" charset="0"/>
+              </a:rPr>
+              <a:t>open-source</a:t>
+            </a:r>
+            <a:r>
+              <a:rPr lang="ro-RO" sz="1800" dirty="0">
+                <a:effectLst/>
+                <a:latin typeface="Calibri" panose="020F0502020204030204" pitchFamily="34" charset="0"/>
+                <a:ea typeface="Times New Roman" panose="02020603050405020304" pitchFamily="18" charset="0"/>
+                <a:cs typeface="Times New Roman" panose="02020603050405020304" pitchFamily="18" charset="0"/>
+              </a:rPr>
+              <a:t> care, pe baza unui fișier încărcat, determina daca fișierul este sau nu malițios</a:t>
+            </a:r>
+            <a:r>
+              <a:rPr lang="en-US" sz="1800" dirty="0">
+                <a:effectLst/>
+                <a:latin typeface="Calibri" panose="020F0502020204030204" pitchFamily="34" charset="0"/>
+                <a:ea typeface="Times New Roman" panose="02020603050405020304" pitchFamily="18" charset="0"/>
+                <a:cs typeface="Times New Roman" panose="02020603050405020304" pitchFamily="18" charset="0"/>
+              </a:rPr>
+              <a:t>.</a:t>
+            </a:r>
+          </a:p>
+          <a:p>
+            <a:endParaRPr lang="en-US" dirty="0">
+              <a:latin typeface="Calibri" panose="020F0502020204030204" pitchFamily="34" charset="0"/>
+              <a:ea typeface="Times New Roman" panose="02020603050405020304" pitchFamily="18" charset="0"/>
+              <a:cs typeface="Times New Roman" panose="02020603050405020304" pitchFamily="18" charset="0"/>
+            </a:endParaRPr>
+          </a:p>
+          <a:p>
+            <a:r>
+              <a:rPr lang="ro-RO" sz="1800" dirty="0">
+                <a:effectLst/>
+                <a:latin typeface="Calibri" panose="020F0502020204030204" pitchFamily="34" charset="0"/>
+                <a:ea typeface="Times New Roman" panose="02020603050405020304" pitchFamily="18" charset="0"/>
+                <a:cs typeface="Times New Roman" panose="02020603050405020304" pitchFamily="18" charset="0"/>
+              </a:rPr>
+              <a:t>Prima problema pe care proiectul o abordează e cea a nevoii unui software de tipul antivirus care sa funcționeze pe orice sistem Unix. O a doua problema este cea financiara întrucât pe piața exista astfel de soluții (mult mai complexe)  denumite „Host based Intrusion Detection System” sau „Endpoint detection and response” dar care necesita achiziționarea unui abonament/licențe.</a:t>
+            </a:r>
+            <a:endParaRPr lang="en-US" sz="1800" dirty="0">
+              <a:effectLst/>
+              <a:latin typeface="Calibri" panose="020F0502020204030204" pitchFamily="34" charset="0"/>
+              <a:ea typeface="Times New Roman" panose="02020603050405020304" pitchFamily="18" charset="0"/>
+              <a:cs typeface="Times New Roman" panose="02020603050405020304" pitchFamily="18" charset="0"/>
+            </a:endParaRPr>
+          </a:p>
+          <a:p>
+            <a:endParaRPr lang="en-US" dirty="0">
+              <a:latin typeface="Calibri" panose="020F0502020204030204" pitchFamily="34" charset="0"/>
+              <a:ea typeface="Times New Roman" panose="02020603050405020304" pitchFamily="18" charset="0"/>
+              <a:cs typeface="Times New Roman" panose="02020603050405020304" pitchFamily="18" charset="0"/>
+            </a:endParaRPr>
+          </a:p>
+          <a:p>
+            <a:r>
+              <a:rPr lang="ro-RO" sz="1800" dirty="0">
+                <a:effectLst/>
+                <a:latin typeface="Calibri" panose="020F0502020204030204" pitchFamily="34" charset="0"/>
+                <a:ea typeface="Times New Roman" panose="02020603050405020304" pitchFamily="18" charset="0"/>
+                <a:cs typeface="Times New Roman" panose="02020603050405020304" pitchFamily="18" charset="0"/>
+              </a:rPr>
+              <a:t>Obiectul principal al proiectului este de a reuși cu succes să detectăm și eradicăm fișierele malițioase noi apărute pe mai multe sistem Unix cat si centralizarea grafica a acestor alerte printr-o aplicație web. Succesul proiectului este determinat de existența unei soluții open-source ce expune un API prin care se pot încărca fișiere care, in urma analizei, sunt detectate sau nu a fi malițioase.</a:t>
+            </a:r>
+            <a:endParaRPr lang="en-US" sz="1800" dirty="0">
+              <a:effectLst/>
+              <a:latin typeface="Calibri" panose="020F0502020204030204" pitchFamily="34" charset="0"/>
+              <a:ea typeface="Times New Roman" panose="02020603050405020304" pitchFamily="18" charset="0"/>
+              <a:cs typeface="Times New Roman" panose="02020603050405020304" pitchFamily="18" charset="0"/>
+            </a:endParaRPr>
+          </a:p>
+          <a:p>
+            <a:endParaRPr lang="en-US" sz="1800" dirty="0">
+              <a:effectLst/>
+              <a:latin typeface="Calibri" panose="020F0502020204030204" pitchFamily="34" charset="0"/>
+              <a:ea typeface="Times New Roman" panose="02020603050405020304" pitchFamily="18" charset="0"/>
+              <a:cs typeface="Times New Roman" panose="02020603050405020304" pitchFamily="18" charset="0"/>
+            </a:endParaRPr>
+          </a:p>
+          <a:p>
+            <a:endParaRPr lang="en-US" sz="1800" dirty="0">
+              <a:effectLst/>
+              <a:latin typeface="Calibri" panose="020F0502020204030204" pitchFamily="34" charset="0"/>
+              <a:ea typeface="Times New Roman" panose="02020603050405020304" pitchFamily="18" charset="0"/>
+              <a:cs typeface="Times New Roman" panose="02020603050405020304" pitchFamily="18" charset="0"/>
+            </a:endParaRPr>
+          </a:p>
+          <a:p>
+            <a:endParaRPr lang="en-US" dirty="0"/>
+          </a:p>
+        </p:txBody>
+      </p:sp>
     </p:spTree>
     <p:extLst>
       <p:ext uri="{BB962C8B-B14F-4D97-AF65-F5344CB8AC3E}">
-        <p14:creationId xmlns:p14="http://schemas.microsoft.com/office/powerpoint/2010/main" val="2853788422"/>
+        <p14:creationId xmlns:p14="http://schemas.microsoft.com/office/powerpoint/2010/main" val="2812189418"/>
       </p:ext>
     </p:extLst>
   </p:cSld>
   <p:clrMapOvr>
     <a:masterClrMapping/>
   </p:clrMapOvr>
-  <mc:AlternateContent xmlns:mc="http://schemas.openxmlformats.org/markup-compatibility/2006" xmlns:p14="http://schemas.microsoft.com/office/powerpoint/2010/main">
-    <mc:Choice Requires="p14">
+  <mc:AlternateContent xmlns:mc="http://schemas.openxmlformats.org/markup-compatibility/2006">
+    <mc:Choice xmlns:p14="http://schemas.microsoft.com/office/powerpoint/2010/main" Requires="p14">
       <p:transition spd="med" p14:dur="700">
         <p:fade/>
       </p:transition>
     </mc:Choice>
-    <mc:Fallback xmlns="">
+    <mc:Fallback>
       <p:transition spd="med">
         <p:fade/>
       </p:transition>
@@ -10248,55 +5628,271 @@
           <a:lstStyle/>
           <a:p>
             <a:r>
-              <a:rPr lang="en-US"/>
-              <a:t>Title and Content Layout with SmartArt</a:t>
-            </a:r>
-            <a:endParaRPr lang="en-US" dirty="0"/>
-          </a:p>
-        </p:txBody>
-      </p:sp>
-      <p:graphicFrame>
-        <p:nvGraphicFramePr>
-          <p:cNvPr id="4" name="Content Placeholder 3" descr="Stacked List showing 4 groups arranged from left to right with task descriptions under each group"/>
-          <p:cNvGraphicFramePr>
-            <a:graphicFrameLocks noGrp="1"/>
-          </p:cNvGraphicFramePr>
-          <p:nvPr>
-            <p:ph idx="1"/>
-            <p:extLst>
-              <p:ext uri="{D42A27DB-BD31-4B8C-83A1-F6EECF244321}">
-                <p14:modId xmlns:p14="http://schemas.microsoft.com/office/powerpoint/2010/main" val="1992573085"/>
-              </p:ext>
-            </p:extLst>
-          </p:nvPr>
-        </p:nvGraphicFramePr>
-        <p:xfrm>
-          <a:off x="1104900" y="1600200"/>
-          <a:ext cx="9982200" cy="4572000"/>
-        </p:xfrm>
-        <a:graphic>
-          <a:graphicData uri="http://schemas.openxmlformats.org/drawingml/2006/diagram">
-            <dgm:relIds xmlns:dgm="http://schemas.openxmlformats.org/drawingml/2006/diagram" xmlns:r="http://schemas.openxmlformats.org/officeDocument/2006/relationships" r:dm="rId2" r:lo="rId3" r:qs="rId4" r:cs="rId5"/>
-          </a:graphicData>
-        </a:graphic>
-      </p:graphicFrame>
+              <a:rPr lang="en-US" dirty="0"/>
+              <a:t>3</a:t>
+            </a:r>
+            <a:r>
+              <a:rPr lang="ro-RO" dirty="0"/>
+              <a:t>. Analiza si specificarea cerințelor</a:t>
+            </a:r>
+          </a:p>
+        </p:txBody>
+      </p:sp>
+      <p:sp>
+        <p:nvSpPr>
+          <p:cNvPr id="5" name="TextBox 4">
+            <a:extLst>
+              <a:ext uri="{FF2B5EF4-FFF2-40B4-BE49-F238E27FC236}">
+                <a16:creationId xmlns:a16="http://schemas.microsoft.com/office/drawing/2014/main" id="{9B96D803-AD7D-4D98-85BC-C671FB142D4B}"/>
+              </a:ext>
+            </a:extLst>
+          </p:cNvPr>
+          <p:cNvSpPr txBox="1"/>
+          <p:nvPr/>
+        </p:nvSpPr>
+        <p:spPr>
+          <a:xfrm>
+            <a:off x="1104900" y="2060448"/>
+            <a:ext cx="9980682" cy="3699731"/>
+          </a:xfrm>
+          <a:prstGeom prst="rect">
+            <a:avLst/>
+          </a:prstGeom>
+          <a:noFill/>
+        </p:spPr>
+        <p:txBody>
+          <a:bodyPr wrap="square" rtlCol="0">
+            <a:spAutoFit/>
+          </a:bodyPr>
+          <a:lstStyle/>
+          <a:p>
+            <a:r>
+              <a:rPr lang="ro-RO" sz="1800" dirty="0">
+                <a:effectLst/>
+                <a:latin typeface="Calibri" panose="020F0502020204030204" pitchFamily="34" charset="0"/>
+                <a:ea typeface="Times New Roman" panose="02020603050405020304" pitchFamily="18" charset="0"/>
+                <a:cs typeface="Times New Roman" panose="02020603050405020304" pitchFamily="18" charset="0"/>
+              </a:rPr>
+              <a:t>In implementarea proiectului am ținut cont de următoarele cerințe de produs esențiale oricărei soluții din industria IT:</a:t>
+            </a:r>
+          </a:p>
+          <a:p>
+            <a:pPr marL="800100" lvl="1" indent="-342900" algn="just">
+              <a:lnSpc>
+                <a:spcPct val="115000"/>
+              </a:lnSpc>
+              <a:buFont typeface="Arial" panose="020B0604020202020204" pitchFamily="34" charset="0"/>
+              <a:buChar char="•"/>
+            </a:pPr>
+            <a:r>
+              <a:rPr lang="ro-RO" dirty="0">
+                <a:effectLst/>
+                <a:latin typeface="Calibri" panose="020F0502020204030204" pitchFamily="34" charset="0"/>
+                <a:ea typeface="Times New Roman" panose="02020603050405020304" pitchFamily="18" charset="0"/>
+                <a:cs typeface="Times New Roman" panose="02020603050405020304" pitchFamily="18" charset="0"/>
+              </a:rPr>
+              <a:t>scalabilitate</a:t>
+            </a:r>
+            <a:endParaRPr lang="en-US" dirty="0">
+              <a:effectLst/>
+              <a:latin typeface="Calibri" panose="020F0502020204030204" pitchFamily="34" charset="0"/>
+              <a:ea typeface="Times New Roman" panose="02020603050405020304" pitchFamily="18" charset="0"/>
+              <a:cs typeface="Times New Roman" panose="02020603050405020304" pitchFamily="18" charset="0"/>
+            </a:endParaRPr>
+          </a:p>
+          <a:p>
+            <a:pPr marL="800100" lvl="1" indent="-342900" algn="just">
+              <a:lnSpc>
+                <a:spcPct val="115000"/>
+              </a:lnSpc>
+              <a:buFont typeface="Arial" panose="020B0604020202020204" pitchFamily="34" charset="0"/>
+              <a:buChar char="•"/>
+            </a:pPr>
+            <a:r>
+              <a:rPr lang="ro-RO" dirty="0">
+                <a:effectLst/>
+                <a:latin typeface="Calibri" panose="020F0502020204030204" pitchFamily="34" charset="0"/>
+                <a:ea typeface="Times New Roman" panose="02020603050405020304" pitchFamily="18" charset="0"/>
+                <a:cs typeface="Times New Roman" panose="02020603050405020304" pitchFamily="18" charset="0"/>
+              </a:rPr>
+              <a:t>disponibilitate</a:t>
+            </a:r>
+            <a:endParaRPr lang="en-US" dirty="0">
+              <a:effectLst/>
+              <a:latin typeface="Calibri" panose="020F0502020204030204" pitchFamily="34" charset="0"/>
+              <a:ea typeface="Times New Roman" panose="02020603050405020304" pitchFamily="18" charset="0"/>
+              <a:cs typeface="Times New Roman" panose="02020603050405020304" pitchFamily="18" charset="0"/>
+            </a:endParaRPr>
+          </a:p>
+          <a:p>
+            <a:pPr marL="800100" lvl="1" indent="-342900" algn="just">
+              <a:lnSpc>
+                <a:spcPct val="115000"/>
+              </a:lnSpc>
+              <a:buFont typeface="Arial" panose="020B0604020202020204" pitchFamily="34" charset="0"/>
+              <a:buChar char="•"/>
+            </a:pPr>
+            <a:r>
+              <a:rPr lang="ro-RO" dirty="0">
+                <a:effectLst/>
+                <a:latin typeface="Calibri" panose="020F0502020204030204" pitchFamily="34" charset="0"/>
+                <a:ea typeface="Times New Roman" panose="02020603050405020304" pitchFamily="18" charset="0"/>
+                <a:cs typeface="Times New Roman" panose="02020603050405020304" pitchFamily="18" charset="0"/>
+              </a:rPr>
+              <a:t>viteza cat mai ridicata a procesării</a:t>
+            </a:r>
+            <a:endParaRPr lang="en-US" dirty="0">
+              <a:effectLst/>
+              <a:latin typeface="Calibri" panose="020F0502020204030204" pitchFamily="34" charset="0"/>
+              <a:ea typeface="Times New Roman" panose="02020603050405020304" pitchFamily="18" charset="0"/>
+              <a:cs typeface="Times New Roman" panose="02020603050405020304" pitchFamily="18" charset="0"/>
+            </a:endParaRPr>
+          </a:p>
+          <a:p>
+            <a:pPr marL="800100" lvl="1" indent="-342900" algn="just">
+              <a:lnSpc>
+                <a:spcPct val="115000"/>
+              </a:lnSpc>
+              <a:buFont typeface="Arial" panose="020B0604020202020204" pitchFamily="34" charset="0"/>
+              <a:buChar char="•"/>
+            </a:pPr>
+            <a:r>
+              <a:rPr lang="ro-RO" dirty="0">
+                <a:effectLst/>
+                <a:latin typeface="Calibri" panose="020F0502020204030204" pitchFamily="34" charset="0"/>
+                <a:ea typeface="Times New Roman" panose="02020603050405020304" pitchFamily="18" charset="0"/>
+                <a:cs typeface="Times New Roman" panose="02020603050405020304" pitchFamily="18" charset="0"/>
+              </a:rPr>
+              <a:t>costuri cat mai reduse</a:t>
+            </a:r>
+            <a:endParaRPr lang="en-US" dirty="0">
+              <a:effectLst/>
+              <a:latin typeface="Calibri" panose="020F0502020204030204" pitchFamily="34" charset="0"/>
+              <a:ea typeface="Times New Roman" panose="02020603050405020304" pitchFamily="18" charset="0"/>
+              <a:cs typeface="Times New Roman" panose="02020603050405020304" pitchFamily="18" charset="0"/>
+            </a:endParaRPr>
+          </a:p>
+          <a:p>
+            <a:pPr marL="800100" lvl="1" indent="-342900" algn="just">
+              <a:lnSpc>
+                <a:spcPct val="115000"/>
+              </a:lnSpc>
+              <a:buFont typeface="Arial" panose="020B0604020202020204" pitchFamily="34" charset="0"/>
+              <a:buChar char="•"/>
+            </a:pPr>
+            <a:r>
+              <a:rPr lang="ro-RO" dirty="0">
+                <a:effectLst/>
+                <a:latin typeface="Calibri" panose="020F0502020204030204" pitchFamily="34" charset="0"/>
+                <a:ea typeface="Times New Roman" panose="02020603050405020304" pitchFamily="18" charset="0"/>
+                <a:cs typeface="Times New Roman" panose="02020603050405020304" pitchFamily="18" charset="0"/>
+              </a:rPr>
+              <a:t>resurse de calcul cat mai scăzute (evitare overhead)</a:t>
+            </a:r>
+            <a:endParaRPr lang="en-US" dirty="0">
+              <a:effectLst/>
+              <a:latin typeface="Calibri" panose="020F0502020204030204" pitchFamily="34" charset="0"/>
+              <a:ea typeface="Times New Roman" panose="02020603050405020304" pitchFamily="18" charset="0"/>
+              <a:cs typeface="Times New Roman" panose="02020603050405020304" pitchFamily="18" charset="0"/>
+            </a:endParaRPr>
+          </a:p>
+          <a:p>
+            <a:pPr marL="800100" lvl="1" indent="-342900" algn="just">
+              <a:lnSpc>
+                <a:spcPct val="115000"/>
+              </a:lnSpc>
+              <a:spcAft>
+                <a:spcPts val="800"/>
+              </a:spcAft>
+              <a:buFont typeface="Arial" panose="020B0604020202020204" pitchFamily="34" charset="0"/>
+              <a:buChar char="•"/>
+            </a:pPr>
+            <a:r>
+              <a:rPr lang="ro-RO" dirty="0">
+                <a:effectLst/>
+                <a:latin typeface="Calibri" panose="020F0502020204030204" pitchFamily="34" charset="0"/>
+                <a:ea typeface="Times New Roman" panose="02020603050405020304" pitchFamily="18" charset="0"/>
+                <a:cs typeface="Times New Roman" panose="02020603050405020304" pitchFamily="18" charset="0"/>
+              </a:rPr>
+              <a:t>ușor de instalat si configurat</a:t>
+            </a:r>
+            <a:endParaRPr lang="en-US" dirty="0">
+              <a:effectLst/>
+              <a:latin typeface="Calibri" panose="020F0502020204030204" pitchFamily="34" charset="0"/>
+              <a:ea typeface="Times New Roman" panose="02020603050405020304" pitchFamily="18" charset="0"/>
+              <a:cs typeface="Times New Roman" panose="02020603050405020304" pitchFamily="18" charset="0"/>
+            </a:endParaRPr>
+          </a:p>
+          <a:p>
+            <a:pPr marL="800100" lvl="1" indent="-342900" algn="just">
+              <a:lnSpc>
+                <a:spcPct val="115000"/>
+              </a:lnSpc>
+              <a:spcAft>
+                <a:spcPts val="800"/>
+              </a:spcAft>
+              <a:buFont typeface="Symbol" panose="05050102010706020507" pitchFamily="18" charset="2"/>
+              <a:buChar char=""/>
+            </a:pPr>
+            <a:endParaRPr lang="en-US" dirty="0">
+              <a:latin typeface="Calibri" panose="020F0502020204030204" pitchFamily="34" charset="0"/>
+              <a:ea typeface="Times New Roman" panose="02020603050405020304" pitchFamily="18" charset="0"/>
+              <a:cs typeface="Times New Roman" panose="02020603050405020304" pitchFamily="18" charset="0"/>
+            </a:endParaRPr>
+          </a:p>
+          <a:p>
+            <a:pPr algn="just">
+              <a:lnSpc>
+                <a:spcPct val="115000"/>
+              </a:lnSpc>
+              <a:spcAft>
+                <a:spcPts val="800"/>
+              </a:spcAft>
+            </a:pPr>
+            <a:r>
+              <a:rPr lang="ro-RO" dirty="0">
+                <a:latin typeface="Calibri" panose="020F0502020204030204" pitchFamily="34" charset="0"/>
+                <a:ea typeface="Times New Roman" panose="02020603050405020304" pitchFamily="18" charset="0"/>
+                <a:cs typeface="Times New Roman" panose="02020603050405020304" pitchFamily="18" charset="0"/>
+              </a:rPr>
+              <a:t>Acestea nu au fost implementate la cel mai optim nivel întrucât, scopul principal al proiectului a fost portabilitatea pe orice s</a:t>
+            </a:r>
+            <a:r>
+              <a:rPr lang="en-US" dirty="0" err="1">
+                <a:latin typeface="Calibri" panose="020F0502020204030204" pitchFamily="34" charset="0"/>
+                <a:ea typeface="Times New Roman" panose="02020603050405020304" pitchFamily="18" charset="0"/>
+                <a:cs typeface="Times New Roman" panose="02020603050405020304" pitchFamily="18" charset="0"/>
+              </a:rPr>
+              <a:t>i</a:t>
+            </a:r>
+            <a:r>
+              <a:rPr lang="ro-RO" dirty="0">
+                <a:latin typeface="Calibri" panose="020F0502020204030204" pitchFamily="34" charset="0"/>
+                <a:ea typeface="Times New Roman" panose="02020603050405020304" pitchFamily="18" charset="0"/>
+                <a:cs typeface="Times New Roman" panose="02020603050405020304" pitchFamily="18" charset="0"/>
+              </a:rPr>
+              <a:t>stem Unix cat si costuri de instalare/rulare zero (gratis).</a:t>
+            </a:r>
+          </a:p>
+        </p:txBody>
+      </p:sp>
     </p:spTree>
     <p:extLst>
       <p:ext uri="{BB962C8B-B14F-4D97-AF65-F5344CB8AC3E}">
-        <p14:creationId xmlns:p14="http://schemas.microsoft.com/office/powerpoint/2010/main" val="4224509479"/>
+        <p14:creationId xmlns:p14="http://schemas.microsoft.com/office/powerpoint/2010/main" val="678825387"/>
       </p:ext>
     </p:extLst>
   </p:cSld>
   <p:clrMapOvr>
     <a:masterClrMapping/>
   </p:clrMapOvr>
-  <mc:AlternateContent xmlns:mc="http://schemas.openxmlformats.org/markup-compatibility/2006" xmlns:p14="http://schemas.microsoft.com/office/powerpoint/2010/main">
-    <mc:Choice Requires="p14">
+  <mc:AlternateContent xmlns:mc="http://schemas.openxmlformats.org/markup-compatibility/2006">
+    <mc:Choice xmlns:p14="http://schemas.microsoft.com/office/powerpoint/2010/main" Requires="p14">
       <p:transition spd="med" p14:dur="700">
         <p:fade/>
       </p:transition>
     </mc:Choice>
-    <mc:Fallback xmlns="">
+    <mc:Fallback>
       <p:transition spd="med">
         <p:fade/>
       </p:transition>
@@ -10339,75 +5935,265 @@
           <a:p>
             <a:r>
               <a:rPr lang="en-US" dirty="0"/>
-              <a:t>Picture with Caption Layout</a:t>
-            </a:r>
-          </a:p>
-        </p:txBody>
-      </p:sp>
-      <p:sp>
-        <p:nvSpPr>
-          <p:cNvPr id="4" name="Text Placeholder 3"/>
-          <p:cNvSpPr>
-            <a:spLocks noGrp="1"/>
-          </p:cNvSpPr>
-          <p:nvPr>
-            <p:ph type="body" sz="half" idx="2"/>
-          </p:nvPr>
-        </p:nvSpPr>
-        <p:spPr/>
-        <p:txBody>
-          <a:bodyPr/>
-          <a:lstStyle/>
-          <a:p>
-            <a:r>
-              <a:rPr lang="en-US" dirty="0"/>
-              <a:t>Caption</a:t>
-            </a:r>
-          </a:p>
-        </p:txBody>
-      </p:sp>
-      <p:pic>
-        <p:nvPicPr>
-          <p:cNvPr id="5" name="Picture Placeholder 4" descr="Close-up of books on shelves with more books blurred in foreground and background"/>
-          <p:cNvPicPr>
-            <a:picLocks noGrp="1" noChangeAspect="1"/>
-          </p:cNvPicPr>
-          <p:nvPr>
-            <p:ph type="pic" idx="1"/>
-          </p:nvPr>
-        </p:nvPicPr>
-        <p:blipFill>
-          <a:blip r:embed="rId2" cstate="print">
+              <a:t>5</a:t>
+            </a:r>
+            <a:r>
+              <a:rPr lang="ro-RO" dirty="0"/>
+              <a:t>. Studiu de piata si abordări existente</a:t>
+            </a:r>
+          </a:p>
+        </p:txBody>
+      </p:sp>
+      <p:sp>
+        <p:nvSpPr>
+          <p:cNvPr id="5" name="TextBox 4">
             <a:extLst>
-              <a:ext uri="{28A0092B-C50C-407E-A947-70E740481C1C}">
-                <a14:useLocalDpi xmlns:a14="http://schemas.microsoft.com/office/drawing/2010/main" val="0"/>
+              <a:ext uri="{FF2B5EF4-FFF2-40B4-BE49-F238E27FC236}">
+                <a16:creationId xmlns:a16="http://schemas.microsoft.com/office/drawing/2014/main" id="{9B96D803-AD7D-4D98-85BC-C671FB142D4B}"/>
               </a:ext>
             </a:extLst>
-          </a:blip>
-          <a:srcRect l="3155" r="3155"/>
-          <a:stretch>
-            <a:fillRect/>
-          </a:stretch>
-        </p:blipFill>
-        <p:spPr/>
-      </p:pic>
+          </p:cNvPr>
+          <p:cNvSpPr txBox="1"/>
+          <p:nvPr/>
+        </p:nvSpPr>
+        <p:spPr>
+          <a:xfrm>
+            <a:off x="1104900" y="2060448"/>
+            <a:ext cx="9980682" cy="3089564"/>
+          </a:xfrm>
+          <a:prstGeom prst="rect">
+            <a:avLst/>
+          </a:prstGeom>
+          <a:noFill/>
+        </p:spPr>
+        <p:txBody>
+          <a:bodyPr wrap="square" rtlCol="0">
+            <a:spAutoFit/>
+          </a:bodyPr>
+          <a:lstStyle/>
+          <a:p>
+            <a:r>
+              <a:rPr lang="ro-RO" dirty="0">
+                <a:latin typeface="Calibri" panose="020F0502020204030204" pitchFamily="34" charset="0"/>
+                <a:ea typeface="Times New Roman" panose="02020603050405020304" pitchFamily="18" charset="0"/>
+                <a:cs typeface="Times New Roman" panose="02020603050405020304" pitchFamily="18" charset="0"/>
+              </a:rPr>
+              <a:t>Produsul nostru, ca si funcționalitate, concurează pe piata cu următoarele categorii de soluții:</a:t>
+            </a:r>
+          </a:p>
+          <a:p>
+            <a:pPr marL="800100" lvl="1" indent="-342900" algn="just">
+              <a:lnSpc>
+                <a:spcPct val="115000"/>
+              </a:lnSpc>
+              <a:buFont typeface="Arial" panose="020B0604020202020204" pitchFamily="34" charset="0"/>
+              <a:buChar char="•"/>
+            </a:pPr>
+            <a:r>
+              <a:rPr lang="ro-RO" dirty="0">
+                <a:effectLst/>
+                <a:latin typeface="Calibri" panose="020F0502020204030204" pitchFamily="34" charset="0"/>
+                <a:ea typeface="Times New Roman" panose="02020603050405020304" pitchFamily="18" charset="0"/>
+                <a:cs typeface="Times New Roman" panose="02020603050405020304" pitchFamily="18" charset="0"/>
+              </a:rPr>
+              <a:t>HIDS (Host Based Intrusion Prevention Systems)</a:t>
+            </a:r>
+            <a:r>
+              <a:rPr lang="en-US" dirty="0">
+                <a:effectLst/>
+                <a:latin typeface="Calibri" panose="020F0502020204030204" pitchFamily="34" charset="0"/>
+                <a:ea typeface="Times New Roman" panose="02020603050405020304" pitchFamily="18" charset="0"/>
+                <a:cs typeface="Times New Roman" panose="02020603050405020304" pitchFamily="18" charset="0"/>
+              </a:rPr>
+              <a:t>: SolarWinds, Splunk, Snort</a:t>
+            </a:r>
+          </a:p>
+          <a:p>
+            <a:pPr marL="800100" lvl="1" indent="-342900" algn="just">
+              <a:lnSpc>
+                <a:spcPct val="115000"/>
+              </a:lnSpc>
+              <a:buFont typeface="Arial" panose="020B0604020202020204" pitchFamily="34" charset="0"/>
+              <a:buChar char="•"/>
+            </a:pPr>
+            <a:r>
+              <a:rPr lang="ro-RO" dirty="0">
+                <a:effectLst/>
+                <a:latin typeface="Calibri" panose="020F0502020204030204" pitchFamily="34" charset="0"/>
+                <a:ea typeface="Times New Roman" panose="02020603050405020304" pitchFamily="18" charset="0"/>
+                <a:cs typeface="Times New Roman" panose="02020603050405020304" pitchFamily="18" charset="0"/>
+              </a:rPr>
+              <a:t>EDR (Endpoint Detection and Response)</a:t>
+            </a:r>
+            <a:r>
+              <a:rPr lang="en-US" dirty="0">
+                <a:effectLst/>
+                <a:latin typeface="Calibri" panose="020F0502020204030204" pitchFamily="34" charset="0"/>
+                <a:ea typeface="Times New Roman" panose="02020603050405020304" pitchFamily="18" charset="0"/>
+                <a:cs typeface="Times New Roman" panose="02020603050405020304" pitchFamily="18" charset="0"/>
+              </a:rPr>
+              <a:t>: Sophos, PaloAlto, CarbonBlack, FireEye</a:t>
+            </a:r>
+          </a:p>
+          <a:p>
+            <a:pPr marL="800100" lvl="1" indent="-342900" algn="just">
+              <a:lnSpc>
+                <a:spcPct val="115000"/>
+              </a:lnSpc>
+              <a:spcAft>
+                <a:spcPts val="800"/>
+              </a:spcAft>
+              <a:buFont typeface="Arial" panose="020B0604020202020204" pitchFamily="34" charset="0"/>
+              <a:buChar char="•"/>
+            </a:pPr>
+            <a:r>
+              <a:rPr lang="ro-RO" dirty="0">
+                <a:effectLst/>
+                <a:latin typeface="Calibri" panose="020F0502020204030204" pitchFamily="34" charset="0"/>
+                <a:ea typeface="Times New Roman" panose="02020603050405020304" pitchFamily="18" charset="0"/>
+                <a:cs typeface="Times New Roman" panose="02020603050405020304" pitchFamily="18" charset="0"/>
+              </a:rPr>
+              <a:t>Tool-uri open-source</a:t>
+            </a:r>
+            <a:r>
+              <a:rPr lang="en-US" dirty="0">
+                <a:effectLst/>
+                <a:latin typeface="Calibri" panose="020F0502020204030204" pitchFamily="34" charset="0"/>
+                <a:ea typeface="Times New Roman" panose="02020603050405020304" pitchFamily="18" charset="0"/>
+                <a:cs typeface="Times New Roman" panose="02020603050405020304" pitchFamily="18" charset="0"/>
+              </a:rPr>
+              <a:t>: Wazuh, scripturi custom</a:t>
+            </a:r>
+          </a:p>
+          <a:p>
+            <a:endParaRPr lang="en-US" dirty="0">
+              <a:latin typeface="Calibri" panose="020F0502020204030204" pitchFamily="34" charset="0"/>
+              <a:ea typeface="Times New Roman" panose="02020603050405020304" pitchFamily="18" charset="0"/>
+              <a:cs typeface="Times New Roman" panose="02020603050405020304" pitchFamily="18" charset="0"/>
+            </a:endParaRPr>
+          </a:p>
+          <a:p>
+            <a:r>
+              <a:rPr lang="ro-RO" dirty="0">
+                <a:latin typeface="Calibri" panose="020F0502020204030204" pitchFamily="34" charset="0"/>
+                <a:ea typeface="Times New Roman" panose="02020603050405020304" pitchFamily="18" charset="0"/>
+                <a:cs typeface="Times New Roman" panose="02020603050405020304" pitchFamily="18" charset="0"/>
+              </a:rPr>
+              <a:t>Si totuși, din ce motive produsul nostru poate concura cu ele?</a:t>
+            </a:r>
+          </a:p>
+          <a:p>
+            <a:pPr marL="285750" indent="-285750">
+              <a:buFont typeface="Arial" panose="020B0604020202020204" pitchFamily="34" charset="0"/>
+              <a:buChar char="•"/>
+            </a:pPr>
+            <a:r>
+              <a:rPr lang="ro-RO" dirty="0">
+                <a:latin typeface="Calibri" panose="020F0502020204030204" pitchFamily="34" charset="0"/>
+                <a:ea typeface="Times New Roman" panose="02020603050405020304" pitchFamily="18" charset="0"/>
+                <a:cs typeface="Times New Roman" panose="02020603050405020304" pitchFamily="18" charset="0"/>
+              </a:rPr>
+              <a:t>complet gratis (majoritatea au un cost aproximativ de 50 dolari / host / an</a:t>
+            </a:r>
+          </a:p>
+          <a:p>
+            <a:pPr marL="285750" indent="-285750">
+              <a:buFont typeface="Arial" panose="020B0604020202020204" pitchFamily="34" charset="0"/>
+              <a:buChar char="•"/>
+            </a:pPr>
+            <a:r>
+              <a:rPr lang="ro-RO" dirty="0">
+                <a:latin typeface="Calibri" panose="020F0502020204030204" pitchFamily="34" charset="0"/>
+                <a:ea typeface="Times New Roman" panose="02020603050405020304" pitchFamily="18" charset="0"/>
+                <a:cs typeface="Times New Roman" panose="02020603050405020304" pitchFamily="18" charset="0"/>
+              </a:rPr>
+              <a:t>portabil pe orice s</a:t>
+            </a:r>
+            <a:r>
+              <a:rPr lang="en-US" dirty="0" err="1">
+                <a:latin typeface="Calibri" panose="020F0502020204030204" pitchFamily="34" charset="0"/>
+                <a:ea typeface="Times New Roman" panose="02020603050405020304" pitchFamily="18" charset="0"/>
+                <a:cs typeface="Times New Roman" panose="02020603050405020304" pitchFamily="18" charset="0"/>
+              </a:rPr>
+              <a:t>i</a:t>
+            </a:r>
+            <a:r>
+              <a:rPr lang="ro-RO" dirty="0">
+                <a:latin typeface="Calibri" panose="020F0502020204030204" pitchFamily="34" charset="0"/>
+                <a:ea typeface="Times New Roman" panose="02020603050405020304" pitchFamily="18" charset="0"/>
+                <a:cs typeface="Times New Roman" panose="02020603050405020304" pitchFamily="18" charset="0"/>
+              </a:rPr>
+              <a:t>stem Unix</a:t>
+            </a:r>
+          </a:p>
+          <a:p>
+            <a:pPr marL="285750" indent="-285750">
+              <a:buFont typeface="Arial" panose="020B0604020202020204" pitchFamily="34" charset="0"/>
+              <a:buChar char="•"/>
+            </a:pPr>
+            <a:r>
+              <a:rPr lang="en-US" dirty="0">
+                <a:latin typeface="Calibri" panose="020F0502020204030204" pitchFamily="34" charset="0"/>
+                <a:ea typeface="Times New Roman" panose="02020603050405020304" pitchFamily="18" charset="0"/>
+                <a:cs typeface="Times New Roman" panose="02020603050405020304" pitchFamily="18" charset="0"/>
+              </a:rPr>
+              <a:t>m</a:t>
+            </a:r>
+            <a:r>
+              <a:rPr lang="ro-RO" dirty="0">
+                <a:latin typeface="Calibri" panose="020F0502020204030204" pitchFamily="34" charset="0"/>
+                <a:ea typeface="Times New Roman" panose="02020603050405020304" pitchFamily="18" charset="0"/>
+                <a:cs typeface="Times New Roman" panose="02020603050405020304" pitchFamily="18" charset="0"/>
+              </a:rPr>
+              <a:t>ai rapid datorita numărului redus de funcționalități si axarea doar pe detectarea de malware</a:t>
+            </a:r>
+            <a:endParaRPr lang="en-US" dirty="0">
+              <a:latin typeface="Calibri" panose="020F0502020204030204" pitchFamily="34" charset="0"/>
+              <a:ea typeface="Times New Roman" panose="02020603050405020304" pitchFamily="18" charset="0"/>
+              <a:cs typeface="Times New Roman" panose="02020603050405020304" pitchFamily="18" charset="0"/>
+            </a:endParaRPr>
+          </a:p>
+          <a:p>
+            <a:pPr marL="285750" indent="-285750">
+              <a:buFont typeface="Arial" panose="020B0604020202020204" pitchFamily="34" charset="0"/>
+              <a:buChar char="•"/>
+            </a:pPr>
+            <a:r>
+              <a:rPr lang="en-US" dirty="0">
+                <a:latin typeface="Calibri" panose="020F0502020204030204" pitchFamily="34" charset="0"/>
+                <a:ea typeface="Times New Roman" panose="02020603050405020304" pitchFamily="18" charset="0"/>
+                <a:cs typeface="Times New Roman" panose="02020603050405020304" pitchFamily="18" charset="0"/>
+              </a:rPr>
+              <a:t>c</a:t>
+            </a:r>
+            <a:r>
+              <a:rPr lang="ro-RO" dirty="0">
+                <a:latin typeface="Calibri" panose="020F0502020204030204" pitchFamily="34" charset="0"/>
+                <a:ea typeface="Times New Roman" panose="02020603050405020304" pitchFamily="18" charset="0"/>
+                <a:cs typeface="Times New Roman" panose="02020603050405020304" pitchFamily="18" charset="0"/>
+              </a:rPr>
+              <a:t>od redus si astfel ușurința înțelegerii si modificării sale</a:t>
+            </a:r>
+          </a:p>
+        </p:txBody>
+      </p:sp>
     </p:spTree>
     <p:extLst>
       <p:ext uri="{BB962C8B-B14F-4D97-AF65-F5344CB8AC3E}">
-        <p14:creationId xmlns:p14="http://schemas.microsoft.com/office/powerpoint/2010/main" val="3683544629"/>
+        <p14:creationId xmlns:p14="http://schemas.microsoft.com/office/powerpoint/2010/main" val="1397415993"/>
       </p:ext>
     </p:extLst>
   </p:cSld>
   <p:clrMapOvr>
     <a:masterClrMapping/>
   </p:clrMapOvr>
-  <mc:AlternateContent xmlns:mc="http://schemas.openxmlformats.org/markup-compatibility/2006" xmlns:p14="http://schemas.microsoft.com/office/powerpoint/2010/main">
-    <mc:Choice Requires="p14">
+  <mc:AlternateContent xmlns:mc="http://schemas.openxmlformats.org/markup-compatibility/2006">
+    <mc:Choice xmlns:p14="http://schemas.microsoft.com/office/powerpoint/2010/main" Requires="p14">
       <p:transition spd="med" p14:dur="700">
         <p:fade/>
       </p:transition>
     </mc:Choice>
-    <mc:Fallback xmlns="">
+    <mc:Fallback>
       <p:transition spd="med">
         <p:fade/>
       </p:transition>
@@ -10440,7 +6226,7 @@
             <a:spLocks noGrp="1"/>
           </p:cNvSpPr>
           <p:nvPr>
-            <p:ph type="ctrTitle"/>
+            <p:ph type="title"/>
           </p:nvPr>
         </p:nvSpPr>
         <p:spPr/>
@@ -10450,47 +6236,221 @@
           <a:p>
             <a:r>
               <a:rPr lang="en-US" dirty="0"/>
-              <a:t>Add a Slide Title - 1</a:t>
-            </a:r>
-          </a:p>
-        </p:txBody>
-      </p:sp>
-      <p:sp>
-        <p:nvSpPr>
-          <p:cNvPr id="3" name="Subtitle 2"/>
-          <p:cNvSpPr>
-            <a:spLocks noGrp="1"/>
-          </p:cNvSpPr>
-          <p:nvPr>
-            <p:ph type="subTitle" idx="1"/>
-          </p:nvPr>
-        </p:nvSpPr>
-        <p:spPr/>
-        <p:txBody>
-          <a:bodyPr/>
+              <a:t>5</a:t>
+            </a:r>
+            <a:r>
+              <a:rPr lang="ro-RO" dirty="0"/>
+              <a:t>. Soluția propusa: arhitectura, cazuri de utilizare, limitări</a:t>
+            </a:r>
+          </a:p>
+        </p:txBody>
+      </p:sp>
+      <p:sp>
+        <p:nvSpPr>
+          <p:cNvPr id="5" name="TextBox 4">
+            <a:extLst>
+              <a:ext uri="{FF2B5EF4-FFF2-40B4-BE49-F238E27FC236}">
+                <a16:creationId xmlns:a16="http://schemas.microsoft.com/office/drawing/2014/main" id="{9B96D803-AD7D-4D98-85BC-C671FB142D4B}"/>
+              </a:ext>
+            </a:extLst>
+          </p:cNvPr>
+          <p:cNvSpPr txBox="1"/>
+          <p:nvPr/>
+        </p:nvSpPr>
+        <p:spPr>
+          <a:xfrm>
+            <a:off x="1104900" y="2060448"/>
+            <a:ext cx="9980682" cy="3501984"/>
+          </a:xfrm>
+          <a:prstGeom prst="rect">
+            <a:avLst/>
+          </a:prstGeom>
+          <a:noFill/>
+        </p:spPr>
+        <p:txBody>
+          <a:bodyPr wrap="square" rtlCol="0">
+            <a:spAutoFit/>
+          </a:bodyPr>
           <a:lstStyle/>
           <a:p>
-            <a:endParaRPr lang="en-US"/>
+            <a:pPr marL="0" marR="0" algn="just">
+              <a:lnSpc>
+                <a:spcPct val="105000"/>
+              </a:lnSpc>
+              <a:spcBef>
+                <a:spcPts val="0"/>
+              </a:spcBef>
+              <a:spcAft>
+                <a:spcPts val="800"/>
+              </a:spcAft>
+            </a:pPr>
+            <a:r>
+              <a:rPr lang="ro-RO" sz="1800" dirty="0">
+                <a:effectLst/>
+                <a:latin typeface="Calibri" panose="020F0502020204030204" pitchFamily="34" charset="0"/>
+                <a:ea typeface="Times New Roman" panose="02020603050405020304" pitchFamily="18" charset="0"/>
+                <a:cs typeface="Times New Roman" panose="02020603050405020304" pitchFamily="18" charset="0"/>
+              </a:rPr>
+              <a:t>Soluția propusa nu are nicio dependință sau componenta hardware întrucât este reprezentata de o multitudine de servicii (software) care trebuie instalate atât pe clienți cat si pe un dispozitiv ce va servi ca si server. Corectitudinea soluției este strâns data de 2 factori:</a:t>
+            </a:r>
+            <a:endParaRPr lang="en-US" sz="1800" dirty="0">
+              <a:effectLst/>
+              <a:latin typeface="Calibri" panose="020F0502020204030204" pitchFamily="34" charset="0"/>
+              <a:ea typeface="Times New Roman" panose="02020603050405020304" pitchFamily="18" charset="0"/>
+              <a:cs typeface="Times New Roman" panose="02020603050405020304" pitchFamily="18" charset="0"/>
+            </a:endParaRPr>
+          </a:p>
+          <a:p>
+            <a:pPr marL="800100" lvl="1" indent="-342900" algn="just">
+              <a:lnSpc>
+                <a:spcPct val="105000"/>
+              </a:lnSpc>
+              <a:buFont typeface="Arial" panose="020B0604020202020204" pitchFamily="34" charset="0"/>
+              <a:buChar char="•"/>
+            </a:pPr>
+            <a:r>
+              <a:rPr lang="ro-RO" dirty="0">
+                <a:effectLst/>
+                <a:latin typeface="Calibri" panose="020F0502020204030204" pitchFamily="34" charset="0"/>
+                <a:ea typeface="Times New Roman" panose="02020603050405020304" pitchFamily="18" charset="0"/>
+                <a:cs typeface="Times New Roman" panose="02020603050405020304" pitchFamily="18" charset="0"/>
+              </a:rPr>
+              <a:t>corectitudinea detecției soluției oferite de HibridAnalysis prin API-ul expus</a:t>
+            </a:r>
+            <a:endParaRPr lang="en-US" dirty="0">
+              <a:effectLst/>
+              <a:latin typeface="Calibri" panose="020F0502020204030204" pitchFamily="34" charset="0"/>
+              <a:ea typeface="Times New Roman" panose="02020603050405020304" pitchFamily="18" charset="0"/>
+              <a:cs typeface="Times New Roman" panose="02020603050405020304" pitchFamily="18" charset="0"/>
+            </a:endParaRPr>
+          </a:p>
+          <a:p>
+            <a:pPr marL="800100" lvl="1" indent="-342900" algn="just">
+              <a:lnSpc>
+                <a:spcPct val="105000"/>
+              </a:lnSpc>
+              <a:spcAft>
+                <a:spcPts val="800"/>
+              </a:spcAft>
+              <a:buFont typeface="Arial" panose="020B0604020202020204" pitchFamily="34" charset="0"/>
+              <a:buChar char="•"/>
+            </a:pPr>
+            <a:r>
+              <a:rPr lang="ro-RO" dirty="0">
+                <a:effectLst/>
+                <a:latin typeface="Calibri" panose="020F0502020204030204" pitchFamily="34" charset="0"/>
+                <a:ea typeface="Times New Roman" panose="02020603050405020304" pitchFamily="18" charset="0"/>
+                <a:cs typeface="Times New Roman" panose="02020603050405020304" pitchFamily="18" charset="0"/>
+              </a:rPr>
+              <a:t>transmiterea corecta si in timp a datelor de la client la API si la server (sa nu fie corupte sau sa nu ajungă deloc)</a:t>
+            </a:r>
+            <a:endParaRPr lang="en-US" dirty="0">
+              <a:effectLst/>
+              <a:latin typeface="Calibri" panose="020F0502020204030204" pitchFamily="34" charset="0"/>
+              <a:ea typeface="Times New Roman" panose="02020603050405020304" pitchFamily="18" charset="0"/>
+              <a:cs typeface="Times New Roman" panose="02020603050405020304" pitchFamily="18" charset="0"/>
+            </a:endParaRPr>
+          </a:p>
+          <a:p>
+            <a:pPr marR="0" lvl="0" algn="just">
+              <a:lnSpc>
+                <a:spcPct val="105000"/>
+              </a:lnSpc>
+              <a:spcBef>
+                <a:spcPts val="0"/>
+              </a:spcBef>
+              <a:spcAft>
+                <a:spcPts val="800"/>
+              </a:spcAft>
+            </a:pPr>
+            <a:r>
+              <a:rPr lang="ro-RO" dirty="0">
+                <a:latin typeface="Calibri" panose="020F0502020204030204" pitchFamily="34" charset="0"/>
+                <a:ea typeface="Times New Roman" panose="02020603050405020304" pitchFamily="18" charset="0"/>
+                <a:cs typeface="Times New Roman" panose="02020603050405020304" pitchFamily="18" charset="0"/>
+              </a:rPr>
+              <a:t>Astfel, limitările soluției vin sunt următoarele:</a:t>
+            </a:r>
+          </a:p>
+          <a:p>
+            <a:pPr marL="742950" lvl="1" indent="-285750" algn="just">
+              <a:lnSpc>
+                <a:spcPct val="105000"/>
+              </a:lnSpc>
+              <a:spcAft>
+                <a:spcPts val="800"/>
+              </a:spcAft>
+              <a:buFont typeface="Arial" panose="020B0604020202020204" pitchFamily="34" charset="0"/>
+              <a:buChar char="•"/>
+            </a:pPr>
+            <a:r>
+              <a:rPr lang="ro-RO" dirty="0">
+                <a:latin typeface="Calibri" panose="020F0502020204030204" pitchFamily="34" charset="0"/>
+                <a:ea typeface="Times New Roman" panose="02020603050405020304" pitchFamily="18" charset="0"/>
+                <a:cs typeface="Times New Roman" panose="02020603050405020304" pitchFamily="18" charset="0"/>
+              </a:rPr>
+              <a:t>Disponibilitatea API-ului oferit de HibridAnalysis (abonament gratis)</a:t>
+            </a:r>
+          </a:p>
+          <a:p>
+            <a:pPr marL="742950" lvl="1" indent="-285750" algn="just">
+              <a:lnSpc>
+                <a:spcPct val="105000"/>
+              </a:lnSpc>
+              <a:spcAft>
+                <a:spcPts val="800"/>
+              </a:spcAft>
+              <a:buFont typeface="Arial" panose="020B0604020202020204" pitchFamily="34" charset="0"/>
+              <a:buChar char="•"/>
+            </a:pPr>
+            <a:r>
+              <a:rPr lang="ro-RO" dirty="0">
+                <a:latin typeface="Calibri" panose="020F0502020204030204" pitchFamily="34" charset="0"/>
+                <a:ea typeface="Times New Roman" panose="02020603050405020304" pitchFamily="18" charset="0"/>
+                <a:cs typeface="Times New Roman" panose="02020603050405020304" pitchFamily="18" charset="0"/>
+              </a:rPr>
+              <a:t>Viteza conexiunii la internet in rețea</a:t>
+            </a:r>
+          </a:p>
+          <a:p>
+            <a:pPr marL="742950" lvl="1" indent="-285750" algn="just">
+              <a:lnSpc>
+                <a:spcPct val="105000"/>
+              </a:lnSpc>
+              <a:spcAft>
+                <a:spcPts val="800"/>
+              </a:spcAft>
+              <a:buFont typeface="Arial" panose="020B0604020202020204" pitchFamily="34" charset="0"/>
+              <a:buChar char="•"/>
+            </a:pPr>
+            <a:r>
+              <a:rPr lang="ro-RO" dirty="0">
+                <a:latin typeface="Calibri" panose="020F0502020204030204" pitchFamily="34" charset="0"/>
+                <a:ea typeface="Times New Roman" panose="02020603050405020304" pitchFamily="18" charset="0"/>
+                <a:cs typeface="Times New Roman" panose="02020603050405020304" pitchFamily="18" charset="0"/>
+              </a:rPr>
+              <a:t>Dimensiunea rețelei (pana in 20 stații)</a:t>
+            </a:r>
           </a:p>
         </p:txBody>
       </p:sp>
     </p:spTree>
     <p:extLst>
       <p:ext uri="{BB962C8B-B14F-4D97-AF65-F5344CB8AC3E}">
-        <p14:creationId xmlns:p14="http://schemas.microsoft.com/office/powerpoint/2010/main" val="1315647518"/>
+        <p14:creationId xmlns:p14="http://schemas.microsoft.com/office/powerpoint/2010/main" val="2235816826"/>
       </p:ext>
     </p:extLst>
   </p:cSld>
   <p:clrMapOvr>
     <a:masterClrMapping/>
   </p:clrMapOvr>
-  <mc:AlternateContent xmlns:mc="http://schemas.openxmlformats.org/markup-compatibility/2006" xmlns:p14="http://schemas.microsoft.com/office/powerpoint/2010/main">
-    <mc:Choice Requires="p14">
+  <mc:AlternateContent xmlns:mc="http://schemas.openxmlformats.org/markup-compatibility/2006">
+    <mc:Choice xmlns:p14="http://schemas.microsoft.com/office/powerpoint/2010/main" Requires="p14">
       <p:transition spd="med" p14:dur="700">
         <p:fade/>
       </p:transition>
     </mc:Choice>
-    <mc:Fallback xmlns="">
+    <mc:Fallback>
       <p:transition spd="med">
         <p:fade/>
       </p:transition>
@@ -10533,47 +6493,218 @@
           <a:p>
             <a:r>
               <a:rPr lang="en-US" dirty="0"/>
-              <a:t>Add a Slide Title - 2</a:t>
-            </a:r>
-          </a:p>
-        </p:txBody>
-      </p:sp>
-      <p:sp>
-        <p:nvSpPr>
-          <p:cNvPr id="3" name="Text Placeholder 2"/>
-          <p:cNvSpPr>
-            <a:spLocks noGrp="1"/>
-          </p:cNvSpPr>
-          <p:nvPr>
-            <p:ph type="body" idx="1"/>
-          </p:nvPr>
-        </p:nvSpPr>
-        <p:spPr/>
-        <p:txBody>
-          <a:bodyPr/>
+              <a:t>6</a:t>
+            </a:r>
+            <a:r>
+              <a:rPr lang="ro-RO" dirty="0"/>
+              <a:t>. </a:t>
+            </a:r>
+            <a:r>
+              <a:rPr lang="en-US" dirty="0"/>
+              <a:t>Demo</a:t>
+            </a:r>
+            <a:endParaRPr lang="ro-RO" dirty="0"/>
+          </a:p>
+        </p:txBody>
+      </p:sp>
+      <p:sp>
+        <p:nvSpPr>
+          <p:cNvPr id="5" name="TextBox 4">
+            <a:extLst>
+              <a:ext uri="{FF2B5EF4-FFF2-40B4-BE49-F238E27FC236}">
+                <a16:creationId xmlns:a16="http://schemas.microsoft.com/office/drawing/2014/main" id="{9B96D803-AD7D-4D98-85BC-C671FB142D4B}"/>
+              </a:ext>
+            </a:extLst>
+          </p:cNvPr>
+          <p:cNvSpPr txBox="1"/>
+          <p:nvPr/>
+        </p:nvSpPr>
+        <p:spPr>
+          <a:xfrm>
+            <a:off x="1104900" y="2060448"/>
+            <a:ext cx="9980682" cy="2920287"/>
+          </a:xfrm>
+          <a:prstGeom prst="rect">
+            <a:avLst/>
+          </a:prstGeom>
+          <a:noFill/>
+        </p:spPr>
+        <p:txBody>
+          <a:bodyPr wrap="square" rtlCol="0">
+            <a:spAutoFit/>
+          </a:bodyPr>
           <a:lstStyle/>
           <a:p>
-            <a:endParaRPr lang="en-US"/>
+            <a:pPr marL="0" marR="0" algn="just">
+              <a:lnSpc>
+                <a:spcPct val="105000"/>
+              </a:lnSpc>
+              <a:spcBef>
+                <a:spcPts val="0"/>
+              </a:spcBef>
+              <a:spcAft>
+                <a:spcPts val="800"/>
+              </a:spcAft>
+            </a:pPr>
+            <a:r>
+              <a:rPr lang="ro-RO" dirty="0">
+                <a:latin typeface="Calibri" panose="020F0502020204030204" pitchFamily="34" charset="0"/>
+                <a:ea typeface="Times New Roman" panose="02020603050405020304" pitchFamily="18" charset="0"/>
+                <a:cs typeface="Times New Roman" panose="02020603050405020304" pitchFamily="18" charset="0"/>
+              </a:rPr>
+              <a:t>Pentru demo, am creat următorul mediu de test:</a:t>
+            </a:r>
+          </a:p>
+          <a:p>
+            <a:pPr marL="285750" marR="0" indent="-285750" algn="just">
+              <a:lnSpc>
+                <a:spcPct val="105000"/>
+              </a:lnSpc>
+              <a:spcBef>
+                <a:spcPts val="0"/>
+              </a:spcBef>
+              <a:spcAft>
+                <a:spcPts val="800"/>
+              </a:spcAft>
+              <a:buFontTx/>
+              <a:buChar char="-"/>
+            </a:pPr>
+            <a:r>
+              <a:rPr lang="ro-RO" dirty="0">
+                <a:latin typeface="Calibri" panose="020F0502020204030204" pitchFamily="34" charset="0"/>
+                <a:ea typeface="Times New Roman" panose="02020603050405020304" pitchFamily="18" charset="0"/>
+                <a:cs typeface="Times New Roman" panose="02020603050405020304" pitchFamily="18" charset="0"/>
+              </a:rPr>
+              <a:t>3 containere de LXD ce deservește ca si client</a:t>
+            </a:r>
+          </a:p>
+          <a:p>
+            <a:pPr marL="285750" marR="0" indent="-285750" algn="just">
+              <a:lnSpc>
+                <a:spcPct val="105000"/>
+              </a:lnSpc>
+              <a:spcBef>
+                <a:spcPts val="0"/>
+              </a:spcBef>
+              <a:spcAft>
+                <a:spcPts val="800"/>
+              </a:spcAft>
+              <a:buFontTx/>
+              <a:buChar char="-"/>
+            </a:pPr>
+            <a:r>
+              <a:rPr lang="ro-RO" dirty="0">
+                <a:latin typeface="Calibri" panose="020F0502020204030204" pitchFamily="34" charset="0"/>
+                <a:ea typeface="Times New Roman" panose="02020603050405020304" pitchFamily="18" charset="0"/>
+                <a:cs typeface="Times New Roman" panose="02020603050405020304" pitchFamily="18" charset="0"/>
+              </a:rPr>
+              <a:t>1 container de LXD ce deservește ca si server</a:t>
+            </a:r>
+          </a:p>
+          <a:p>
+            <a:pPr marL="285750" marR="0" indent="-285750" algn="just">
+              <a:lnSpc>
+                <a:spcPct val="105000"/>
+              </a:lnSpc>
+              <a:spcBef>
+                <a:spcPts val="0"/>
+              </a:spcBef>
+              <a:spcAft>
+                <a:spcPts val="800"/>
+              </a:spcAft>
+              <a:buFontTx/>
+              <a:buChar char="-"/>
+            </a:pPr>
+            <a:r>
+              <a:rPr lang="ro-RO" dirty="0">
+                <a:latin typeface="Calibri" panose="020F0502020204030204" pitchFamily="34" charset="0"/>
+                <a:ea typeface="Times New Roman" panose="02020603050405020304" pitchFamily="18" charset="0"/>
+                <a:cs typeface="Times New Roman" panose="02020603050405020304" pitchFamily="18" charset="0"/>
+              </a:rPr>
+              <a:t>copierea fișierelor pe client folosind SSH</a:t>
+            </a:r>
+            <a:endParaRPr lang="en-US" dirty="0">
+              <a:latin typeface="Calibri" panose="020F0502020204030204" pitchFamily="34" charset="0"/>
+              <a:ea typeface="Times New Roman" panose="02020603050405020304" pitchFamily="18" charset="0"/>
+              <a:cs typeface="Times New Roman" panose="02020603050405020304" pitchFamily="18" charset="0"/>
+            </a:endParaRPr>
+          </a:p>
+          <a:p>
+            <a:pPr marL="285750" marR="0" indent="-285750" algn="just">
+              <a:lnSpc>
+                <a:spcPct val="105000"/>
+              </a:lnSpc>
+              <a:spcBef>
+                <a:spcPts val="0"/>
+              </a:spcBef>
+              <a:spcAft>
+                <a:spcPts val="800"/>
+              </a:spcAft>
+              <a:buFontTx/>
+              <a:buChar char="-"/>
+            </a:pPr>
+            <a:endParaRPr lang="en-US" dirty="0">
+              <a:latin typeface="Calibri" panose="020F0502020204030204" pitchFamily="34" charset="0"/>
+              <a:ea typeface="Times New Roman" panose="02020603050405020304" pitchFamily="18" charset="0"/>
+              <a:cs typeface="Times New Roman" panose="02020603050405020304" pitchFamily="18" charset="0"/>
+            </a:endParaRPr>
+          </a:p>
+          <a:p>
+            <a:pPr marR="0" algn="just">
+              <a:lnSpc>
+                <a:spcPct val="105000"/>
+              </a:lnSpc>
+              <a:spcBef>
+                <a:spcPts val="0"/>
+              </a:spcBef>
+              <a:spcAft>
+                <a:spcPts val="800"/>
+              </a:spcAft>
+            </a:pPr>
+            <a:r>
+              <a:rPr lang="ro-RO" dirty="0">
+                <a:latin typeface="Calibri" panose="020F0502020204030204" pitchFamily="34" charset="0"/>
+                <a:ea typeface="Times New Roman" panose="02020603050405020304" pitchFamily="18" charset="0"/>
+                <a:cs typeface="Times New Roman" panose="02020603050405020304" pitchFamily="18" charset="0"/>
+              </a:rPr>
+              <a:t>Vom urmări daca fișierele malițioase sunt șterse de pe s</a:t>
+            </a:r>
+            <a:r>
+              <a:rPr lang="en-US" dirty="0" err="1">
+                <a:latin typeface="Calibri" panose="020F0502020204030204" pitchFamily="34" charset="0"/>
+                <a:ea typeface="Times New Roman" panose="02020603050405020304" pitchFamily="18" charset="0"/>
+                <a:cs typeface="Times New Roman" panose="02020603050405020304" pitchFamily="18" charset="0"/>
+              </a:rPr>
+              <a:t>i</a:t>
+            </a:r>
+            <a:r>
+              <a:rPr lang="ro-RO" dirty="0">
+                <a:latin typeface="Calibri" panose="020F0502020204030204" pitchFamily="34" charset="0"/>
+                <a:ea typeface="Times New Roman" panose="02020603050405020304" pitchFamily="18" charset="0"/>
+                <a:cs typeface="Times New Roman" panose="02020603050405020304" pitchFamily="18" charset="0"/>
+              </a:rPr>
+              <a:t>stem si daca loguri sunt trimise către server. De asemenea, vom interacționa si cu platforma HibridAnalysis pentru a vedea mai multe detalii despre fișierele malițioase.</a:t>
+            </a:r>
           </a:p>
         </p:txBody>
       </p:sp>
     </p:spTree>
     <p:extLst>
       <p:ext uri="{BB962C8B-B14F-4D97-AF65-F5344CB8AC3E}">
-        <p14:creationId xmlns:p14="http://schemas.microsoft.com/office/powerpoint/2010/main" val="132884364"/>
+        <p14:creationId xmlns:p14="http://schemas.microsoft.com/office/powerpoint/2010/main" val="944958096"/>
       </p:ext>
     </p:extLst>
   </p:cSld>
   <p:clrMapOvr>
     <a:masterClrMapping/>
   </p:clrMapOvr>
-  <mc:AlternateContent xmlns:mc="http://schemas.openxmlformats.org/markup-compatibility/2006" xmlns:p14="http://schemas.microsoft.com/office/powerpoint/2010/main">
-    <mc:Choice Requires="p14">
+  <mc:AlternateContent xmlns:mc="http://schemas.openxmlformats.org/markup-compatibility/2006">
+    <mc:Choice xmlns:p14="http://schemas.microsoft.com/office/powerpoint/2010/main" Requires="p14">
       <p:transition spd="med" p14:dur="700">
         <p:fade/>
       </p:transition>
     </mc:Choice>
-    <mc:Fallback xmlns="">
+    <mc:Fallback>
       <p:transition spd="med">
         <p:fade/>
       </p:transition>
@@ -10606,101 +6737,34 @@
             <a:spLocks noGrp="1"/>
           </p:cNvSpPr>
           <p:nvPr>
-            <p:ph type="title"/>
-          </p:nvPr>
-        </p:nvSpPr>
-        <p:spPr/>
+            <p:ph type="ctrTitle"/>
+          </p:nvPr>
+        </p:nvSpPr>
+        <p:spPr>
+          <a:xfrm>
+            <a:off x="4397883" y="2996183"/>
+            <a:ext cx="3396234" cy="865634"/>
+          </a:xfrm>
+        </p:spPr>
         <p:txBody>
           <a:bodyPr/>
           <a:lstStyle/>
           <a:p>
             <a:r>
+              <a:rPr lang="ro-RO" dirty="0"/>
+              <a:t>Întrebări</a:t>
+            </a:r>
+            <a:r>
               <a:rPr lang="en-US" dirty="0"/>
-              <a:t>Add a Slide Title - 3</a:t>
-            </a:r>
-          </a:p>
-        </p:txBody>
-      </p:sp>
-      <p:sp>
-        <p:nvSpPr>
-          <p:cNvPr id="3" name="Text Placeholder 2"/>
-          <p:cNvSpPr>
-            <a:spLocks noGrp="1"/>
-          </p:cNvSpPr>
-          <p:nvPr>
-            <p:ph type="body" idx="1"/>
-          </p:nvPr>
-        </p:nvSpPr>
-        <p:spPr/>
-        <p:txBody>
-          <a:bodyPr/>
-          <a:lstStyle/>
-          <a:p>
-            <a:endParaRPr lang="en-US"/>
-          </a:p>
-        </p:txBody>
-      </p:sp>
-      <p:sp>
-        <p:nvSpPr>
-          <p:cNvPr id="4" name="Content Placeholder 3"/>
-          <p:cNvSpPr>
-            <a:spLocks noGrp="1"/>
-          </p:cNvSpPr>
-          <p:nvPr>
-            <p:ph sz="half" idx="2"/>
-          </p:nvPr>
-        </p:nvSpPr>
-        <p:spPr/>
-        <p:txBody>
-          <a:bodyPr/>
-          <a:lstStyle/>
-          <a:p>
-            <a:endParaRPr lang="en-US"/>
-          </a:p>
-        </p:txBody>
-      </p:sp>
-      <p:sp>
-        <p:nvSpPr>
-          <p:cNvPr id="5" name="Text Placeholder 4"/>
-          <p:cNvSpPr>
-            <a:spLocks noGrp="1"/>
-          </p:cNvSpPr>
-          <p:nvPr>
-            <p:ph type="body" sz="quarter" idx="3"/>
-          </p:nvPr>
-        </p:nvSpPr>
-        <p:spPr/>
-        <p:txBody>
-          <a:bodyPr/>
-          <a:lstStyle/>
-          <a:p>
-            <a:endParaRPr lang="en-US"/>
-          </a:p>
-        </p:txBody>
-      </p:sp>
-      <p:sp>
-        <p:nvSpPr>
-          <p:cNvPr id="6" name="Content Placeholder 5"/>
-          <p:cNvSpPr>
-            <a:spLocks noGrp="1"/>
-          </p:cNvSpPr>
-          <p:nvPr>
-            <p:ph sz="quarter" idx="4"/>
-          </p:nvPr>
-        </p:nvSpPr>
-        <p:spPr/>
-        <p:txBody>
-          <a:bodyPr/>
-          <a:lstStyle/>
-          <a:p>
-            <a:endParaRPr lang="en-US"/>
+              <a:t>?</a:t>
+            </a:r>
           </a:p>
         </p:txBody>
       </p:sp>
     </p:spTree>
     <p:extLst>
       <p:ext uri="{BB962C8B-B14F-4D97-AF65-F5344CB8AC3E}">
-        <p14:creationId xmlns:p14="http://schemas.microsoft.com/office/powerpoint/2010/main" val="2224495804"/>
+        <p14:creationId xmlns:p14="http://schemas.microsoft.com/office/powerpoint/2010/main" val="1315647518"/>
       </p:ext>
     </p:extLst>
   </p:cSld>
@@ -12510,6 +8574,15 @@
 </file>
 
 <file path=customXml/item2.xml><?xml version="1.0" encoding="utf-8"?>
+<?mso-contentType ?>
+<FormTemplates xmlns="http://schemas.microsoft.com/sharepoint/v3/contenttype/forms">
+  <Display>DocumentLibraryForm</Display>
+  <Edit>AssetEditForm</Edit>
+  <New>DocumentLibraryForm</New>
+</FormTemplates>
+</file>
+
+<file path=customXml/item3.xml><?xml version="1.0" encoding="utf-8"?>
 <p:properties xmlns:p="http://schemas.microsoft.com/office/2006/metadata/properties" xmlns:xsi="http://www.w3.org/2001/XMLSchema-instance" xmlns:pc="http://schemas.microsoft.com/office/infopath/2007/PartnerControls">
   <documentManagement>
     <APDescription xmlns="4873beb7-5857-4685-be1f-d57550cc96cc" xsi:nil="true"/>
@@ -12635,15 +8708,6 @@
 </p:properties>
 </file>
 
-<file path=customXml/item3.xml><?xml version="1.0" encoding="utf-8"?>
-<?mso-contentType ?>
-<FormTemplates xmlns="http://schemas.microsoft.com/sharepoint/v3/contenttype/forms">
-  <Display>DocumentLibraryForm</Display>
-  <Edit>AssetEditForm</Edit>
-  <New>DocumentLibraryForm</New>
-</FormTemplates>
-</file>
-
 <file path=customXml/itemProps1.xml><?xml version="1.0" encoding="utf-8"?>
 <ds:datastoreItem xmlns:ds="http://schemas.openxmlformats.org/officeDocument/2006/customXml" ds:itemID="{28C8B9CA-0273-4370-889A-FC05DA5C2FA5}">
   <ds:schemaRefs>
@@ -12663,6 +8727,14 @@
 </file>
 
 <file path=customXml/itemProps2.xml><?xml version="1.0" encoding="utf-8"?>
+<ds:datastoreItem xmlns:ds="http://schemas.openxmlformats.org/officeDocument/2006/customXml" ds:itemID="{561E720F-F05D-4536-9C34-0CFCED65D3B7}">
+  <ds:schemaRefs>
+    <ds:schemaRef ds:uri="http://schemas.microsoft.com/sharepoint/v3/contenttype/forms"/>
+  </ds:schemaRefs>
+</ds:datastoreItem>
+</file>
+
+<file path=customXml/itemProps3.xml><?xml version="1.0" encoding="utf-8"?>
 <ds:datastoreItem xmlns:ds="http://schemas.openxmlformats.org/officeDocument/2006/customXml" ds:itemID="{8CDDBB83-77C1-4099-A0AA-289882E745E2}">
   <ds:schemaRefs>
     <ds:schemaRef ds:uri="http://purl.org/dc/elements/1.1/"/>
@@ -12676,12 +8748,4 @@
     <ds:schemaRef ds:uri="http://purl.org/dc/dcmitype/"/>
   </ds:schemaRefs>
 </ds:datastoreItem>
-</file>
-
-<file path=customXml/itemProps3.xml><?xml version="1.0" encoding="utf-8"?>
-<ds:datastoreItem xmlns:ds="http://schemas.openxmlformats.org/officeDocument/2006/customXml" ds:itemID="{561E720F-F05D-4536-9C34-0CFCED65D3B7}">
-  <ds:schemaRefs>
-    <ds:schemaRef ds:uri="http://schemas.microsoft.com/sharepoint/v3/contenttype/forms"/>
-  </ds:schemaRefs>
-</ds:datastoreItem>
 </file>
--- a/Embedded Devices Malware Detection, Prevention & Centralization.pptx
+++ b/Embedded Devices Malware Detection, Prevention & Centralization.pptx
@@ -387,7 +387,7 @@
           <a:p>
             <a:fld id="{2D50CD79-FC16-4410-AB61-17F26E6D3BC8}" type="datetimeFigureOut">
               <a:rPr lang="en-US"/>
-              <a:t>5/14/2021</a:t>
+              <a:t>5/15/2021</a:t>
             </a:fld>
             <a:endParaRPr/>
           </a:p>
@@ -1029,7 +1029,7 @@
             <a:fld id="{402B9795-92DC-40DC-A1CA-9A4B349D7824}" type="datetimeFigureOut">
               <a:rPr lang="en-US" smtClean="0"/>
               <a:pPr/>
-              <a:t>5/14/2021</a:t>
+              <a:t>5/15/2021</a:t>
             </a:fld>
             <a:endParaRPr lang="en-US" dirty="0"/>
           </a:p>
@@ -1323,7 +1323,7 @@
           <a:p>
             <a:fld id="{402B9795-92DC-40DC-A1CA-9A4B349D7824}" type="datetimeFigureOut">
               <a:rPr lang="en-US"/>
-              <a:t>5/14/2021</a:t>
+              <a:t>5/15/2021</a:t>
             </a:fld>
             <a:endParaRPr/>
           </a:p>
@@ -1505,7 +1505,7 @@
           <a:p>
             <a:fld id="{402B9795-92DC-40DC-A1CA-9A4B349D7824}" type="datetimeFigureOut">
               <a:rPr lang="en-US"/>
-              <a:t>5/14/2021</a:t>
+              <a:t>5/15/2021</a:t>
             </a:fld>
             <a:endParaRPr/>
           </a:p>
@@ -1697,7 +1697,7 @@
           <a:p>
             <a:fld id="{402B9795-92DC-40DC-A1CA-9A4B349D7824}" type="datetimeFigureOut">
               <a:rPr lang="en-US"/>
-              <a:t>5/14/2021</a:t>
+              <a:t>5/15/2021</a:t>
             </a:fld>
             <a:endParaRPr/>
           </a:p>
@@ -1966,7 +1966,7 @@
           <a:p>
             <a:fld id="{402B9795-92DC-40DC-A1CA-9A4B349D7824}" type="datetimeFigureOut">
               <a:rPr lang="en-US"/>
-              <a:t>5/14/2021</a:t>
+              <a:t>5/15/2021</a:t>
             </a:fld>
             <a:endParaRPr/>
           </a:p>
@@ -2995,7 +2995,7 @@
           <a:p>
             <a:fld id="{402B9795-92DC-40DC-A1CA-9A4B349D7824}" type="datetimeFigureOut">
               <a:rPr lang="en-US"/>
-              <a:t>5/14/2021</a:t>
+              <a:t>5/15/2021</a:t>
             </a:fld>
             <a:endParaRPr/>
           </a:p>
@@ -3268,7 +3268,7 @@
           <a:p>
             <a:fld id="{402B9795-92DC-40DC-A1CA-9A4B349D7824}" type="datetimeFigureOut">
               <a:rPr lang="en-US"/>
-              <a:t>5/14/2021</a:t>
+              <a:t>5/15/2021</a:t>
             </a:fld>
             <a:endParaRPr/>
           </a:p>
@@ -3648,7 +3648,7 @@
           <a:p>
             <a:fld id="{402B9795-92DC-40DC-A1CA-9A4B349D7824}" type="datetimeFigureOut">
               <a:rPr lang="en-US"/>
-              <a:t>5/14/2021</a:t>
+              <a:t>5/15/2021</a:t>
             </a:fld>
             <a:endParaRPr/>
           </a:p>
@@ -3778,7 +3778,7 @@
           <a:p>
             <a:fld id="{402B9795-92DC-40DC-A1CA-9A4B349D7824}" type="datetimeFigureOut">
               <a:rPr lang="en-US"/>
-              <a:t>5/14/2021</a:t>
+              <a:t>5/15/2021</a:t>
             </a:fld>
             <a:endParaRPr/>
           </a:p>
@@ -3885,7 +3885,7 @@
           <a:p>
             <a:fld id="{402B9795-92DC-40DC-A1CA-9A4B349D7824}" type="datetimeFigureOut">
               <a:rPr lang="en-US"/>
-              <a:t>5/14/2021</a:t>
+              <a:t>5/15/2021</a:t>
             </a:fld>
             <a:endParaRPr/>
           </a:p>
@@ -4176,7 +4176,7 @@
           <a:p>
             <a:fld id="{402B9795-92DC-40DC-A1CA-9A4B349D7824}" type="datetimeFigureOut">
               <a:rPr lang="en-US"/>
-              <a:t>5/14/2021</a:t>
+              <a:t>5/15/2021</a:t>
             </a:fld>
             <a:endParaRPr/>
           </a:p>
@@ -4402,7 +4402,7 @@
             <a:fld id="{402B9795-92DC-40DC-A1CA-9A4B349D7824}" type="datetimeFigureOut">
               <a:rPr lang="en-US" smtClean="0"/>
               <a:pPr/>
-              <a:t>5/14/2021</a:t>
+              <a:t>5/15/2021</a:t>
             </a:fld>
             <a:endParaRPr lang="en-US"/>
           </a:p>
@@ -4988,8 +4988,8 @@
         </p:nvSpPr>
         <p:spPr>
           <a:xfrm>
-            <a:off x="3939540" y="3860710"/>
-            <a:ext cx="1735836" cy="407688"/>
+            <a:off x="3389376" y="3860710"/>
+            <a:ext cx="3444240" cy="407688"/>
           </a:xfrm>
         </p:spPr>
         <p:txBody>
@@ -4999,8 +4999,14 @@
           <a:lstStyle/>
           <a:p>
             <a:r>
-              <a:rPr lang="en-US" sz="1600" dirty="0"/>
+              <a:rPr lang="en-US" sz="1000" dirty="0"/>
               <a:t>Andrei Grigoras</a:t>
+            </a:r>
+          </a:p>
+          <a:p>
+            <a:r>
+              <a:rPr lang="ro-RO" sz="1000" dirty="0"/>
+              <a:t>Coordonator științific: Prof. dr. ing. Cornel Popescu</a:t>
             </a:r>
           </a:p>
         </p:txBody>
@@ -5580,13 +5586,13 @@
   <p:clrMapOvr>
     <a:masterClrMapping/>
   </p:clrMapOvr>
-  <mc:AlternateContent xmlns:mc="http://schemas.openxmlformats.org/markup-compatibility/2006">
-    <mc:Choice xmlns:p14="http://schemas.microsoft.com/office/powerpoint/2010/main" Requires="p14">
+  <mc:AlternateContent xmlns:mc="http://schemas.openxmlformats.org/markup-compatibility/2006" xmlns:p14="http://schemas.microsoft.com/office/powerpoint/2010/main">
+    <mc:Choice Requires="p14">
       <p:transition spd="med" p14:dur="700">
         <p:fade/>
       </p:transition>
     </mc:Choice>
-    <mc:Fallback>
+    <mc:Fallback xmlns="">
       <p:transition spd="med">
         <p:fade/>
       </p:transition>
@@ -5886,13 +5892,13 @@
   <p:clrMapOvr>
     <a:masterClrMapping/>
   </p:clrMapOvr>
-  <mc:AlternateContent xmlns:mc="http://schemas.openxmlformats.org/markup-compatibility/2006">
-    <mc:Choice xmlns:p14="http://schemas.microsoft.com/office/powerpoint/2010/main" Requires="p14">
+  <mc:AlternateContent xmlns:mc="http://schemas.openxmlformats.org/markup-compatibility/2006" xmlns:p14="http://schemas.microsoft.com/office/powerpoint/2010/main">
+    <mc:Choice Requires="p14">
       <p:transition spd="med" p14:dur="700">
         <p:fade/>
       </p:transition>
     </mc:Choice>
-    <mc:Fallback>
+    <mc:Fallback xmlns="">
       <p:transition spd="med">
         <p:fade/>
       </p:transition>
@@ -6187,13 +6193,13 @@
   <p:clrMapOvr>
     <a:masterClrMapping/>
   </p:clrMapOvr>
-  <mc:AlternateContent xmlns:mc="http://schemas.openxmlformats.org/markup-compatibility/2006">
-    <mc:Choice xmlns:p14="http://schemas.microsoft.com/office/powerpoint/2010/main" Requires="p14">
+  <mc:AlternateContent xmlns:mc="http://schemas.openxmlformats.org/markup-compatibility/2006" xmlns:p14="http://schemas.microsoft.com/office/powerpoint/2010/main">
+    <mc:Choice Requires="p14">
       <p:transition spd="med" p14:dur="700">
         <p:fade/>
       </p:transition>
     </mc:Choice>
-    <mc:Fallback>
+    <mc:Fallback xmlns="">
       <p:transition spd="med">
         <p:fade/>
       </p:transition>
@@ -6444,13 +6450,13 @@
   <p:clrMapOvr>
     <a:masterClrMapping/>
   </p:clrMapOvr>
-  <mc:AlternateContent xmlns:mc="http://schemas.openxmlformats.org/markup-compatibility/2006">
-    <mc:Choice xmlns:p14="http://schemas.microsoft.com/office/powerpoint/2010/main" Requires="p14">
+  <mc:AlternateContent xmlns:mc="http://schemas.openxmlformats.org/markup-compatibility/2006" xmlns:p14="http://schemas.microsoft.com/office/powerpoint/2010/main">
+    <mc:Choice Requires="p14">
       <p:transition spd="med" p14:dur="700">
         <p:fade/>
       </p:transition>
     </mc:Choice>
-    <mc:Fallback>
+    <mc:Fallback xmlns="">
       <p:transition spd="med">
         <p:fade/>
       </p:transition>
@@ -6698,13 +6704,13 @@
   <p:clrMapOvr>
     <a:masterClrMapping/>
   </p:clrMapOvr>
-  <mc:AlternateContent xmlns:mc="http://schemas.openxmlformats.org/markup-compatibility/2006">
-    <mc:Choice xmlns:p14="http://schemas.microsoft.com/office/powerpoint/2010/main" Requires="p14">
+  <mc:AlternateContent xmlns:mc="http://schemas.openxmlformats.org/markup-compatibility/2006" xmlns:p14="http://schemas.microsoft.com/office/powerpoint/2010/main">
+    <mc:Choice Requires="p14">
       <p:transition spd="med" p14:dur="700">
         <p:fade/>
       </p:transition>
     </mc:Choice>
-    <mc:Fallback>
+    <mc:Fallback xmlns="">
       <p:transition spd="med">
         <p:fade/>
       </p:transition>
@@ -7534,6 +7540,141 @@
 </file>
 
 <file path=customXml/item1.xml><?xml version="1.0" encoding="utf-8"?>
+<p:properties xmlns:p="http://schemas.microsoft.com/office/2006/metadata/properties" xmlns:xsi="http://www.w3.org/2001/XMLSchema-instance" xmlns:pc="http://schemas.microsoft.com/office/infopath/2007/PartnerControls">
+  <documentManagement>
+    <APDescription xmlns="4873beb7-5857-4685-be1f-d57550cc96cc" xsi:nil="true"/>
+    <AssetExpire xmlns="4873beb7-5857-4685-be1f-d57550cc96cc">2029-01-01T08:00:00+00:00</AssetExpire>
+    <CampaignTagsTaxHTField0 xmlns="4873beb7-5857-4685-be1f-d57550cc96cc">
+      <Terms xmlns="http://schemas.microsoft.com/office/infopath/2007/PartnerControls"/>
+    </CampaignTagsTaxHTField0>
+    <IntlLangReviewDate xmlns="4873beb7-5857-4685-be1f-d57550cc96cc" xsi:nil="true"/>
+    <TPFriendlyName xmlns="4873beb7-5857-4685-be1f-d57550cc96cc" xsi:nil="true"/>
+    <IntlLangReview xmlns="4873beb7-5857-4685-be1f-d57550cc96cc">false</IntlLangReview>
+    <LocLastLocAttemptVersionLookup xmlns="4873beb7-5857-4685-be1f-d57550cc96cc">855024</LocLastLocAttemptVersionLookup>
+    <PolicheckWords xmlns="4873beb7-5857-4685-be1f-d57550cc96cc" xsi:nil="true"/>
+    <SubmitterId xmlns="4873beb7-5857-4685-be1f-d57550cc96cc" xsi:nil="true"/>
+    <AcquiredFrom xmlns="4873beb7-5857-4685-be1f-d57550cc96cc">Internal MS</AcquiredFrom>
+    <EditorialStatus xmlns="4873beb7-5857-4685-be1f-d57550cc96cc">Complete</EditorialStatus>
+    <Markets xmlns="4873beb7-5857-4685-be1f-d57550cc96cc"/>
+    <OriginAsset xmlns="4873beb7-5857-4685-be1f-d57550cc96cc" xsi:nil="true"/>
+    <AssetStart xmlns="4873beb7-5857-4685-be1f-d57550cc96cc">2012-08-31T08:50:00+00:00</AssetStart>
+    <FriendlyTitle xmlns="4873beb7-5857-4685-be1f-d57550cc96cc" xsi:nil="true"/>
+    <MarketSpecific xmlns="4873beb7-5857-4685-be1f-d57550cc96cc">false</MarketSpecific>
+    <TPNamespace xmlns="4873beb7-5857-4685-be1f-d57550cc96cc" xsi:nil="true"/>
+    <PublishStatusLookup xmlns="4873beb7-5857-4685-be1f-d57550cc96cc">
+      <Value>1616423</Value>
+    </PublishStatusLookup>
+    <APAuthor xmlns="4873beb7-5857-4685-be1f-d57550cc96cc">
+      <UserInfo>
+        <DisplayName>REDMOND\kristaa</DisplayName>
+        <AccountId>136</AccountId>
+        <AccountType/>
+      </UserInfo>
+    </APAuthor>
+    <TPCommandLine xmlns="4873beb7-5857-4685-be1f-d57550cc96cc" xsi:nil="true"/>
+    <IntlLangReviewer xmlns="4873beb7-5857-4685-be1f-d57550cc96cc" xsi:nil="true"/>
+    <OpenTemplate xmlns="4873beb7-5857-4685-be1f-d57550cc96cc">true</OpenTemplate>
+    <CSXSubmissionDate xmlns="4873beb7-5857-4685-be1f-d57550cc96cc" xsi:nil="true"/>
+    <TaxCatchAll xmlns="4873beb7-5857-4685-be1f-d57550cc96cc"/>
+    <Manager xmlns="4873beb7-5857-4685-be1f-d57550cc96cc" xsi:nil="true"/>
+    <NumericId xmlns="4873beb7-5857-4685-be1f-d57550cc96cc" xsi:nil="true"/>
+    <ParentAssetId xmlns="4873beb7-5857-4685-be1f-d57550cc96cc" xsi:nil="true"/>
+    <OriginalSourceMarket xmlns="4873beb7-5857-4685-be1f-d57550cc96cc" xsi:nil="true"/>
+    <ApprovalStatus xmlns="4873beb7-5857-4685-be1f-d57550cc96cc">InProgress</ApprovalStatus>
+    <TPComponent xmlns="4873beb7-5857-4685-be1f-d57550cc96cc" xsi:nil="true"/>
+    <EditorialTags xmlns="4873beb7-5857-4685-be1f-d57550cc96cc" xsi:nil="true"/>
+    <TPExecutable xmlns="4873beb7-5857-4685-be1f-d57550cc96cc" xsi:nil="true"/>
+    <TPLaunchHelpLink xmlns="4873beb7-5857-4685-be1f-d57550cc96cc" xsi:nil="true"/>
+    <LocComments xmlns="4873beb7-5857-4685-be1f-d57550cc96cc" xsi:nil="true"/>
+    <LocRecommendedHandoff xmlns="4873beb7-5857-4685-be1f-d57550cc96cc" xsi:nil="true"/>
+    <SourceTitle xmlns="4873beb7-5857-4685-be1f-d57550cc96cc" xsi:nil="true"/>
+    <CSXUpdate xmlns="4873beb7-5857-4685-be1f-d57550cc96cc">false</CSXUpdate>
+    <IntlLocPriority xmlns="4873beb7-5857-4685-be1f-d57550cc96cc" xsi:nil="true"/>
+    <UAProjectedTotalWords xmlns="4873beb7-5857-4685-be1f-d57550cc96cc" xsi:nil="true"/>
+    <AssetType xmlns="4873beb7-5857-4685-be1f-d57550cc96cc">TP</AssetType>
+    <MachineTranslated xmlns="4873beb7-5857-4685-be1f-d57550cc96cc">false</MachineTranslated>
+    <OutputCachingOn xmlns="4873beb7-5857-4685-be1f-d57550cc96cc">false</OutputCachingOn>
+    <TemplateStatus xmlns="4873beb7-5857-4685-be1f-d57550cc96cc">Complete</TemplateStatus>
+    <IsSearchable xmlns="4873beb7-5857-4685-be1f-d57550cc96cc">true</IsSearchable>
+    <ContentItem xmlns="4873beb7-5857-4685-be1f-d57550cc96cc" xsi:nil="true"/>
+    <HandoffToMSDN xmlns="4873beb7-5857-4685-be1f-d57550cc96cc" xsi:nil="true"/>
+    <ShowIn xmlns="4873beb7-5857-4685-be1f-d57550cc96cc">Show everywhere</ShowIn>
+    <ThumbnailAssetId xmlns="4873beb7-5857-4685-be1f-d57550cc96cc" xsi:nil="true"/>
+    <UALocComments xmlns="4873beb7-5857-4685-be1f-d57550cc96cc" xsi:nil="true"/>
+    <UALocRecommendation xmlns="4873beb7-5857-4685-be1f-d57550cc96cc">Localize</UALocRecommendation>
+    <LastModifiedDateTime xmlns="4873beb7-5857-4685-be1f-d57550cc96cc" xsi:nil="true"/>
+    <LegacyData xmlns="4873beb7-5857-4685-be1f-d57550cc96cc" xsi:nil="true"/>
+    <LocManualTestRequired xmlns="4873beb7-5857-4685-be1f-d57550cc96cc">false</LocManualTestRequired>
+    <LocMarketGroupTiers2 xmlns="4873beb7-5857-4685-be1f-d57550cc96cc" xsi:nil="true"/>
+    <ClipArtFilename xmlns="4873beb7-5857-4685-be1f-d57550cc96cc" xsi:nil="true"/>
+    <TPApplication xmlns="4873beb7-5857-4685-be1f-d57550cc96cc" xsi:nil="true"/>
+    <CSXHash xmlns="4873beb7-5857-4685-be1f-d57550cc96cc" xsi:nil="true"/>
+    <DirectSourceMarket xmlns="4873beb7-5857-4685-be1f-d57550cc96cc" xsi:nil="true"/>
+    <PrimaryImageGen xmlns="4873beb7-5857-4685-be1f-d57550cc96cc">true</PrimaryImageGen>
+    <PlannedPubDate xmlns="4873beb7-5857-4685-be1f-d57550cc96cc" xsi:nil="true"/>
+    <CSXSubmissionMarket xmlns="4873beb7-5857-4685-be1f-d57550cc96cc" xsi:nil="true"/>
+    <Downloads xmlns="4873beb7-5857-4685-be1f-d57550cc96cc">0</Downloads>
+    <ArtSampleDocs xmlns="4873beb7-5857-4685-be1f-d57550cc96cc" xsi:nil="true"/>
+    <TrustLevel xmlns="4873beb7-5857-4685-be1f-d57550cc96cc">1 Microsoft Managed Content</TrustLevel>
+    <BlockPublish xmlns="4873beb7-5857-4685-be1f-d57550cc96cc">false</BlockPublish>
+    <TPLaunchHelpLinkType xmlns="4873beb7-5857-4685-be1f-d57550cc96cc">Template</TPLaunchHelpLinkType>
+    <LocalizationTagsTaxHTField0 xmlns="4873beb7-5857-4685-be1f-d57550cc96cc">
+      <Terms xmlns="http://schemas.microsoft.com/office/infopath/2007/PartnerControls"/>
+    </LocalizationTagsTaxHTField0>
+    <BusinessGroup xmlns="4873beb7-5857-4685-be1f-d57550cc96cc" xsi:nil="true"/>
+    <Providers xmlns="4873beb7-5857-4685-be1f-d57550cc96cc" xsi:nil="true"/>
+    <TemplateTemplateType xmlns="4873beb7-5857-4685-be1f-d57550cc96cc">PowerPoint Presentation Template</TemplateTemplateType>
+    <TimesCloned xmlns="4873beb7-5857-4685-be1f-d57550cc96cc" xsi:nil="true"/>
+    <TPAppVersion xmlns="4873beb7-5857-4685-be1f-d57550cc96cc" xsi:nil="true"/>
+    <VoteCount xmlns="4873beb7-5857-4685-be1f-d57550cc96cc" xsi:nil="true"/>
+    <AverageRating xmlns="4873beb7-5857-4685-be1f-d57550cc96cc" xsi:nil="true"/>
+    <FeatureTagsTaxHTField0 xmlns="4873beb7-5857-4685-be1f-d57550cc96cc">
+      <Terms xmlns="http://schemas.microsoft.com/office/infopath/2007/PartnerControls"/>
+    </FeatureTagsTaxHTField0>
+    <Provider xmlns="4873beb7-5857-4685-be1f-d57550cc96cc" xsi:nil="true"/>
+    <UACurrentWords xmlns="4873beb7-5857-4685-be1f-d57550cc96cc" xsi:nil="true"/>
+    <AssetId xmlns="4873beb7-5857-4685-be1f-d57550cc96cc">TP103431361</AssetId>
+    <TPClientViewer xmlns="4873beb7-5857-4685-be1f-d57550cc96cc" xsi:nil="true"/>
+    <DSATActionTaken xmlns="4873beb7-5857-4685-be1f-d57550cc96cc" xsi:nil="true"/>
+    <APEditor xmlns="4873beb7-5857-4685-be1f-d57550cc96cc">
+      <UserInfo>
+        <DisplayName/>
+        <AccountId xsi:nil="true"/>
+        <AccountType/>
+      </UserInfo>
+    </APEditor>
+    <TPInstallLocation xmlns="4873beb7-5857-4685-be1f-d57550cc96cc" xsi:nil="true"/>
+    <OOCacheId xmlns="4873beb7-5857-4685-be1f-d57550cc96cc" xsi:nil="true"/>
+    <IsDeleted xmlns="4873beb7-5857-4685-be1f-d57550cc96cc">false</IsDeleted>
+    <PublishTargets xmlns="4873beb7-5857-4685-be1f-d57550cc96cc">OfficeOnlineVNext</PublishTargets>
+    <ApprovalLog xmlns="4873beb7-5857-4685-be1f-d57550cc96cc" xsi:nil="true"/>
+    <BugNumber xmlns="4873beb7-5857-4685-be1f-d57550cc96cc" xsi:nil="true"/>
+    <CrawlForDependencies xmlns="4873beb7-5857-4685-be1f-d57550cc96cc">false</CrawlForDependencies>
+    <InternalTagsTaxHTField0 xmlns="4873beb7-5857-4685-be1f-d57550cc96cc">
+      <Terms xmlns="http://schemas.microsoft.com/office/infopath/2007/PartnerControls"/>
+    </InternalTagsTaxHTField0>
+    <LastHandOff xmlns="4873beb7-5857-4685-be1f-d57550cc96cc" xsi:nil="true"/>
+    <Milestone xmlns="4873beb7-5857-4685-be1f-d57550cc96cc" xsi:nil="true"/>
+    <OriginalRelease xmlns="4873beb7-5857-4685-be1f-d57550cc96cc">15</OriginalRelease>
+    <RecommendationsModifier xmlns="4873beb7-5857-4685-be1f-d57550cc96cc" xsi:nil="true"/>
+    <ScenarioTagsTaxHTField0 xmlns="4873beb7-5857-4685-be1f-d57550cc96cc">
+      <Terms xmlns="http://schemas.microsoft.com/office/infopath/2007/PartnerControls"/>
+    </ScenarioTagsTaxHTField0>
+    <UANotes xmlns="4873beb7-5857-4685-be1f-d57550cc96cc" xsi:nil="true"/>
+  </documentManagement>
+</p:properties>
+</file>
+
+<file path=customXml/item2.xml><?xml version="1.0" encoding="utf-8"?>
+<?mso-contentType ?>
+<FormTemplates xmlns="http://schemas.microsoft.com/sharepoint/v3/contenttype/forms">
+  <Display>DocumentLibraryForm</Display>
+  <Edit>AssetEditForm</Edit>
+  <New>DocumentLibraryForm</New>
+</FormTemplates>
+</file>
+
+<file path=customXml/item3.xml><?xml version="1.0" encoding="utf-8"?>
 <ct:contentTypeSchema xmlns:ct="http://schemas.microsoft.com/office/2006/metadata/contentType" xmlns:ma="http://schemas.microsoft.com/office/2006/metadata/properties/metaAttributes" ct:_="" ma:_="" ma:contentTypeName="TemplateFile" ma:contentTypeID="0x0101006EDDDB5EE6D98C44930B742096920B300400F5B6D36B3EF94B4E9A635CDF2A18F5B8" ma:contentTypeVersion="72" ma:contentTypeDescription="Create a new document." ma:contentTypeScope="" ma:versionID="a23e56308344d904b51738559c3d67c9">
   <xsd:schema xmlns:xsd="http://www.w3.org/2001/XMLSchema" xmlns:xs="http://www.w3.org/2001/XMLSchema" xmlns:p="http://schemas.microsoft.com/office/2006/metadata/properties" xmlns:ns2="4873beb7-5857-4685-be1f-d57550cc96cc" targetNamespace="http://schemas.microsoft.com/office/2006/metadata/properties" ma:root="true" ma:fieldsID="cd0908cc4600e77bf5da051303e00c8d" ns2:_="">
     <xsd:import namespace="4873beb7-5857-4685-be1f-d57550cc96cc"/>
@@ -8573,142 +8714,31 @@
 </ct:contentTypeSchema>
 </file>
 
-<file path=customXml/item2.xml><?xml version="1.0" encoding="utf-8"?>
-<?mso-contentType ?>
-<FormTemplates xmlns="http://schemas.microsoft.com/sharepoint/v3/contenttype/forms">
-  <Display>DocumentLibraryForm</Display>
-  <Edit>AssetEditForm</Edit>
-  <New>DocumentLibraryForm</New>
-</FormTemplates>
+<file path=customXml/itemProps1.xml><?xml version="1.0" encoding="utf-8"?>
+<ds:datastoreItem xmlns:ds="http://schemas.openxmlformats.org/officeDocument/2006/customXml" ds:itemID="{8CDDBB83-77C1-4099-A0AA-289882E745E2}">
+  <ds:schemaRefs>
+    <ds:schemaRef ds:uri="http://purl.org/dc/elements/1.1/"/>
+    <ds:schemaRef ds:uri="http://schemas.microsoft.com/office/2006/metadata/properties"/>
+    <ds:schemaRef ds:uri="4873beb7-5857-4685-be1f-d57550cc96cc"/>
+    <ds:schemaRef ds:uri="http://schemas.openxmlformats.org/package/2006/metadata/core-properties"/>
+    <ds:schemaRef ds:uri="http://purl.org/dc/terms/"/>
+    <ds:schemaRef ds:uri="http://schemas.microsoft.com/office/2006/documentManagement/types"/>
+    <ds:schemaRef ds:uri="http://schemas.microsoft.com/office/infopath/2007/PartnerControls"/>
+    <ds:schemaRef ds:uri="http://www.w3.org/XML/1998/namespace"/>
+    <ds:schemaRef ds:uri="http://purl.org/dc/dcmitype/"/>
+  </ds:schemaRefs>
+</ds:datastoreItem>
 </file>
 
-<file path=customXml/item3.xml><?xml version="1.0" encoding="utf-8"?>
-<p:properties xmlns:p="http://schemas.microsoft.com/office/2006/metadata/properties" xmlns:xsi="http://www.w3.org/2001/XMLSchema-instance" xmlns:pc="http://schemas.microsoft.com/office/infopath/2007/PartnerControls">
-  <documentManagement>
-    <APDescription xmlns="4873beb7-5857-4685-be1f-d57550cc96cc" xsi:nil="true"/>
-    <AssetExpire xmlns="4873beb7-5857-4685-be1f-d57550cc96cc">2029-01-01T08:00:00+00:00</AssetExpire>
-    <CampaignTagsTaxHTField0 xmlns="4873beb7-5857-4685-be1f-d57550cc96cc">
-      <Terms xmlns="http://schemas.microsoft.com/office/infopath/2007/PartnerControls"/>
-    </CampaignTagsTaxHTField0>
-    <IntlLangReviewDate xmlns="4873beb7-5857-4685-be1f-d57550cc96cc" xsi:nil="true"/>
-    <TPFriendlyName xmlns="4873beb7-5857-4685-be1f-d57550cc96cc" xsi:nil="true"/>
-    <IntlLangReview xmlns="4873beb7-5857-4685-be1f-d57550cc96cc">false</IntlLangReview>
-    <LocLastLocAttemptVersionLookup xmlns="4873beb7-5857-4685-be1f-d57550cc96cc">855024</LocLastLocAttemptVersionLookup>
-    <PolicheckWords xmlns="4873beb7-5857-4685-be1f-d57550cc96cc" xsi:nil="true"/>
-    <SubmitterId xmlns="4873beb7-5857-4685-be1f-d57550cc96cc" xsi:nil="true"/>
-    <AcquiredFrom xmlns="4873beb7-5857-4685-be1f-d57550cc96cc">Internal MS</AcquiredFrom>
-    <EditorialStatus xmlns="4873beb7-5857-4685-be1f-d57550cc96cc">Complete</EditorialStatus>
-    <Markets xmlns="4873beb7-5857-4685-be1f-d57550cc96cc"/>
-    <OriginAsset xmlns="4873beb7-5857-4685-be1f-d57550cc96cc" xsi:nil="true"/>
-    <AssetStart xmlns="4873beb7-5857-4685-be1f-d57550cc96cc">2012-08-31T08:50:00+00:00</AssetStart>
-    <FriendlyTitle xmlns="4873beb7-5857-4685-be1f-d57550cc96cc" xsi:nil="true"/>
-    <MarketSpecific xmlns="4873beb7-5857-4685-be1f-d57550cc96cc">false</MarketSpecific>
-    <TPNamespace xmlns="4873beb7-5857-4685-be1f-d57550cc96cc" xsi:nil="true"/>
-    <PublishStatusLookup xmlns="4873beb7-5857-4685-be1f-d57550cc96cc">
-      <Value>1616423</Value>
-    </PublishStatusLookup>
-    <APAuthor xmlns="4873beb7-5857-4685-be1f-d57550cc96cc">
-      <UserInfo>
-        <DisplayName>REDMOND\kristaa</DisplayName>
-        <AccountId>136</AccountId>
-        <AccountType/>
-      </UserInfo>
-    </APAuthor>
-    <TPCommandLine xmlns="4873beb7-5857-4685-be1f-d57550cc96cc" xsi:nil="true"/>
-    <IntlLangReviewer xmlns="4873beb7-5857-4685-be1f-d57550cc96cc" xsi:nil="true"/>
-    <OpenTemplate xmlns="4873beb7-5857-4685-be1f-d57550cc96cc">true</OpenTemplate>
-    <CSXSubmissionDate xmlns="4873beb7-5857-4685-be1f-d57550cc96cc" xsi:nil="true"/>
-    <TaxCatchAll xmlns="4873beb7-5857-4685-be1f-d57550cc96cc"/>
-    <Manager xmlns="4873beb7-5857-4685-be1f-d57550cc96cc" xsi:nil="true"/>
-    <NumericId xmlns="4873beb7-5857-4685-be1f-d57550cc96cc" xsi:nil="true"/>
-    <ParentAssetId xmlns="4873beb7-5857-4685-be1f-d57550cc96cc" xsi:nil="true"/>
-    <OriginalSourceMarket xmlns="4873beb7-5857-4685-be1f-d57550cc96cc" xsi:nil="true"/>
-    <ApprovalStatus xmlns="4873beb7-5857-4685-be1f-d57550cc96cc">InProgress</ApprovalStatus>
-    <TPComponent xmlns="4873beb7-5857-4685-be1f-d57550cc96cc" xsi:nil="true"/>
-    <EditorialTags xmlns="4873beb7-5857-4685-be1f-d57550cc96cc" xsi:nil="true"/>
-    <TPExecutable xmlns="4873beb7-5857-4685-be1f-d57550cc96cc" xsi:nil="true"/>
-    <TPLaunchHelpLink xmlns="4873beb7-5857-4685-be1f-d57550cc96cc" xsi:nil="true"/>
-    <LocComments xmlns="4873beb7-5857-4685-be1f-d57550cc96cc" xsi:nil="true"/>
-    <LocRecommendedHandoff xmlns="4873beb7-5857-4685-be1f-d57550cc96cc" xsi:nil="true"/>
-    <SourceTitle xmlns="4873beb7-5857-4685-be1f-d57550cc96cc" xsi:nil="true"/>
-    <CSXUpdate xmlns="4873beb7-5857-4685-be1f-d57550cc96cc">false</CSXUpdate>
-    <IntlLocPriority xmlns="4873beb7-5857-4685-be1f-d57550cc96cc" xsi:nil="true"/>
-    <UAProjectedTotalWords xmlns="4873beb7-5857-4685-be1f-d57550cc96cc" xsi:nil="true"/>
-    <AssetType xmlns="4873beb7-5857-4685-be1f-d57550cc96cc">TP</AssetType>
-    <MachineTranslated xmlns="4873beb7-5857-4685-be1f-d57550cc96cc">false</MachineTranslated>
-    <OutputCachingOn xmlns="4873beb7-5857-4685-be1f-d57550cc96cc">false</OutputCachingOn>
-    <TemplateStatus xmlns="4873beb7-5857-4685-be1f-d57550cc96cc">Complete</TemplateStatus>
-    <IsSearchable xmlns="4873beb7-5857-4685-be1f-d57550cc96cc">true</IsSearchable>
-    <ContentItem xmlns="4873beb7-5857-4685-be1f-d57550cc96cc" xsi:nil="true"/>
-    <HandoffToMSDN xmlns="4873beb7-5857-4685-be1f-d57550cc96cc" xsi:nil="true"/>
-    <ShowIn xmlns="4873beb7-5857-4685-be1f-d57550cc96cc">Show everywhere</ShowIn>
-    <ThumbnailAssetId xmlns="4873beb7-5857-4685-be1f-d57550cc96cc" xsi:nil="true"/>
-    <UALocComments xmlns="4873beb7-5857-4685-be1f-d57550cc96cc" xsi:nil="true"/>
-    <UALocRecommendation xmlns="4873beb7-5857-4685-be1f-d57550cc96cc">Localize</UALocRecommendation>
-    <LastModifiedDateTime xmlns="4873beb7-5857-4685-be1f-d57550cc96cc" xsi:nil="true"/>
-    <LegacyData xmlns="4873beb7-5857-4685-be1f-d57550cc96cc" xsi:nil="true"/>
-    <LocManualTestRequired xmlns="4873beb7-5857-4685-be1f-d57550cc96cc">false</LocManualTestRequired>
-    <LocMarketGroupTiers2 xmlns="4873beb7-5857-4685-be1f-d57550cc96cc" xsi:nil="true"/>
-    <ClipArtFilename xmlns="4873beb7-5857-4685-be1f-d57550cc96cc" xsi:nil="true"/>
-    <TPApplication xmlns="4873beb7-5857-4685-be1f-d57550cc96cc" xsi:nil="true"/>
-    <CSXHash xmlns="4873beb7-5857-4685-be1f-d57550cc96cc" xsi:nil="true"/>
-    <DirectSourceMarket xmlns="4873beb7-5857-4685-be1f-d57550cc96cc" xsi:nil="true"/>
-    <PrimaryImageGen xmlns="4873beb7-5857-4685-be1f-d57550cc96cc">true</PrimaryImageGen>
-    <PlannedPubDate xmlns="4873beb7-5857-4685-be1f-d57550cc96cc" xsi:nil="true"/>
-    <CSXSubmissionMarket xmlns="4873beb7-5857-4685-be1f-d57550cc96cc" xsi:nil="true"/>
-    <Downloads xmlns="4873beb7-5857-4685-be1f-d57550cc96cc">0</Downloads>
-    <ArtSampleDocs xmlns="4873beb7-5857-4685-be1f-d57550cc96cc" xsi:nil="true"/>
-    <TrustLevel xmlns="4873beb7-5857-4685-be1f-d57550cc96cc">1 Microsoft Managed Content</TrustLevel>
-    <BlockPublish xmlns="4873beb7-5857-4685-be1f-d57550cc96cc">false</BlockPublish>
-    <TPLaunchHelpLinkType xmlns="4873beb7-5857-4685-be1f-d57550cc96cc">Template</TPLaunchHelpLinkType>
-    <LocalizationTagsTaxHTField0 xmlns="4873beb7-5857-4685-be1f-d57550cc96cc">
-      <Terms xmlns="http://schemas.microsoft.com/office/infopath/2007/PartnerControls"/>
-    </LocalizationTagsTaxHTField0>
-    <BusinessGroup xmlns="4873beb7-5857-4685-be1f-d57550cc96cc" xsi:nil="true"/>
-    <Providers xmlns="4873beb7-5857-4685-be1f-d57550cc96cc" xsi:nil="true"/>
-    <TemplateTemplateType xmlns="4873beb7-5857-4685-be1f-d57550cc96cc">PowerPoint Presentation Template</TemplateTemplateType>
-    <TimesCloned xmlns="4873beb7-5857-4685-be1f-d57550cc96cc" xsi:nil="true"/>
-    <TPAppVersion xmlns="4873beb7-5857-4685-be1f-d57550cc96cc" xsi:nil="true"/>
-    <VoteCount xmlns="4873beb7-5857-4685-be1f-d57550cc96cc" xsi:nil="true"/>
-    <AverageRating xmlns="4873beb7-5857-4685-be1f-d57550cc96cc" xsi:nil="true"/>
-    <FeatureTagsTaxHTField0 xmlns="4873beb7-5857-4685-be1f-d57550cc96cc">
-      <Terms xmlns="http://schemas.microsoft.com/office/infopath/2007/PartnerControls"/>
-    </FeatureTagsTaxHTField0>
-    <Provider xmlns="4873beb7-5857-4685-be1f-d57550cc96cc" xsi:nil="true"/>
-    <UACurrentWords xmlns="4873beb7-5857-4685-be1f-d57550cc96cc" xsi:nil="true"/>
-    <AssetId xmlns="4873beb7-5857-4685-be1f-d57550cc96cc">TP103431361</AssetId>
-    <TPClientViewer xmlns="4873beb7-5857-4685-be1f-d57550cc96cc" xsi:nil="true"/>
-    <DSATActionTaken xmlns="4873beb7-5857-4685-be1f-d57550cc96cc" xsi:nil="true"/>
-    <APEditor xmlns="4873beb7-5857-4685-be1f-d57550cc96cc">
-      <UserInfo>
-        <DisplayName/>
-        <AccountId xsi:nil="true"/>
-        <AccountType/>
-      </UserInfo>
-    </APEditor>
-    <TPInstallLocation xmlns="4873beb7-5857-4685-be1f-d57550cc96cc" xsi:nil="true"/>
-    <OOCacheId xmlns="4873beb7-5857-4685-be1f-d57550cc96cc" xsi:nil="true"/>
-    <IsDeleted xmlns="4873beb7-5857-4685-be1f-d57550cc96cc">false</IsDeleted>
-    <PublishTargets xmlns="4873beb7-5857-4685-be1f-d57550cc96cc">OfficeOnlineVNext</PublishTargets>
-    <ApprovalLog xmlns="4873beb7-5857-4685-be1f-d57550cc96cc" xsi:nil="true"/>
-    <BugNumber xmlns="4873beb7-5857-4685-be1f-d57550cc96cc" xsi:nil="true"/>
-    <CrawlForDependencies xmlns="4873beb7-5857-4685-be1f-d57550cc96cc">false</CrawlForDependencies>
-    <InternalTagsTaxHTField0 xmlns="4873beb7-5857-4685-be1f-d57550cc96cc">
-      <Terms xmlns="http://schemas.microsoft.com/office/infopath/2007/PartnerControls"/>
-    </InternalTagsTaxHTField0>
-    <LastHandOff xmlns="4873beb7-5857-4685-be1f-d57550cc96cc" xsi:nil="true"/>
-    <Milestone xmlns="4873beb7-5857-4685-be1f-d57550cc96cc" xsi:nil="true"/>
-    <OriginalRelease xmlns="4873beb7-5857-4685-be1f-d57550cc96cc">15</OriginalRelease>
-    <RecommendationsModifier xmlns="4873beb7-5857-4685-be1f-d57550cc96cc" xsi:nil="true"/>
-    <ScenarioTagsTaxHTField0 xmlns="4873beb7-5857-4685-be1f-d57550cc96cc">
-      <Terms xmlns="http://schemas.microsoft.com/office/infopath/2007/PartnerControls"/>
-    </ScenarioTagsTaxHTField0>
-    <UANotes xmlns="4873beb7-5857-4685-be1f-d57550cc96cc" xsi:nil="true"/>
-  </documentManagement>
-</p:properties>
+<file path=customXml/itemProps2.xml><?xml version="1.0" encoding="utf-8"?>
+<ds:datastoreItem xmlns:ds="http://schemas.openxmlformats.org/officeDocument/2006/customXml" ds:itemID="{561E720F-F05D-4536-9C34-0CFCED65D3B7}">
+  <ds:schemaRefs>
+    <ds:schemaRef ds:uri="http://schemas.microsoft.com/sharepoint/v3/contenttype/forms"/>
+  </ds:schemaRefs>
+</ds:datastoreItem>
 </file>
 
-<file path=customXml/itemProps1.xml><?xml version="1.0" encoding="utf-8"?>
+<file path=customXml/itemProps3.xml><?xml version="1.0" encoding="utf-8"?>
 <ds:datastoreItem xmlns:ds="http://schemas.openxmlformats.org/officeDocument/2006/customXml" ds:itemID="{28C8B9CA-0273-4370-889A-FC05DA5C2FA5}">
   <ds:schemaRefs>
     <ds:schemaRef ds:uri="http://schemas.microsoft.com/office/2006/metadata/contentType"/>
@@ -8724,28 +8754,4 @@
     <ds:schemaRef ds:uri="http://schemas.microsoft.com/internal/obd"/>
   </ds:schemaRefs>
 </ds:datastoreItem>
-</file>
-
-<file path=customXml/itemProps2.xml><?xml version="1.0" encoding="utf-8"?>
-<ds:datastoreItem xmlns:ds="http://schemas.openxmlformats.org/officeDocument/2006/customXml" ds:itemID="{561E720F-F05D-4536-9C34-0CFCED65D3B7}">
-  <ds:schemaRefs>
-    <ds:schemaRef ds:uri="http://schemas.microsoft.com/sharepoint/v3/contenttype/forms"/>
-  </ds:schemaRefs>
-</ds:datastoreItem>
-</file>
-
-<file path=customXml/itemProps3.xml><?xml version="1.0" encoding="utf-8"?>
-<ds:datastoreItem xmlns:ds="http://schemas.openxmlformats.org/officeDocument/2006/customXml" ds:itemID="{8CDDBB83-77C1-4099-A0AA-289882E745E2}">
-  <ds:schemaRefs>
-    <ds:schemaRef ds:uri="http://purl.org/dc/elements/1.1/"/>
-    <ds:schemaRef ds:uri="http://schemas.microsoft.com/office/2006/metadata/properties"/>
-    <ds:schemaRef ds:uri="4873beb7-5857-4685-be1f-d57550cc96cc"/>
-    <ds:schemaRef ds:uri="http://schemas.openxmlformats.org/package/2006/metadata/core-properties"/>
-    <ds:schemaRef ds:uri="http://purl.org/dc/terms/"/>
-    <ds:schemaRef ds:uri="http://schemas.microsoft.com/office/2006/documentManagement/types"/>
-    <ds:schemaRef ds:uri="http://schemas.microsoft.com/office/infopath/2007/PartnerControls"/>
-    <ds:schemaRef ds:uri="http://www.w3.org/XML/1998/namespace"/>
-    <ds:schemaRef ds:uri="http://purl.org/dc/dcmitype/"/>
-  </ds:schemaRefs>
-</ds:datastoreItem>
 </file>